--- a/SOFTWARE PROJECT LAB-1.pptx
+++ b/SOFTWARE PROJECT LAB-1.pptx
@@ -5,10 +5,10 @@
     <p:sldMasterId id="2147483648" r:id="rId4"/>
   </p:sldMasterIdLst>
   <p:notesMasterIdLst>
-    <p:notesMasterId r:id="rId17"/>
+    <p:notesMasterId r:id="rId16"/>
   </p:notesMasterIdLst>
   <p:handoutMasterIdLst>
-    <p:handoutMasterId r:id="rId18"/>
+    <p:handoutMasterId r:id="rId17"/>
   </p:handoutMasterIdLst>
   <p:sldIdLst>
     <p:sldId id="256" r:id="rId5"/>
@@ -22,7 +22,6 @@
     <p:sldId id="289" r:id="rId13"/>
     <p:sldId id="290" r:id="rId14"/>
     <p:sldId id="269" r:id="rId15"/>
-    <p:sldId id="268" r:id="rId16"/>
   </p:sldIdLst>
   <p:sldSz cx="12192000" cy="6858000"/>
   <p:notesSz cx="6858000" cy="9144000"/>
@@ -182,7 +181,7 @@
           <p:cNvPr id="2" name="Header Placeholder 1">
             <a:extLst>
               <a:ext uri="{FF2B5EF4-FFF2-40B4-BE49-F238E27FC236}">
-                <a16:creationId xmlns:a16="http://schemas.microsoft.com/office/drawing/2014/main" xmlns="" id="{E62FF6B6-4F8A-40F7-B5F4-FC3996824D73}"/>
+                <a16:creationId xmlns="" xmlns:a16="http://schemas.microsoft.com/office/drawing/2014/main" id="{E62FF6B6-4F8A-40F7-B5F4-FC3996824D73}"/>
               </a:ext>
             </a:extLst>
           </p:cNvPr>
@@ -219,7 +218,7 @@
           <p:cNvPr id="3" name="Date Placeholder 2">
             <a:extLst>
               <a:ext uri="{FF2B5EF4-FFF2-40B4-BE49-F238E27FC236}">
-                <a16:creationId xmlns:a16="http://schemas.microsoft.com/office/drawing/2014/main" xmlns="" id="{8910A999-F365-48DF-976A-0517FE045440}"/>
+                <a16:creationId xmlns="" xmlns:a16="http://schemas.microsoft.com/office/drawing/2014/main" id="{8910A999-F365-48DF-976A-0517FE045440}"/>
               </a:ext>
             </a:extLst>
           </p:cNvPr>
@@ -260,7 +259,7 @@
           <p:cNvPr id="4" name="Footer Placeholder 3">
             <a:extLst>
               <a:ext uri="{FF2B5EF4-FFF2-40B4-BE49-F238E27FC236}">
-                <a16:creationId xmlns:a16="http://schemas.microsoft.com/office/drawing/2014/main" xmlns="" id="{F8735C90-ADBF-4B9E-BE88-E1C8F83EB4D2}"/>
+                <a16:creationId xmlns="" xmlns:a16="http://schemas.microsoft.com/office/drawing/2014/main" id="{F8735C90-ADBF-4B9E-BE88-E1C8F83EB4D2}"/>
               </a:ext>
             </a:extLst>
           </p:cNvPr>
@@ -297,7 +296,7 @@
           <p:cNvPr id="5" name="Slide Number Placeholder 4">
             <a:extLst>
               <a:ext uri="{FF2B5EF4-FFF2-40B4-BE49-F238E27FC236}">
-                <a16:creationId xmlns:a16="http://schemas.microsoft.com/office/drawing/2014/main" xmlns="" id="{82506A01-6D0A-45EF-A584-05A3361D66F7}"/>
+                <a16:creationId xmlns="" xmlns:a16="http://schemas.microsoft.com/office/drawing/2014/main" id="{82506A01-6D0A-45EF-A584-05A3361D66F7}"/>
               </a:ext>
             </a:extLst>
           </p:cNvPr>
@@ -715,7 +714,7 @@
           <p:cNvPr id="21" name="Rectangle 20">
             <a:extLst>
               <a:ext uri="{FF2B5EF4-FFF2-40B4-BE49-F238E27FC236}">
-                <a16:creationId xmlns:a16="http://schemas.microsoft.com/office/drawing/2014/main" xmlns="" id="{6E739168-A5E8-443A-B392-7AD4CF8977AD}"/>
+                <a16:creationId xmlns="" xmlns:a16="http://schemas.microsoft.com/office/drawing/2014/main" id="{6E739168-A5E8-443A-B392-7AD4CF8977AD}"/>
               </a:ext>
             </a:extLst>
           </p:cNvPr>
@@ -767,7 +766,7 @@
           <p:cNvPr id="7" name="Group 6">
             <a:extLst>
               <a:ext uri="{FF2B5EF4-FFF2-40B4-BE49-F238E27FC236}">
-                <a16:creationId xmlns:a16="http://schemas.microsoft.com/office/drawing/2014/main" xmlns="" id="{4CA15AFD-4983-47DD-9ED0-D3B27E5A096F}"/>
+                <a16:creationId xmlns="" xmlns:a16="http://schemas.microsoft.com/office/drawing/2014/main" id="{4CA15AFD-4983-47DD-9ED0-D3B27E5A096F}"/>
               </a:ext>
             </a:extLst>
           </p:cNvPr>
@@ -787,7 +786,7 @@
             <p:cNvPr id="8" name="Group 7">
               <a:extLst>
                 <a:ext uri="{FF2B5EF4-FFF2-40B4-BE49-F238E27FC236}">
-                  <a16:creationId xmlns:a16="http://schemas.microsoft.com/office/drawing/2014/main" xmlns="" id="{2222D5E2-E9B4-4180-98B8-4E514C9ADB28}"/>
+                  <a16:creationId xmlns="" xmlns:a16="http://schemas.microsoft.com/office/drawing/2014/main" id="{2222D5E2-E9B4-4180-98B8-4E514C9ADB28}"/>
                 </a:ext>
               </a:extLst>
             </p:cNvPr>
@@ -807,7 +806,7 @@
               <p:cNvPr id="15" name="Freeform: Shape 14">
                 <a:extLst>
                   <a:ext uri="{FF2B5EF4-FFF2-40B4-BE49-F238E27FC236}">
-                    <a16:creationId xmlns:a16="http://schemas.microsoft.com/office/drawing/2014/main" xmlns="" id="{41E10E1E-5268-4F03-BA64-07E19DE26739}"/>
+                    <a16:creationId xmlns="" xmlns:a16="http://schemas.microsoft.com/office/drawing/2014/main" id="{41E10E1E-5268-4F03-BA64-07E19DE26739}"/>
                   </a:ext>
                 </a:extLst>
               </p:cNvPr>
@@ -944,7 +943,7 @@
               <p:cNvPr id="16" name="Freeform: Shape 15">
                 <a:extLst>
                   <a:ext uri="{FF2B5EF4-FFF2-40B4-BE49-F238E27FC236}">
-                    <a16:creationId xmlns:a16="http://schemas.microsoft.com/office/drawing/2014/main" xmlns="" id="{B989C45D-BDFF-418F-BE79-03FF70015770}"/>
+                    <a16:creationId xmlns="" xmlns:a16="http://schemas.microsoft.com/office/drawing/2014/main" id="{B989C45D-BDFF-418F-BE79-03FF70015770}"/>
                   </a:ext>
                 </a:extLst>
               </p:cNvPr>
@@ -1108,7 +1107,7 @@
               <p:cNvPr id="17" name="Right Triangle 16">
                 <a:extLst>
                   <a:ext uri="{FF2B5EF4-FFF2-40B4-BE49-F238E27FC236}">
-                    <a16:creationId xmlns:a16="http://schemas.microsoft.com/office/drawing/2014/main" xmlns="" id="{8DCD5806-2A2F-4ABF-8057-245681C498E6}"/>
+                    <a16:creationId xmlns="" xmlns:a16="http://schemas.microsoft.com/office/drawing/2014/main" id="{8DCD5806-2A2F-4ABF-8057-245681C498E6}"/>
                   </a:ext>
                 </a:extLst>
               </p:cNvPr>
@@ -1162,7 +1161,7 @@
               <p:cNvPr id="18" name="Right Triangle 17">
                 <a:extLst>
                   <a:ext uri="{FF2B5EF4-FFF2-40B4-BE49-F238E27FC236}">
-                    <a16:creationId xmlns:a16="http://schemas.microsoft.com/office/drawing/2014/main" xmlns="" id="{3A93038F-E9E4-4FFD-B3DF-28DB7C2C1490}"/>
+                    <a16:creationId xmlns="" xmlns:a16="http://schemas.microsoft.com/office/drawing/2014/main" id="{3A93038F-E9E4-4FFD-B3DF-28DB7C2C1490}"/>
                   </a:ext>
                 </a:extLst>
               </p:cNvPr>
@@ -1219,7 +1218,7 @@
               <p:cNvPr id="19" name="Right Triangle 18">
                 <a:extLst>
                   <a:ext uri="{FF2B5EF4-FFF2-40B4-BE49-F238E27FC236}">
-                    <a16:creationId xmlns:a16="http://schemas.microsoft.com/office/drawing/2014/main" xmlns="" id="{5DEA1E02-BBD0-4AE3-AF22-433B90272178}"/>
+                    <a16:creationId xmlns="" xmlns:a16="http://schemas.microsoft.com/office/drawing/2014/main" id="{5DEA1E02-BBD0-4AE3-AF22-433B90272178}"/>
                   </a:ext>
                 </a:extLst>
               </p:cNvPr>
@@ -1273,7 +1272,7 @@
               <p:cNvPr id="20" name="Freeform: Shape 19">
                 <a:extLst>
                   <a:ext uri="{FF2B5EF4-FFF2-40B4-BE49-F238E27FC236}">
-                    <a16:creationId xmlns:a16="http://schemas.microsoft.com/office/drawing/2014/main" xmlns="" id="{0027A677-9ACB-4264-B148-4806678FB83F}"/>
+                    <a16:creationId xmlns="" xmlns:a16="http://schemas.microsoft.com/office/drawing/2014/main" id="{0027A677-9ACB-4264-B148-4806678FB83F}"/>
                   </a:ext>
                 </a:extLst>
               </p:cNvPr>
@@ -1436,7 +1435,7 @@
             <p:cNvPr id="9" name="Freeform: Shape 12">
               <a:extLst>
                 <a:ext uri="{FF2B5EF4-FFF2-40B4-BE49-F238E27FC236}">
-                  <a16:creationId xmlns:a16="http://schemas.microsoft.com/office/drawing/2014/main" xmlns="" id="{E3AAB79D-382D-4A95-965E-526B6A681DA7}"/>
+                  <a16:creationId xmlns="" xmlns:a16="http://schemas.microsoft.com/office/drawing/2014/main" id="{E3AAB79D-382D-4A95-965E-526B6A681DA7}"/>
                 </a:ext>
               </a:extLst>
             </p:cNvPr>
@@ -1526,7 +1525,7 @@
             <p:cNvPr id="10" name="Freeform: Shape 9">
               <a:extLst>
                 <a:ext uri="{FF2B5EF4-FFF2-40B4-BE49-F238E27FC236}">
-                  <a16:creationId xmlns:a16="http://schemas.microsoft.com/office/drawing/2014/main" xmlns="" id="{C0A22127-2B4A-4B15-B0A9-F019A30347A1}"/>
+                  <a16:creationId xmlns="" xmlns:a16="http://schemas.microsoft.com/office/drawing/2014/main" id="{C0A22127-2B4A-4B15-B0A9-F019A30347A1}"/>
                 </a:ext>
               </a:extLst>
             </p:cNvPr>
@@ -1629,7 +1628,7 @@
             <p:cNvPr id="11" name="Freeform: Shape 12">
               <a:extLst>
                 <a:ext uri="{FF2B5EF4-FFF2-40B4-BE49-F238E27FC236}">
-                  <a16:creationId xmlns:a16="http://schemas.microsoft.com/office/drawing/2014/main" xmlns="" id="{F04D9FDC-1B67-4254-9535-CD32E81F0C3E}"/>
+                  <a16:creationId xmlns="" xmlns:a16="http://schemas.microsoft.com/office/drawing/2014/main" id="{F04D9FDC-1B67-4254-9535-CD32E81F0C3E}"/>
                 </a:ext>
               </a:extLst>
             </p:cNvPr>
@@ -1727,7 +1726,7 @@
             <p:cNvPr id="12" name="Group 11">
               <a:extLst>
                 <a:ext uri="{FF2B5EF4-FFF2-40B4-BE49-F238E27FC236}">
-                  <a16:creationId xmlns:a16="http://schemas.microsoft.com/office/drawing/2014/main" xmlns="" id="{0A86C4EA-4CF8-4531-845D-4FCB1E2F7422}"/>
+                  <a16:creationId xmlns="" xmlns:a16="http://schemas.microsoft.com/office/drawing/2014/main" id="{0A86C4EA-4CF8-4531-845D-4FCB1E2F7422}"/>
                 </a:ext>
               </a:extLst>
             </p:cNvPr>
@@ -1747,7 +1746,7 @@
               <p:cNvPr id="13" name="Freeform: Shape 12">
                 <a:extLst>
                   <a:ext uri="{FF2B5EF4-FFF2-40B4-BE49-F238E27FC236}">
-                    <a16:creationId xmlns:a16="http://schemas.microsoft.com/office/drawing/2014/main" xmlns="" id="{1101B195-C112-4D20-8D19-4D22479B150D}"/>
+                    <a16:creationId xmlns="" xmlns:a16="http://schemas.microsoft.com/office/drawing/2014/main" id="{1101B195-C112-4D20-8D19-4D22479B150D}"/>
                   </a:ext>
                 </a:extLst>
               </p:cNvPr>
@@ -1837,7 +1836,7 @@
               <p:cNvPr id="14" name="Freeform: Shape 12">
                 <a:extLst>
                   <a:ext uri="{FF2B5EF4-FFF2-40B4-BE49-F238E27FC236}">
-                    <a16:creationId xmlns:a16="http://schemas.microsoft.com/office/drawing/2014/main" xmlns="" id="{CA755F1F-9955-4CBB-8F34-F7801CA44CE7}"/>
+                    <a16:creationId xmlns="" xmlns:a16="http://schemas.microsoft.com/office/drawing/2014/main" id="{CA755F1F-9955-4CBB-8F34-F7801CA44CE7}"/>
                   </a:ext>
                 </a:extLst>
               </p:cNvPr>
@@ -1937,7 +1936,7 @@
           <p:cNvPr id="2" name="Title 1">
             <a:extLst>
               <a:ext uri="{FF2B5EF4-FFF2-40B4-BE49-F238E27FC236}">
-                <a16:creationId xmlns:a16="http://schemas.microsoft.com/office/drawing/2014/main" xmlns="" id="{9E597736-C478-4C26-9BAF-205FE31E977C}"/>
+                <a16:creationId xmlns="" xmlns:a16="http://schemas.microsoft.com/office/drawing/2014/main" id="{9E597736-C478-4C26-9BAF-205FE31E977C}"/>
               </a:ext>
             </a:extLst>
           </p:cNvPr>
@@ -1984,7 +1983,7 @@
           <p:cNvPr id="3" name="Subtitle 2">
             <a:extLst>
               <a:ext uri="{FF2B5EF4-FFF2-40B4-BE49-F238E27FC236}">
-                <a16:creationId xmlns:a16="http://schemas.microsoft.com/office/drawing/2014/main" xmlns="" id="{C3D2DEF0-A0B0-4CFE-B67D-A9D75E2368DC}"/>
+                <a16:creationId xmlns="" xmlns:a16="http://schemas.microsoft.com/office/drawing/2014/main" id="{C3D2DEF0-A0B0-4CFE-B67D-A9D75E2368DC}"/>
               </a:ext>
             </a:extLst>
           </p:cNvPr>
@@ -2069,7 +2068,7 @@
           <p:cNvPr id="11" name="Rectangle 10">
             <a:extLst>
               <a:ext uri="{FF2B5EF4-FFF2-40B4-BE49-F238E27FC236}">
-                <a16:creationId xmlns:a16="http://schemas.microsoft.com/office/drawing/2014/main" xmlns="" id="{EB3E033F-4449-40FA-BC85-BD2712D313DD}"/>
+                <a16:creationId xmlns="" xmlns:a16="http://schemas.microsoft.com/office/drawing/2014/main" id="{EB3E033F-4449-40FA-BC85-BD2712D313DD}"/>
               </a:ext>
             </a:extLst>
           </p:cNvPr>
@@ -2123,7 +2122,7 @@
           <p:cNvPr id="10" name="Freeform: Shape 9">
             <a:extLst>
               <a:ext uri="{FF2B5EF4-FFF2-40B4-BE49-F238E27FC236}">
-                <a16:creationId xmlns:a16="http://schemas.microsoft.com/office/drawing/2014/main" xmlns="" id="{63D26743-0505-444C-80B3-E88EE87DF72B}"/>
+                <a16:creationId xmlns="" xmlns:a16="http://schemas.microsoft.com/office/drawing/2014/main" id="{63D26743-0505-444C-80B3-E88EE87DF72B}"/>
               </a:ext>
             </a:extLst>
           </p:cNvPr>
@@ -2246,7 +2245,7 @@
           <p:cNvPr id="18" name="Freeform: Shape 17">
             <a:extLst>
               <a:ext uri="{FF2B5EF4-FFF2-40B4-BE49-F238E27FC236}">
-                <a16:creationId xmlns:a16="http://schemas.microsoft.com/office/drawing/2014/main" xmlns="" id="{E37145E9-AC61-47D5-9288-8789940F81B6}"/>
+                <a16:creationId xmlns="" xmlns:a16="http://schemas.microsoft.com/office/drawing/2014/main" id="{E37145E9-AC61-47D5-9288-8789940F81B6}"/>
               </a:ext>
             </a:extLst>
           </p:cNvPr>
@@ -2398,7 +2397,7 @@
           <p:cNvPr id="12" name="Freeform: Shape 11">
             <a:extLst>
               <a:ext uri="{FF2B5EF4-FFF2-40B4-BE49-F238E27FC236}">
-                <a16:creationId xmlns:a16="http://schemas.microsoft.com/office/drawing/2014/main" xmlns="" id="{A5E2B3ED-9A49-40A7-B8A3-62595FE513F9}"/>
+                <a16:creationId xmlns="" xmlns:a16="http://schemas.microsoft.com/office/drawing/2014/main" id="{A5E2B3ED-9A49-40A7-B8A3-62595FE513F9}"/>
               </a:ext>
             </a:extLst>
           </p:cNvPr>
@@ -2548,7 +2547,7 @@
           <p:cNvPr id="8" name="Freeform: Shape 7">
             <a:extLst>
               <a:ext uri="{FF2B5EF4-FFF2-40B4-BE49-F238E27FC236}">
-                <a16:creationId xmlns:a16="http://schemas.microsoft.com/office/drawing/2014/main" xmlns="" id="{1599AF7E-3E34-4597-AA72-9373A7FDB020}"/>
+                <a16:creationId xmlns="" xmlns:a16="http://schemas.microsoft.com/office/drawing/2014/main" id="{1599AF7E-3E34-4597-AA72-9373A7FDB020}"/>
               </a:ext>
             </a:extLst>
           </p:cNvPr>
@@ -2694,7 +2693,7 @@
           <p:cNvPr id="2" name="Title 1">
             <a:extLst>
               <a:ext uri="{FF2B5EF4-FFF2-40B4-BE49-F238E27FC236}">
-                <a16:creationId xmlns:a16="http://schemas.microsoft.com/office/drawing/2014/main" xmlns="" id="{4A2DF563-7FAC-46B3-B24C-7E45CD89DA2B}"/>
+                <a16:creationId xmlns="" xmlns:a16="http://schemas.microsoft.com/office/drawing/2014/main" id="{4A2DF563-7FAC-46B3-B24C-7E45CD89DA2B}"/>
               </a:ext>
             </a:extLst>
           </p:cNvPr>
@@ -2739,7 +2738,7 @@
           <p:cNvPr id="15" name="Group 14">
             <a:extLst>
               <a:ext uri="{FF2B5EF4-FFF2-40B4-BE49-F238E27FC236}">
-                <a16:creationId xmlns:a16="http://schemas.microsoft.com/office/drawing/2014/main" xmlns="" id="{7732E1E7-45E3-4264-8F26-66758696DD1E}"/>
+                <a16:creationId xmlns="" xmlns:a16="http://schemas.microsoft.com/office/drawing/2014/main" id="{7732E1E7-45E3-4264-8F26-66758696DD1E}"/>
               </a:ext>
             </a:extLst>
           </p:cNvPr>
@@ -2759,7 +2758,7 @@
             <p:cNvPr id="16" name="Freeform: Shape 15">
               <a:extLst>
                 <a:ext uri="{FF2B5EF4-FFF2-40B4-BE49-F238E27FC236}">
-                  <a16:creationId xmlns:a16="http://schemas.microsoft.com/office/drawing/2014/main" xmlns="" id="{2E3DF883-8093-49FA-81E1-E5D77F086A25}"/>
+                  <a16:creationId xmlns="" xmlns:a16="http://schemas.microsoft.com/office/drawing/2014/main" id="{2E3DF883-8093-49FA-81E1-E5D77F086A25}"/>
                 </a:ext>
               </a:extLst>
             </p:cNvPr>
@@ -2849,7 +2848,7 @@
             <p:cNvPr id="17" name="Freeform: Shape 16">
               <a:extLst>
                 <a:ext uri="{FF2B5EF4-FFF2-40B4-BE49-F238E27FC236}">
-                  <a16:creationId xmlns:a16="http://schemas.microsoft.com/office/drawing/2014/main" xmlns="" id="{18944C90-37E5-4BBE-89FF-060627168050}"/>
+                  <a16:creationId xmlns="" xmlns:a16="http://schemas.microsoft.com/office/drawing/2014/main" id="{18944C90-37E5-4BBE-89FF-060627168050}"/>
                 </a:ext>
               </a:extLst>
             </p:cNvPr>
@@ -2948,7 +2947,7 @@
           <p:cNvPr id="6" name="Group 5">
             <a:extLst>
               <a:ext uri="{FF2B5EF4-FFF2-40B4-BE49-F238E27FC236}">
-                <a16:creationId xmlns:a16="http://schemas.microsoft.com/office/drawing/2014/main" xmlns="" id="{D9EBF8BB-A805-4DDB-B459-082F99815B95}"/>
+                <a16:creationId xmlns="" xmlns:a16="http://schemas.microsoft.com/office/drawing/2014/main" id="{D9EBF8BB-A805-4DDB-B459-082F99815B95}"/>
               </a:ext>
             </a:extLst>
           </p:cNvPr>
@@ -2968,7 +2967,7 @@
             <p:cNvPr id="19" name="Rectangle: Single Corner Snipped 18">
               <a:extLst>
                 <a:ext uri="{FF2B5EF4-FFF2-40B4-BE49-F238E27FC236}">
-                  <a16:creationId xmlns:a16="http://schemas.microsoft.com/office/drawing/2014/main" xmlns="" id="{5D638788-DD47-45E7-939A-FA108A818173}"/>
+                  <a16:creationId xmlns="" xmlns:a16="http://schemas.microsoft.com/office/drawing/2014/main" id="{5D638788-DD47-45E7-939A-FA108A818173}"/>
                 </a:ext>
               </a:extLst>
             </p:cNvPr>
@@ -3034,7 +3033,7 @@
             <p:cNvPr id="3" name="Rectangle: Single Corner Snipped 2">
               <a:extLst>
                 <a:ext uri="{FF2B5EF4-FFF2-40B4-BE49-F238E27FC236}">
-                  <a16:creationId xmlns:a16="http://schemas.microsoft.com/office/drawing/2014/main" xmlns="" id="{74BDECEF-EEFE-4332-B3B2-BDE4F82C10FC}"/>
+                  <a16:creationId xmlns="" xmlns:a16="http://schemas.microsoft.com/office/drawing/2014/main" id="{74BDECEF-EEFE-4332-B3B2-BDE4F82C10FC}"/>
                 </a:ext>
               </a:extLst>
             </p:cNvPr>
@@ -3091,7 +3090,7 @@
           <p:cNvPr id="24" name="Freeform: Shape 23">
             <a:extLst>
               <a:ext uri="{FF2B5EF4-FFF2-40B4-BE49-F238E27FC236}">
-                <a16:creationId xmlns:a16="http://schemas.microsoft.com/office/drawing/2014/main" xmlns="" id="{18103E00-7E4A-44CD-81AC-06433CAE1110}"/>
+                <a16:creationId xmlns="" xmlns:a16="http://schemas.microsoft.com/office/drawing/2014/main" id="{18103E00-7E4A-44CD-81AC-06433CAE1110}"/>
               </a:ext>
             </a:extLst>
           </p:cNvPr>
@@ -3186,7 +3185,7 @@
           <p:cNvPr id="5" name="Slide Number Placeholder 4">
             <a:extLst>
               <a:ext uri="{FF2B5EF4-FFF2-40B4-BE49-F238E27FC236}">
-                <a16:creationId xmlns:a16="http://schemas.microsoft.com/office/drawing/2014/main" xmlns="" id="{87B51822-97FF-47A7-8E4E-A0F79B4EB237}"/>
+                <a16:creationId xmlns="" xmlns:a16="http://schemas.microsoft.com/office/drawing/2014/main" id="{87B51822-97FF-47A7-8E4E-A0F79B4EB237}"/>
               </a:ext>
             </a:extLst>
           </p:cNvPr>
@@ -3230,7 +3229,7 @@
           <p:cNvPr id="20" name="Content Placeholder 2">
             <a:extLst>
               <a:ext uri="{FF2B5EF4-FFF2-40B4-BE49-F238E27FC236}">
-                <a16:creationId xmlns:a16="http://schemas.microsoft.com/office/drawing/2014/main" xmlns="" id="{FE796BFF-6E5F-4DE7-B193-F501FC094D63}"/>
+                <a16:creationId xmlns="" xmlns:a16="http://schemas.microsoft.com/office/drawing/2014/main" id="{FE796BFF-6E5F-4DE7-B193-F501FC094D63}"/>
               </a:ext>
             </a:extLst>
           </p:cNvPr>
@@ -3340,7 +3339,7 @@
           <p:cNvPr id="21" name="Content Placeholder 3">
             <a:extLst>
               <a:ext uri="{FF2B5EF4-FFF2-40B4-BE49-F238E27FC236}">
-                <a16:creationId xmlns:a16="http://schemas.microsoft.com/office/drawing/2014/main" xmlns="" id="{78622754-CA4D-4C27-A37F-B26E7B4C9CA2}"/>
+                <a16:creationId xmlns="" xmlns:a16="http://schemas.microsoft.com/office/drawing/2014/main" id="{78622754-CA4D-4C27-A37F-B26E7B4C9CA2}"/>
               </a:ext>
             </a:extLst>
           </p:cNvPr>
@@ -3478,7 +3477,7 @@
           <p:cNvPr id="11" name="Rectangle 10">
             <a:extLst>
               <a:ext uri="{FF2B5EF4-FFF2-40B4-BE49-F238E27FC236}">
-                <a16:creationId xmlns:a16="http://schemas.microsoft.com/office/drawing/2014/main" xmlns="" id="{EB3E033F-4449-40FA-BC85-BD2712D313DD}"/>
+                <a16:creationId xmlns="" xmlns:a16="http://schemas.microsoft.com/office/drawing/2014/main" id="{EB3E033F-4449-40FA-BC85-BD2712D313DD}"/>
               </a:ext>
             </a:extLst>
           </p:cNvPr>
@@ -3532,7 +3531,7 @@
           <p:cNvPr id="10" name="Freeform: Shape 9">
             <a:extLst>
               <a:ext uri="{FF2B5EF4-FFF2-40B4-BE49-F238E27FC236}">
-                <a16:creationId xmlns:a16="http://schemas.microsoft.com/office/drawing/2014/main" xmlns="" id="{63D26743-0505-444C-80B3-E88EE87DF72B}"/>
+                <a16:creationId xmlns="" xmlns:a16="http://schemas.microsoft.com/office/drawing/2014/main" id="{63D26743-0505-444C-80B3-E88EE87DF72B}"/>
               </a:ext>
             </a:extLst>
           </p:cNvPr>
@@ -3655,7 +3654,7 @@
           <p:cNvPr id="18" name="Freeform: Shape 17">
             <a:extLst>
               <a:ext uri="{FF2B5EF4-FFF2-40B4-BE49-F238E27FC236}">
-                <a16:creationId xmlns:a16="http://schemas.microsoft.com/office/drawing/2014/main" xmlns="" id="{E37145E9-AC61-47D5-9288-8789940F81B6}"/>
+                <a16:creationId xmlns="" xmlns:a16="http://schemas.microsoft.com/office/drawing/2014/main" id="{E37145E9-AC61-47D5-9288-8789940F81B6}"/>
               </a:ext>
             </a:extLst>
           </p:cNvPr>
@@ -3807,7 +3806,7 @@
           <p:cNvPr id="12" name="Freeform: Shape 11">
             <a:extLst>
               <a:ext uri="{FF2B5EF4-FFF2-40B4-BE49-F238E27FC236}">
-                <a16:creationId xmlns:a16="http://schemas.microsoft.com/office/drawing/2014/main" xmlns="" id="{A5E2B3ED-9A49-40A7-B8A3-62595FE513F9}"/>
+                <a16:creationId xmlns="" xmlns:a16="http://schemas.microsoft.com/office/drawing/2014/main" id="{A5E2B3ED-9A49-40A7-B8A3-62595FE513F9}"/>
               </a:ext>
             </a:extLst>
           </p:cNvPr>
@@ -3957,7 +3956,7 @@
           <p:cNvPr id="8" name="Freeform: Shape 7">
             <a:extLst>
               <a:ext uri="{FF2B5EF4-FFF2-40B4-BE49-F238E27FC236}">
-                <a16:creationId xmlns:a16="http://schemas.microsoft.com/office/drawing/2014/main" xmlns="" id="{1599AF7E-3E34-4597-AA72-9373A7FDB020}"/>
+                <a16:creationId xmlns="" xmlns:a16="http://schemas.microsoft.com/office/drawing/2014/main" id="{1599AF7E-3E34-4597-AA72-9373A7FDB020}"/>
               </a:ext>
             </a:extLst>
           </p:cNvPr>
@@ -4103,7 +4102,7 @@
           <p:cNvPr id="2" name="Title 1">
             <a:extLst>
               <a:ext uri="{FF2B5EF4-FFF2-40B4-BE49-F238E27FC236}">
-                <a16:creationId xmlns:a16="http://schemas.microsoft.com/office/drawing/2014/main" xmlns="" id="{4A2DF563-7FAC-46B3-B24C-7E45CD89DA2B}"/>
+                <a16:creationId xmlns="" xmlns:a16="http://schemas.microsoft.com/office/drawing/2014/main" id="{4A2DF563-7FAC-46B3-B24C-7E45CD89DA2B}"/>
               </a:ext>
             </a:extLst>
           </p:cNvPr>
@@ -4148,7 +4147,7 @@
           <p:cNvPr id="15" name="Group 14">
             <a:extLst>
               <a:ext uri="{FF2B5EF4-FFF2-40B4-BE49-F238E27FC236}">
-                <a16:creationId xmlns:a16="http://schemas.microsoft.com/office/drawing/2014/main" xmlns="" id="{7732E1E7-45E3-4264-8F26-66758696DD1E}"/>
+                <a16:creationId xmlns="" xmlns:a16="http://schemas.microsoft.com/office/drawing/2014/main" id="{7732E1E7-45E3-4264-8F26-66758696DD1E}"/>
               </a:ext>
             </a:extLst>
           </p:cNvPr>
@@ -4168,7 +4167,7 @@
             <p:cNvPr id="16" name="Freeform: Shape 15">
               <a:extLst>
                 <a:ext uri="{FF2B5EF4-FFF2-40B4-BE49-F238E27FC236}">
-                  <a16:creationId xmlns:a16="http://schemas.microsoft.com/office/drawing/2014/main" xmlns="" id="{2E3DF883-8093-49FA-81E1-E5D77F086A25}"/>
+                  <a16:creationId xmlns="" xmlns:a16="http://schemas.microsoft.com/office/drawing/2014/main" id="{2E3DF883-8093-49FA-81E1-E5D77F086A25}"/>
                 </a:ext>
               </a:extLst>
             </p:cNvPr>
@@ -4258,7 +4257,7 @@
             <p:cNvPr id="17" name="Freeform: Shape 16">
               <a:extLst>
                 <a:ext uri="{FF2B5EF4-FFF2-40B4-BE49-F238E27FC236}">
-                  <a16:creationId xmlns:a16="http://schemas.microsoft.com/office/drawing/2014/main" xmlns="" id="{18944C90-37E5-4BBE-89FF-060627168050}"/>
+                  <a16:creationId xmlns="" xmlns:a16="http://schemas.microsoft.com/office/drawing/2014/main" id="{18944C90-37E5-4BBE-89FF-060627168050}"/>
                 </a:ext>
               </a:extLst>
             </p:cNvPr>
@@ -4357,7 +4356,7 @@
           <p:cNvPr id="6" name="Group 5">
             <a:extLst>
               <a:ext uri="{FF2B5EF4-FFF2-40B4-BE49-F238E27FC236}">
-                <a16:creationId xmlns:a16="http://schemas.microsoft.com/office/drawing/2014/main" xmlns="" id="{D9EBF8BB-A805-4DDB-B459-082F99815B95}"/>
+                <a16:creationId xmlns="" xmlns:a16="http://schemas.microsoft.com/office/drawing/2014/main" id="{D9EBF8BB-A805-4DDB-B459-082F99815B95}"/>
               </a:ext>
             </a:extLst>
           </p:cNvPr>
@@ -4377,7 +4376,7 @@
             <p:cNvPr id="19" name="Rectangle: Single Corner Snipped 18">
               <a:extLst>
                 <a:ext uri="{FF2B5EF4-FFF2-40B4-BE49-F238E27FC236}">
-                  <a16:creationId xmlns:a16="http://schemas.microsoft.com/office/drawing/2014/main" xmlns="" id="{5D638788-DD47-45E7-939A-FA108A818173}"/>
+                  <a16:creationId xmlns="" xmlns:a16="http://schemas.microsoft.com/office/drawing/2014/main" id="{5D638788-DD47-45E7-939A-FA108A818173}"/>
                 </a:ext>
               </a:extLst>
             </p:cNvPr>
@@ -4438,7 +4437,7 @@
             <p:cNvPr id="3" name="Rectangle: Single Corner Snipped 2">
               <a:extLst>
                 <a:ext uri="{FF2B5EF4-FFF2-40B4-BE49-F238E27FC236}">
-                  <a16:creationId xmlns:a16="http://schemas.microsoft.com/office/drawing/2014/main" xmlns="" id="{74BDECEF-EEFE-4332-B3B2-BDE4F82C10FC}"/>
+                  <a16:creationId xmlns="" xmlns:a16="http://schemas.microsoft.com/office/drawing/2014/main" id="{74BDECEF-EEFE-4332-B3B2-BDE4F82C10FC}"/>
                 </a:ext>
               </a:extLst>
             </p:cNvPr>
@@ -4495,7 +4494,7 @@
           <p:cNvPr id="20" name="Picture Placeholder 8">
             <a:extLst>
               <a:ext uri="{FF2B5EF4-FFF2-40B4-BE49-F238E27FC236}">
-                <a16:creationId xmlns:a16="http://schemas.microsoft.com/office/drawing/2014/main" xmlns="" id="{6D00E6B4-1CBE-404E-B943-5F1832320C1C}"/>
+                <a16:creationId xmlns="" xmlns:a16="http://schemas.microsoft.com/office/drawing/2014/main" id="{6D00E6B4-1CBE-404E-B943-5F1832320C1C}"/>
               </a:ext>
             </a:extLst>
           </p:cNvPr>
@@ -4558,7 +4557,7 @@
           <p:cNvPr id="21" name="Picture Placeholder 8">
             <a:extLst>
               <a:ext uri="{FF2B5EF4-FFF2-40B4-BE49-F238E27FC236}">
-                <a16:creationId xmlns:a16="http://schemas.microsoft.com/office/drawing/2014/main" xmlns="" id="{7CD59BFD-62BE-4E33-92A5-B84A2A9A8D3B}"/>
+                <a16:creationId xmlns="" xmlns:a16="http://schemas.microsoft.com/office/drawing/2014/main" id="{7CD59BFD-62BE-4E33-92A5-B84A2A9A8D3B}"/>
               </a:ext>
             </a:extLst>
           </p:cNvPr>
@@ -4621,7 +4620,7 @@
           <p:cNvPr id="22" name="Picture Placeholder 8">
             <a:extLst>
               <a:ext uri="{FF2B5EF4-FFF2-40B4-BE49-F238E27FC236}">
-                <a16:creationId xmlns:a16="http://schemas.microsoft.com/office/drawing/2014/main" xmlns="" id="{60DC5978-55B8-421D-91B4-29F8210A7B2C}"/>
+                <a16:creationId xmlns="" xmlns:a16="http://schemas.microsoft.com/office/drawing/2014/main" id="{60DC5978-55B8-421D-91B4-29F8210A7B2C}"/>
               </a:ext>
             </a:extLst>
           </p:cNvPr>
@@ -4684,7 +4683,7 @@
           <p:cNvPr id="23" name="Picture Placeholder 8">
             <a:extLst>
               <a:ext uri="{FF2B5EF4-FFF2-40B4-BE49-F238E27FC236}">
-                <a16:creationId xmlns:a16="http://schemas.microsoft.com/office/drawing/2014/main" xmlns="" id="{BE3FB8C3-2C7E-4C59-8BD5-53FA2772DB56}"/>
+                <a16:creationId xmlns="" xmlns:a16="http://schemas.microsoft.com/office/drawing/2014/main" id="{BE3FB8C3-2C7E-4C59-8BD5-53FA2772DB56}"/>
               </a:ext>
             </a:extLst>
           </p:cNvPr>
@@ -4747,7 +4746,7 @@
           <p:cNvPr id="24" name="Picture Placeholder 8">
             <a:extLst>
               <a:ext uri="{FF2B5EF4-FFF2-40B4-BE49-F238E27FC236}">
-                <a16:creationId xmlns:a16="http://schemas.microsoft.com/office/drawing/2014/main" xmlns="" id="{FD8FA9DA-C36B-4889-B88F-28B5829E53E2}"/>
+                <a16:creationId xmlns="" xmlns:a16="http://schemas.microsoft.com/office/drawing/2014/main" id="{FD8FA9DA-C36B-4889-B88F-28B5829E53E2}"/>
               </a:ext>
             </a:extLst>
           </p:cNvPr>
@@ -4810,7 +4809,7 @@
           <p:cNvPr id="26" name="Text Placeholder 22">
             <a:extLst>
               <a:ext uri="{FF2B5EF4-FFF2-40B4-BE49-F238E27FC236}">
-                <a16:creationId xmlns:a16="http://schemas.microsoft.com/office/drawing/2014/main" xmlns="" id="{2A19101D-7C37-42BF-8167-5391EA65EC3A}"/>
+                <a16:creationId xmlns="" xmlns:a16="http://schemas.microsoft.com/office/drawing/2014/main" id="{2A19101D-7C37-42BF-8167-5391EA65EC3A}"/>
               </a:ext>
             </a:extLst>
           </p:cNvPr>
@@ -4920,7 +4919,7 @@
           <p:cNvPr id="27" name="Text Placeholder 22">
             <a:extLst>
               <a:ext uri="{FF2B5EF4-FFF2-40B4-BE49-F238E27FC236}">
-                <a16:creationId xmlns:a16="http://schemas.microsoft.com/office/drawing/2014/main" xmlns="" id="{05F72315-51A9-431C-B80A-45E4FB1D6BD6}"/>
+                <a16:creationId xmlns="" xmlns:a16="http://schemas.microsoft.com/office/drawing/2014/main" id="{05F72315-51A9-431C-B80A-45E4FB1D6BD6}"/>
               </a:ext>
             </a:extLst>
           </p:cNvPr>
@@ -5030,7 +5029,7 @@
           <p:cNvPr id="28" name="Text Placeholder 22">
             <a:extLst>
               <a:ext uri="{FF2B5EF4-FFF2-40B4-BE49-F238E27FC236}">
-                <a16:creationId xmlns:a16="http://schemas.microsoft.com/office/drawing/2014/main" xmlns="" id="{883D1F0C-34F1-46E1-B178-E4AB82B14631}"/>
+                <a16:creationId xmlns="" xmlns:a16="http://schemas.microsoft.com/office/drawing/2014/main" id="{883D1F0C-34F1-46E1-B178-E4AB82B14631}"/>
               </a:ext>
             </a:extLst>
           </p:cNvPr>
@@ -5140,7 +5139,7 @@
           <p:cNvPr id="29" name="Text Placeholder 22">
             <a:extLst>
               <a:ext uri="{FF2B5EF4-FFF2-40B4-BE49-F238E27FC236}">
-                <a16:creationId xmlns:a16="http://schemas.microsoft.com/office/drawing/2014/main" xmlns="" id="{7202A849-DF14-40E7-B38D-1185F72603EC}"/>
+                <a16:creationId xmlns="" xmlns:a16="http://schemas.microsoft.com/office/drawing/2014/main" id="{7202A849-DF14-40E7-B38D-1185F72603EC}"/>
               </a:ext>
             </a:extLst>
           </p:cNvPr>
@@ -5250,7 +5249,7 @@
           <p:cNvPr id="30" name="Text Placeholder 22">
             <a:extLst>
               <a:ext uri="{FF2B5EF4-FFF2-40B4-BE49-F238E27FC236}">
-                <a16:creationId xmlns:a16="http://schemas.microsoft.com/office/drawing/2014/main" xmlns="" id="{CCFC1ADF-AC11-4CCD-AC2D-478B6FFEA5EA}"/>
+                <a16:creationId xmlns="" xmlns:a16="http://schemas.microsoft.com/office/drawing/2014/main" id="{CCFC1ADF-AC11-4CCD-AC2D-478B6FFEA5EA}"/>
               </a:ext>
             </a:extLst>
           </p:cNvPr>
@@ -5360,7 +5359,7 @@
           <p:cNvPr id="7" name="Straight Connector 6">
             <a:extLst>
               <a:ext uri="{FF2B5EF4-FFF2-40B4-BE49-F238E27FC236}">
-                <a16:creationId xmlns:a16="http://schemas.microsoft.com/office/drawing/2014/main" xmlns="" id="{2B4CB326-DA0E-488E-B236-7017E8438FBB}"/>
+                <a16:creationId xmlns="" xmlns:a16="http://schemas.microsoft.com/office/drawing/2014/main" id="{2B4CB326-DA0E-488E-B236-7017E8438FBB}"/>
               </a:ext>
             </a:extLst>
           </p:cNvPr>
@@ -5401,7 +5400,7 @@
           <p:cNvPr id="31" name="Straight Connector 30">
             <a:extLst>
               <a:ext uri="{FF2B5EF4-FFF2-40B4-BE49-F238E27FC236}">
-                <a16:creationId xmlns:a16="http://schemas.microsoft.com/office/drawing/2014/main" xmlns="" id="{9366B533-7212-4A36-9CE2-D6302E721F8F}"/>
+                <a16:creationId xmlns="" xmlns:a16="http://schemas.microsoft.com/office/drawing/2014/main" id="{9366B533-7212-4A36-9CE2-D6302E721F8F}"/>
               </a:ext>
             </a:extLst>
           </p:cNvPr>
@@ -5442,7 +5441,7 @@
           <p:cNvPr id="32" name="Straight Connector 31">
             <a:extLst>
               <a:ext uri="{FF2B5EF4-FFF2-40B4-BE49-F238E27FC236}">
-                <a16:creationId xmlns:a16="http://schemas.microsoft.com/office/drawing/2014/main" xmlns="" id="{AD7474CD-E230-4E14-8274-5E20F673F401}"/>
+                <a16:creationId xmlns="" xmlns:a16="http://schemas.microsoft.com/office/drawing/2014/main" id="{AD7474CD-E230-4E14-8274-5E20F673F401}"/>
               </a:ext>
             </a:extLst>
           </p:cNvPr>
@@ -5483,7 +5482,7 @@
           <p:cNvPr id="33" name="Straight Connector 32">
             <a:extLst>
               <a:ext uri="{FF2B5EF4-FFF2-40B4-BE49-F238E27FC236}">
-                <a16:creationId xmlns:a16="http://schemas.microsoft.com/office/drawing/2014/main" xmlns="" id="{6BF71FCE-6F39-4D2F-82BE-7D9F1D2ED59F}"/>
+                <a16:creationId xmlns="" xmlns:a16="http://schemas.microsoft.com/office/drawing/2014/main" id="{6BF71FCE-6F39-4D2F-82BE-7D9F1D2ED59F}"/>
               </a:ext>
             </a:extLst>
           </p:cNvPr>
@@ -5524,7 +5523,7 @@
           <p:cNvPr id="34" name="Straight Connector 33">
             <a:extLst>
               <a:ext uri="{FF2B5EF4-FFF2-40B4-BE49-F238E27FC236}">
-                <a16:creationId xmlns:a16="http://schemas.microsoft.com/office/drawing/2014/main" xmlns="" id="{AE97AC7A-17D9-4F42-9DD0-94FE4FC6BF19}"/>
+                <a16:creationId xmlns="" xmlns:a16="http://schemas.microsoft.com/office/drawing/2014/main" id="{AE97AC7A-17D9-4F42-9DD0-94FE4FC6BF19}"/>
               </a:ext>
             </a:extLst>
           </p:cNvPr>
@@ -5565,7 +5564,7 @@
           <p:cNvPr id="35" name="Freeform: Shape 34">
             <a:extLst>
               <a:ext uri="{FF2B5EF4-FFF2-40B4-BE49-F238E27FC236}">
-                <a16:creationId xmlns:a16="http://schemas.microsoft.com/office/drawing/2014/main" xmlns="" id="{62EEBF51-DCAD-4335-85E9-52801031A1BF}"/>
+                <a16:creationId xmlns="" xmlns:a16="http://schemas.microsoft.com/office/drawing/2014/main" id="{62EEBF51-DCAD-4335-85E9-52801031A1BF}"/>
               </a:ext>
             </a:extLst>
           </p:cNvPr>
@@ -5660,7 +5659,7 @@
           <p:cNvPr id="5" name="Slide Number Placeholder 4">
             <a:extLst>
               <a:ext uri="{FF2B5EF4-FFF2-40B4-BE49-F238E27FC236}">
-                <a16:creationId xmlns:a16="http://schemas.microsoft.com/office/drawing/2014/main" xmlns="" id="{87B51822-97FF-47A7-8E4E-A0F79B4EB237}"/>
+                <a16:creationId xmlns="" xmlns:a16="http://schemas.microsoft.com/office/drawing/2014/main" id="{87B51822-97FF-47A7-8E4E-A0F79B4EB237}"/>
               </a:ext>
             </a:extLst>
           </p:cNvPr>
@@ -5742,7 +5741,7 @@
           <p:cNvPr id="11" name="Rectangle 10">
             <a:extLst>
               <a:ext uri="{FF2B5EF4-FFF2-40B4-BE49-F238E27FC236}">
-                <a16:creationId xmlns:a16="http://schemas.microsoft.com/office/drawing/2014/main" xmlns="" id="{EB3E033F-4449-40FA-BC85-BD2712D313DD}"/>
+                <a16:creationId xmlns="" xmlns:a16="http://schemas.microsoft.com/office/drawing/2014/main" id="{EB3E033F-4449-40FA-BC85-BD2712D313DD}"/>
               </a:ext>
             </a:extLst>
           </p:cNvPr>
@@ -5796,7 +5795,7 @@
           <p:cNvPr id="10" name="Freeform: Shape 9">
             <a:extLst>
               <a:ext uri="{FF2B5EF4-FFF2-40B4-BE49-F238E27FC236}">
-                <a16:creationId xmlns:a16="http://schemas.microsoft.com/office/drawing/2014/main" xmlns="" id="{63D26743-0505-444C-80B3-E88EE87DF72B}"/>
+                <a16:creationId xmlns="" xmlns:a16="http://schemas.microsoft.com/office/drawing/2014/main" id="{63D26743-0505-444C-80B3-E88EE87DF72B}"/>
               </a:ext>
             </a:extLst>
           </p:cNvPr>
@@ -5919,7 +5918,7 @@
           <p:cNvPr id="18" name="Freeform: Shape 17">
             <a:extLst>
               <a:ext uri="{FF2B5EF4-FFF2-40B4-BE49-F238E27FC236}">
-                <a16:creationId xmlns:a16="http://schemas.microsoft.com/office/drawing/2014/main" xmlns="" id="{E37145E9-AC61-47D5-9288-8789940F81B6}"/>
+                <a16:creationId xmlns="" xmlns:a16="http://schemas.microsoft.com/office/drawing/2014/main" id="{E37145E9-AC61-47D5-9288-8789940F81B6}"/>
               </a:ext>
             </a:extLst>
           </p:cNvPr>
@@ -6071,7 +6070,7 @@
           <p:cNvPr id="12" name="Freeform: Shape 11">
             <a:extLst>
               <a:ext uri="{FF2B5EF4-FFF2-40B4-BE49-F238E27FC236}">
-                <a16:creationId xmlns:a16="http://schemas.microsoft.com/office/drawing/2014/main" xmlns="" id="{A5E2B3ED-9A49-40A7-B8A3-62595FE513F9}"/>
+                <a16:creationId xmlns="" xmlns:a16="http://schemas.microsoft.com/office/drawing/2014/main" id="{A5E2B3ED-9A49-40A7-B8A3-62595FE513F9}"/>
               </a:ext>
             </a:extLst>
           </p:cNvPr>
@@ -6221,7 +6220,7 @@
           <p:cNvPr id="8" name="Freeform: Shape 7">
             <a:extLst>
               <a:ext uri="{FF2B5EF4-FFF2-40B4-BE49-F238E27FC236}">
-                <a16:creationId xmlns:a16="http://schemas.microsoft.com/office/drawing/2014/main" xmlns="" id="{1599AF7E-3E34-4597-AA72-9373A7FDB020}"/>
+                <a16:creationId xmlns="" xmlns:a16="http://schemas.microsoft.com/office/drawing/2014/main" id="{1599AF7E-3E34-4597-AA72-9373A7FDB020}"/>
               </a:ext>
             </a:extLst>
           </p:cNvPr>
@@ -6367,7 +6366,7 @@
           <p:cNvPr id="2" name="Title 1">
             <a:extLst>
               <a:ext uri="{FF2B5EF4-FFF2-40B4-BE49-F238E27FC236}">
-                <a16:creationId xmlns:a16="http://schemas.microsoft.com/office/drawing/2014/main" xmlns="" id="{4A2DF563-7FAC-46B3-B24C-7E45CD89DA2B}"/>
+                <a16:creationId xmlns="" xmlns:a16="http://schemas.microsoft.com/office/drawing/2014/main" id="{4A2DF563-7FAC-46B3-B24C-7E45CD89DA2B}"/>
               </a:ext>
             </a:extLst>
           </p:cNvPr>
@@ -6412,7 +6411,7 @@
           <p:cNvPr id="15" name="Group 14">
             <a:extLst>
               <a:ext uri="{FF2B5EF4-FFF2-40B4-BE49-F238E27FC236}">
-                <a16:creationId xmlns:a16="http://schemas.microsoft.com/office/drawing/2014/main" xmlns="" id="{7732E1E7-45E3-4264-8F26-66758696DD1E}"/>
+                <a16:creationId xmlns="" xmlns:a16="http://schemas.microsoft.com/office/drawing/2014/main" id="{7732E1E7-45E3-4264-8F26-66758696DD1E}"/>
               </a:ext>
             </a:extLst>
           </p:cNvPr>
@@ -6432,7 +6431,7 @@
             <p:cNvPr id="16" name="Freeform: Shape 15">
               <a:extLst>
                 <a:ext uri="{FF2B5EF4-FFF2-40B4-BE49-F238E27FC236}">
-                  <a16:creationId xmlns:a16="http://schemas.microsoft.com/office/drawing/2014/main" xmlns="" id="{2E3DF883-8093-49FA-81E1-E5D77F086A25}"/>
+                  <a16:creationId xmlns="" xmlns:a16="http://schemas.microsoft.com/office/drawing/2014/main" id="{2E3DF883-8093-49FA-81E1-E5D77F086A25}"/>
                 </a:ext>
               </a:extLst>
             </p:cNvPr>
@@ -6522,7 +6521,7 @@
             <p:cNvPr id="17" name="Freeform: Shape 16">
               <a:extLst>
                 <a:ext uri="{FF2B5EF4-FFF2-40B4-BE49-F238E27FC236}">
-                  <a16:creationId xmlns:a16="http://schemas.microsoft.com/office/drawing/2014/main" xmlns="" id="{18944C90-37E5-4BBE-89FF-060627168050}"/>
+                  <a16:creationId xmlns="" xmlns:a16="http://schemas.microsoft.com/office/drawing/2014/main" id="{18944C90-37E5-4BBE-89FF-060627168050}"/>
                 </a:ext>
               </a:extLst>
             </p:cNvPr>
@@ -6621,7 +6620,7 @@
           <p:cNvPr id="6" name="Group 5">
             <a:extLst>
               <a:ext uri="{FF2B5EF4-FFF2-40B4-BE49-F238E27FC236}">
-                <a16:creationId xmlns:a16="http://schemas.microsoft.com/office/drawing/2014/main" xmlns="" id="{D9EBF8BB-A805-4DDB-B459-082F99815B95}"/>
+                <a16:creationId xmlns="" xmlns:a16="http://schemas.microsoft.com/office/drawing/2014/main" id="{D9EBF8BB-A805-4DDB-B459-082F99815B95}"/>
               </a:ext>
             </a:extLst>
           </p:cNvPr>
@@ -6641,7 +6640,7 @@
             <p:cNvPr id="19" name="Rectangle: Single Corner Snipped 18">
               <a:extLst>
                 <a:ext uri="{FF2B5EF4-FFF2-40B4-BE49-F238E27FC236}">
-                  <a16:creationId xmlns:a16="http://schemas.microsoft.com/office/drawing/2014/main" xmlns="" id="{5D638788-DD47-45E7-939A-FA108A818173}"/>
+                  <a16:creationId xmlns="" xmlns:a16="http://schemas.microsoft.com/office/drawing/2014/main" id="{5D638788-DD47-45E7-939A-FA108A818173}"/>
                 </a:ext>
               </a:extLst>
             </p:cNvPr>
@@ -6702,7 +6701,7 @@
             <p:cNvPr id="3" name="Rectangle: Single Corner Snipped 2">
               <a:extLst>
                 <a:ext uri="{FF2B5EF4-FFF2-40B4-BE49-F238E27FC236}">
-                  <a16:creationId xmlns:a16="http://schemas.microsoft.com/office/drawing/2014/main" xmlns="" id="{74BDECEF-EEFE-4332-B3B2-BDE4F82C10FC}"/>
+                  <a16:creationId xmlns="" xmlns:a16="http://schemas.microsoft.com/office/drawing/2014/main" id="{74BDECEF-EEFE-4332-B3B2-BDE4F82C10FC}"/>
                 </a:ext>
               </a:extLst>
             </p:cNvPr>
@@ -6759,7 +6758,7 @@
           <p:cNvPr id="26" name="Text Placeholder 22">
             <a:extLst>
               <a:ext uri="{FF2B5EF4-FFF2-40B4-BE49-F238E27FC236}">
-                <a16:creationId xmlns:a16="http://schemas.microsoft.com/office/drawing/2014/main" xmlns="" id="{2A19101D-7C37-42BF-8167-5391EA65EC3A}"/>
+                <a16:creationId xmlns="" xmlns:a16="http://schemas.microsoft.com/office/drawing/2014/main" id="{2A19101D-7C37-42BF-8167-5391EA65EC3A}"/>
               </a:ext>
             </a:extLst>
           </p:cNvPr>
@@ -6869,7 +6868,7 @@
           <p:cNvPr id="35" name="Freeform: Shape 34">
             <a:extLst>
               <a:ext uri="{FF2B5EF4-FFF2-40B4-BE49-F238E27FC236}">
-                <a16:creationId xmlns:a16="http://schemas.microsoft.com/office/drawing/2014/main" xmlns="" id="{62EEBF51-DCAD-4335-85E9-52801031A1BF}"/>
+                <a16:creationId xmlns="" xmlns:a16="http://schemas.microsoft.com/office/drawing/2014/main" id="{62EEBF51-DCAD-4335-85E9-52801031A1BF}"/>
               </a:ext>
             </a:extLst>
           </p:cNvPr>
@@ -6964,7 +6963,7 @@
           <p:cNvPr id="5" name="Slide Number Placeholder 4">
             <a:extLst>
               <a:ext uri="{FF2B5EF4-FFF2-40B4-BE49-F238E27FC236}">
-                <a16:creationId xmlns:a16="http://schemas.microsoft.com/office/drawing/2014/main" xmlns="" id="{87B51822-97FF-47A7-8E4E-A0F79B4EB237}"/>
+                <a16:creationId xmlns="" xmlns:a16="http://schemas.microsoft.com/office/drawing/2014/main" id="{87B51822-97FF-47A7-8E4E-A0F79B4EB237}"/>
               </a:ext>
             </a:extLst>
           </p:cNvPr>
@@ -7008,7 +7007,7 @@
           <p:cNvPr id="13" name="Picture Placeholder 12">
             <a:extLst>
               <a:ext uri="{FF2B5EF4-FFF2-40B4-BE49-F238E27FC236}">
-                <a16:creationId xmlns:a16="http://schemas.microsoft.com/office/drawing/2014/main" xmlns="" id="{231B97CF-FD24-4932-8459-893B1AC73D33}"/>
+                <a16:creationId xmlns="" xmlns:a16="http://schemas.microsoft.com/office/drawing/2014/main" id="{231B97CF-FD24-4932-8459-893B1AC73D33}"/>
               </a:ext>
             </a:extLst>
           </p:cNvPr>
@@ -7053,7 +7052,7 @@
           <p:cNvPr id="36" name="Text Placeholder 22">
             <a:extLst>
               <a:ext uri="{FF2B5EF4-FFF2-40B4-BE49-F238E27FC236}">
-                <a16:creationId xmlns:a16="http://schemas.microsoft.com/office/drawing/2014/main" xmlns="" id="{642D3CE0-C3B4-4F3F-A650-AB452B3AD4BA}"/>
+                <a16:creationId xmlns="" xmlns:a16="http://schemas.microsoft.com/office/drawing/2014/main" id="{642D3CE0-C3B4-4F3F-A650-AB452B3AD4BA}"/>
               </a:ext>
             </a:extLst>
           </p:cNvPr>
@@ -7163,7 +7162,7 @@
           <p:cNvPr id="37" name="Text Placeholder 22">
             <a:extLst>
               <a:ext uri="{FF2B5EF4-FFF2-40B4-BE49-F238E27FC236}">
-                <a16:creationId xmlns:a16="http://schemas.microsoft.com/office/drawing/2014/main" xmlns="" id="{DBED2BB0-CDAD-40EE-8B35-C66DF45EE29D}"/>
+                <a16:creationId xmlns="" xmlns:a16="http://schemas.microsoft.com/office/drawing/2014/main" id="{DBED2BB0-CDAD-40EE-8B35-C66DF45EE29D}"/>
               </a:ext>
             </a:extLst>
           </p:cNvPr>
@@ -7311,7 +7310,7 @@
           <p:cNvPr id="11" name="Rectangle 10">
             <a:extLst>
               <a:ext uri="{FF2B5EF4-FFF2-40B4-BE49-F238E27FC236}">
-                <a16:creationId xmlns:a16="http://schemas.microsoft.com/office/drawing/2014/main" xmlns="" id="{EB3E033F-4449-40FA-BC85-BD2712D313DD}"/>
+                <a16:creationId xmlns="" xmlns:a16="http://schemas.microsoft.com/office/drawing/2014/main" id="{EB3E033F-4449-40FA-BC85-BD2712D313DD}"/>
               </a:ext>
             </a:extLst>
           </p:cNvPr>
@@ -7365,7 +7364,7 @@
           <p:cNvPr id="10" name="Freeform: Shape 9">
             <a:extLst>
               <a:ext uri="{FF2B5EF4-FFF2-40B4-BE49-F238E27FC236}">
-                <a16:creationId xmlns:a16="http://schemas.microsoft.com/office/drawing/2014/main" xmlns="" id="{63D26743-0505-444C-80B3-E88EE87DF72B}"/>
+                <a16:creationId xmlns="" xmlns:a16="http://schemas.microsoft.com/office/drawing/2014/main" id="{63D26743-0505-444C-80B3-E88EE87DF72B}"/>
               </a:ext>
             </a:extLst>
           </p:cNvPr>
@@ -7488,7 +7487,7 @@
           <p:cNvPr id="18" name="Freeform: Shape 17">
             <a:extLst>
               <a:ext uri="{FF2B5EF4-FFF2-40B4-BE49-F238E27FC236}">
-                <a16:creationId xmlns:a16="http://schemas.microsoft.com/office/drawing/2014/main" xmlns="" id="{E37145E9-AC61-47D5-9288-8789940F81B6}"/>
+                <a16:creationId xmlns="" xmlns:a16="http://schemas.microsoft.com/office/drawing/2014/main" id="{E37145E9-AC61-47D5-9288-8789940F81B6}"/>
               </a:ext>
             </a:extLst>
           </p:cNvPr>
@@ -7640,7 +7639,7 @@
           <p:cNvPr id="12" name="Freeform: Shape 11">
             <a:extLst>
               <a:ext uri="{FF2B5EF4-FFF2-40B4-BE49-F238E27FC236}">
-                <a16:creationId xmlns:a16="http://schemas.microsoft.com/office/drawing/2014/main" xmlns="" id="{A5E2B3ED-9A49-40A7-B8A3-62595FE513F9}"/>
+                <a16:creationId xmlns="" xmlns:a16="http://schemas.microsoft.com/office/drawing/2014/main" id="{A5E2B3ED-9A49-40A7-B8A3-62595FE513F9}"/>
               </a:ext>
             </a:extLst>
           </p:cNvPr>
@@ -7790,7 +7789,7 @@
           <p:cNvPr id="8" name="Freeform: Shape 7">
             <a:extLst>
               <a:ext uri="{FF2B5EF4-FFF2-40B4-BE49-F238E27FC236}">
-                <a16:creationId xmlns:a16="http://schemas.microsoft.com/office/drawing/2014/main" xmlns="" id="{1599AF7E-3E34-4597-AA72-9373A7FDB020}"/>
+                <a16:creationId xmlns="" xmlns:a16="http://schemas.microsoft.com/office/drawing/2014/main" id="{1599AF7E-3E34-4597-AA72-9373A7FDB020}"/>
               </a:ext>
             </a:extLst>
           </p:cNvPr>
@@ -7936,7 +7935,7 @@
           <p:cNvPr id="2" name="Title 1">
             <a:extLst>
               <a:ext uri="{FF2B5EF4-FFF2-40B4-BE49-F238E27FC236}">
-                <a16:creationId xmlns:a16="http://schemas.microsoft.com/office/drawing/2014/main" xmlns="" id="{4A2DF563-7FAC-46B3-B24C-7E45CD89DA2B}"/>
+                <a16:creationId xmlns="" xmlns:a16="http://schemas.microsoft.com/office/drawing/2014/main" id="{4A2DF563-7FAC-46B3-B24C-7E45CD89DA2B}"/>
               </a:ext>
             </a:extLst>
           </p:cNvPr>
@@ -7981,7 +7980,7 @@
           <p:cNvPr id="15" name="Group 14">
             <a:extLst>
               <a:ext uri="{FF2B5EF4-FFF2-40B4-BE49-F238E27FC236}">
-                <a16:creationId xmlns:a16="http://schemas.microsoft.com/office/drawing/2014/main" xmlns="" id="{7732E1E7-45E3-4264-8F26-66758696DD1E}"/>
+                <a16:creationId xmlns="" xmlns:a16="http://schemas.microsoft.com/office/drawing/2014/main" id="{7732E1E7-45E3-4264-8F26-66758696DD1E}"/>
               </a:ext>
             </a:extLst>
           </p:cNvPr>
@@ -8001,7 +8000,7 @@
             <p:cNvPr id="16" name="Freeform: Shape 15">
               <a:extLst>
                 <a:ext uri="{FF2B5EF4-FFF2-40B4-BE49-F238E27FC236}">
-                  <a16:creationId xmlns:a16="http://schemas.microsoft.com/office/drawing/2014/main" xmlns="" id="{2E3DF883-8093-49FA-81E1-E5D77F086A25}"/>
+                  <a16:creationId xmlns="" xmlns:a16="http://schemas.microsoft.com/office/drawing/2014/main" id="{2E3DF883-8093-49FA-81E1-E5D77F086A25}"/>
                 </a:ext>
               </a:extLst>
             </p:cNvPr>
@@ -8091,7 +8090,7 @@
             <p:cNvPr id="17" name="Freeform: Shape 16">
               <a:extLst>
                 <a:ext uri="{FF2B5EF4-FFF2-40B4-BE49-F238E27FC236}">
-                  <a16:creationId xmlns:a16="http://schemas.microsoft.com/office/drawing/2014/main" xmlns="" id="{18944C90-37E5-4BBE-89FF-060627168050}"/>
+                  <a16:creationId xmlns="" xmlns:a16="http://schemas.microsoft.com/office/drawing/2014/main" id="{18944C90-37E5-4BBE-89FF-060627168050}"/>
                 </a:ext>
               </a:extLst>
             </p:cNvPr>
@@ -8190,7 +8189,7 @@
           <p:cNvPr id="6" name="Group 5">
             <a:extLst>
               <a:ext uri="{FF2B5EF4-FFF2-40B4-BE49-F238E27FC236}">
-                <a16:creationId xmlns:a16="http://schemas.microsoft.com/office/drawing/2014/main" xmlns="" id="{D9EBF8BB-A805-4DDB-B459-082F99815B95}"/>
+                <a16:creationId xmlns="" xmlns:a16="http://schemas.microsoft.com/office/drawing/2014/main" id="{D9EBF8BB-A805-4DDB-B459-082F99815B95}"/>
               </a:ext>
             </a:extLst>
           </p:cNvPr>
@@ -8210,7 +8209,7 @@
             <p:cNvPr id="19" name="Rectangle: Single Corner Snipped 18">
               <a:extLst>
                 <a:ext uri="{FF2B5EF4-FFF2-40B4-BE49-F238E27FC236}">
-                  <a16:creationId xmlns:a16="http://schemas.microsoft.com/office/drawing/2014/main" xmlns="" id="{5D638788-DD47-45E7-939A-FA108A818173}"/>
+                  <a16:creationId xmlns="" xmlns:a16="http://schemas.microsoft.com/office/drawing/2014/main" id="{5D638788-DD47-45E7-939A-FA108A818173}"/>
                 </a:ext>
               </a:extLst>
             </p:cNvPr>
@@ -8271,7 +8270,7 @@
             <p:cNvPr id="3" name="Rectangle: Single Corner Snipped 2">
               <a:extLst>
                 <a:ext uri="{FF2B5EF4-FFF2-40B4-BE49-F238E27FC236}">
-                  <a16:creationId xmlns:a16="http://schemas.microsoft.com/office/drawing/2014/main" xmlns="" id="{74BDECEF-EEFE-4332-B3B2-BDE4F82C10FC}"/>
+                  <a16:creationId xmlns="" xmlns:a16="http://schemas.microsoft.com/office/drawing/2014/main" id="{74BDECEF-EEFE-4332-B3B2-BDE4F82C10FC}"/>
                 </a:ext>
               </a:extLst>
             </p:cNvPr>
@@ -8328,7 +8327,7 @@
           <p:cNvPr id="26" name="Text Placeholder 22">
             <a:extLst>
               <a:ext uri="{FF2B5EF4-FFF2-40B4-BE49-F238E27FC236}">
-                <a16:creationId xmlns:a16="http://schemas.microsoft.com/office/drawing/2014/main" xmlns="" id="{2A19101D-7C37-42BF-8167-5391EA65EC3A}"/>
+                <a16:creationId xmlns="" xmlns:a16="http://schemas.microsoft.com/office/drawing/2014/main" id="{2A19101D-7C37-42BF-8167-5391EA65EC3A}"/>
               </a:ext>
             </a:extLst>
           </p:cNvPr>
@@ -8438,7 +8437,7 @@
           <p:cNvPr id="35" name="Freeform: Shape 34">
             <a:extLst>
               <a:ext uri="{FF2B5EF4-FFF2-40B4-BE49-F238E27FC236}">
-                <a16:creationId xmlns:a16="http://schemas.microsoft.com/office/drawing/2014/main" xmlns="" id="{62EEBF51-DCAD-4335-85E9-52801031A1BF}"/>
+                <a16:creationId xmlns="" xmlns:a16="http://schemas.microsoft.com/office/drawing/2014/main" id="{62EEBF51-DCAD-4335-85E9-52801031A1BF}"/>
               </a:ext>
             </a:extLst>
           </p:cNvPr>
@@ -8533,7 +8532,7 @@
           <p:cNvPr id="5" name="Slide Number Placeholder 4">
             <a:extLst>
               <a:ext uri="{FF2B5EF4-FFF2-40B4-BE49-F238E27FC236}">
-                <a16:creationId xmlns:a16="http://schemas.microsoft.com/office/drawing/2014/main" xmlns="" id="{87B51822-97FF-47A7-8E4E-A0F79B4EB237}"/>
+                <a16:creationId xmlns="" xmlns:a16="http://schemas.microsoft.com/office/drawing/2014/main" id="{87B51822-97FF-47A7-8E4E-A0F79B4EB237}"/>
               </a:ext>
             </a:extLst>
           </p:cNvPr>
@@ -8577,7 +8576,7 @@
           <p:cNvPr id="13" name="Picture Placeholder 12">
             <a:extLst>
               <a:ext uri="{FF2B5EF4-FFF2-40B4-BE49-F238E27FC236}">
-                <a16:creationId xmlns:a16="http://schemas.microsoft.com/office/drawing/2014/main" xmlns="" id="{231B97CF-FD24-4932-8459-893B1AC73D33}"/>
+                <a16:creationId xmlns="" xmlns:a16="http://schemas.microsoft.com/office/drawing/2014/main" id="{231B97CF-FD24-4932-8459-893B1AC73D33}"/>
               </a:ext>
             </a:extLst>
           </p:cNvPr>
@@ -8660,7 +8659,7 @@
           <p:cNvPr id="11" name="Rectangle 10">
             <a:extLst>
               <a:ext uri="{FF2B5EF4-FFF2-40B4-BE49-F238E27FC236}">
-                <a16:creationId xmlns:a16="http://schemas.microsoft.com/office/drawing/2014/main" xmlns="" id="{EB3E033F-4449-40FA-BC85-BD2712D313DD}"/>
+                <a16:creationId xmlns="" xmlns:a16="http://schemas.microsoft.com/office/drawing/2014/main" id="{EB3E033F-4449-40FA-BC85-BD2712D313DD}"/>
               </a:ext>
             </a:extLst>
           </p:cNvPr>
@@ -8714,7 +8713,7 @@
           <p:cNvPr id="10" name="Freeform: Shape 9">
             <a:extLst>
               <a:ext uri="{FF2B5EF4-FFF2-40B4-BE49-F238E27FC236}">
-                <a16:creationId xmlns:a16="http://schemas.microsoft.com/office/drawing/2014/main" xmlns="" id="{63D26743-0505-444C-80B3-E88EE87DF72B}"/>
+                <a16:creationId xmlns="" xmlns:a16="http://schemas.microsoft.com/office/drawing/2014/main" id="{63D26743-0505-444C-80B3-E88EE87DF72B}"/>
               </a:ext>
             </a:extLst>
           </p:cNvPr>
@@ -8837,7 +8836,7 @@
           <p:cNvPr id="18" name="Freeform: Shape 17">
             <a:extLst>
               <a:ext uri="{FF2B5EF4-FFF2-40B4-BE49-F238E27FC236}">
-                <a16:creationId xmlns:a16="http://schemas.microsoft.com/office/drawing/2014/main" xmlns="" id="{E37145E9-AC61-47D5-9288-8789940F81B6}"/>
+                <a16:creationId xmlns="" xmlns:a16="http://schemas.microsoft.com/office/drawing/2014/main" id="{E37145E9-AC61-47D5-9288-8789940F81B6}"/>
               </a:ext>
             </a:extLst>
           </p:cNvPr>
@@ -8989,7 +8988,7 @@
           <p:cNvPr id="12" name="Freeform: Shape 11">
             <a:extLst>
               <a:ext uri="{FF2B5EF4-FFF2-40B4-BE49-F238E27FC236}">
-                <a16:creationId xmlns:a16="http://schemas.microsoft.com/office/drawing/2014/main" xmlns="" id="{A5E2B3ED-9A49-40A7-B8A3-62595FE513F9}"/>
+                <a16:creationId xmlns="" xmlns:a16="http://schemas.microsoft.com/office/drawing/2014/main" id="{A5E2B3ED-9A49-40A7-B8A3-62595FE513F9}"/>
               </a:ext>
             </a:extLst>
           </p:cNvPr>
@@ -9139,7 +9138,7 @@
           <p:cNvPr id="8" name="Freeform: Shape 7">
             <a:extLst>
               <a:ext uri="{FF2B5EF4-FFF2-40B4-BE49-F238E27FC236}">
-                <a16:creationId xmlns:a16="http://schemas.microsoft.com/office/drawing/2014/main" xmlns="" id="{1599AF7E-3E34-4597-AA72-9373A7FDB020}"/>
+                <a16:creationId xmlns="" xmlns:a16="http://schemas.microsoft.com/office/drawing/2014/main" id="{1599AF7E-3E34-4597-AA72-9373A7FDB020}"/>
               </a:ext>
             </a:extLst>
           </p:cNvPr>
@@ -9285,7 +9284,7 @@
           <p:cNvPr id="2" name="Title 1">
             <a:extLst>
               <a:ext uri="{FF2B5EF4-FFF2-40B4-BE49-F238E27FC236}">
-                <a16:creationId xmlns:a16="http://schemas.microsoft.com/office/drawing/2014/main" xmlns="" id="{4A2DF563-7FAC-46B3-B24C-7E45CD89DA2B}"/>
+                <a16:creationId xmlns="" xmlns:a16="http://schemas.microsoft.com/office/drawing/2014/main" id="{4A2DF563-7FAC-46B3-B24C-7E45CD89DA2B}"/>
               </a:ext>
             </a:extLst>
           </p:cNvPr>
@@ -9330,7 +9329,7 @@
           <p:cNvPr id="15" name="Group 14">
             <a:extLst>
               <a:ext uri="{FF2B5EF4-FFF2-40B4-BE49-F238E27FC236}">
-                <a16:creationId xmlns:a16="http://schemas.microsoft.com/office/drawing/2014/main" xmlns="" id="{7732E1E7-45E3-4264-8F26-66758696DD1E}"/>
+                <a16:creationId xmlns="" xmlns:a16="http://schemas.microsoft.com/office/drawing/2014/main" id="{7732E1E7-45E3-4264-8F26-66758696DD1E}"/>
               </a:ext>
             </a:extLst>
           </p:cNvPr>
@@ -9350,7 +9349,7 @@
             <p:cNvPr id="16" name="Freeform: Shape 15">
               <a:extLst>
                 <a:ext uri="{FF2B5EF4-FFF2-40B4-BE49-F238E27FC236}">
-                  <a16:creationId xmlns:a16="http://schemas.microsoft.com/office/drawing/2014/main" xmlns="" id="{2E3DF883-8093-49FA-81E1-E5D77F086A25}"/>
+                  <a16:creationId xmlns="" xmlns:a16="http://schemas.microsoft.com/office/drawing/2014/main" id="{2E3DF883-8093-49FA-81E1-E5D77F086A25}"/>
                 </a:ext>
               </a:extLst>
             </p:cNvPr>
@@ -9440,7 +9439,7 @@
             <p:cNvPr id="17" name="Freeform: Shape 16">
               <a:extLst>
                 <a:ext uri="{FF2B5EF4-FFF2-40B4-BE49-F238E27FC236}">
-                  <a16:creationId xmlns:a16="http://schemas.microsoft.com/office/drawing/2014/main" xmlns="" id="{18944C90-37E5-4BBE-89FF-060627168050}"/>
+                  <a16:creationId xmlns="" xmlns:a16="http://schemas.microsoft.com/office/drawing/2014/main" id="{18944C90-37E5-4BBE-89FF-060627168050}"/>
                 </a:ext>
               </a:extLst>
             </p:cNvPr>
@@ -9539,7 +9538,7 @@
           <p:cNvPr id="6" name="Group 5">
             <a:extLst>
               <a:ext uri="{FF2B5EF4-FFF2-40B4-BE49-F238E27FC236}">
-                <a16:creationId xmlns:a16="http://schemas.microsoft.com/office/drawing/2014/main" xmlns="" id="{D9EBF8BB-A805-4DDB-B459-082F99815B95}"/>
+                <a16:creationId xmlns="" xmlns:a16="http://schemas.microsoft.com/office/drawing/2014/main" id="{D9EBF8BB-A805-4DDB-B459-082F99815B95}"/>
               </a:ext>
             </a:extLst>
           </p:cNvPr>
@@ -9559,7 +9558,7 @@
             <p:cNvPr id="19" name="Rectangle: Single Corner Snipped 18">
               <a:extLst>
                 <a:ext uri="{FF2B5EF4-FFF2-40B4-BE49-F238E27FC236}">
-                  <a16:creationId xmlns:a16="http://schemas.microsoft.com/office/drawing/2014/main" xmlns="" id="{5D638788-DD47-45E7-939A-FA108A818173}"/>
+                  <a16:creationId xmlns="" xmlns:a16="http://schemas.microsoft.com/office/drawing/2014/main" id="{5D638788-DD47-45E7-939A-FA108A818173}"/>
                 </a:ext>
               </a:extLst>
             </p:cNvPr>
@@ -9620,7 +9619,7 @@
             <p:cNvPr id="3" name="Rectangle: Single Corner Snipped 2">
               <a:extLst>
                 <a:ext uri="{FF2B5EF4-FFF2-40B4-BE49-F238E27FC236}">
-                  <a16:creationId xmlns:a16="http://schemas.microsoft.com/office/drawing/2014/main" xmlns="" id="{74BDECEF-EEFE-4332-B3B2-BDE4F82C10FC}"/>
+                  <a16:creationId xmlns="" xmlns:a16="http://schemas.microsoft.com/office/drawing/2014/main" id="{74BDECEF-EEFE-4332-B3B2-BDE4F82C10FC}"/>
                 </a:ext>
               </a:extLst>
             </p:cNvPr>
@@ -9677,7 +9676,7 @@
           <p:cNvPr id="35" name="Freeform: Shape 34">
             <a:extLst>
               <a:ext uri="{FF2B5EF4-FFF2-40B4-BE49-F238E27FC236}">
-                <a16:creationId xmlns:a16="http://schemas.microsoft.com/office/drawing/2014/main" xmlns="" id="{62EEBF51-DCAD-4335-85E9-52801031A1BF}"/>
+                <a16:creationId xmlns="" xmlns:a16="http://schemas.microsoft.com/office/drawing/2014/main" id="{62EEBF51-DCAD-4335-85E9-52801031A1BF}"/>
               </a:ext>
             </a:extLst>
           </p:cNvPr>
@@ -9772,7 +9771,7 @@
           <p:cNvPr id="5" name="Slide Number Placeholder 4">
             <a:extLst>
               <a:ext uri="{FF2B5EF4-FFF2-40B4-BE49-F238E27FC236}">
-                <a16:creationId xmlns:a16="http://schemas.microsoft.com/office/drawing/2014/main" xmlns="" id="{87B51822-97FF-47A7-8E4E-A0F79B4EB237}"/>
+                <a16:creationId xmlns="" xmlns:a16="http://schemas.microsoft.com/office/drawing/2014/main" id="{87B51822-97FF-47A7-8E4E-A0F79B4EB237}"/>
               </a:ext>
             </a:extLst>
           </p:cNvPr>
@@ -9816,7 +9815,7 @@
           <p:cNvPr id="20" name="Picture Placeholder 2">
             <a:extLst>
               <a:ext uri="{FF2B5EF4-FFF2-40B4-BE49-F238E27FC236}">
-                <a16:creationId xmlns:a16="http://schemas.microsoft.com/office/drawing/2014/main" xmlns="" id="{30B3A574-7940-4E35-857E-5CA35A5910E5}"/>
+                <a16:creationId xmlns="" xmlns:a16="http://schemas.microsoft.com/office/drawing/2014/main" id="{30B3A574-7940-4E35-857E-5CA35A5910E5}"/>
               </a:ext>
             </a:extLst>
           </p:cNvPr>
@@ -9893,7 +9892,7 @@
           <p:cNvPr id="21" name="Text Placeholder 3">
             <a:extLst>
               <a:ext uri="{FF2B5EF4-FFF2-40B4-BE49-F238E27FC236}">
-                <a16:creationId xmlns:a16="http://schemas.microsoft.com/office/drawing/2014/main" xmlns="" id="{912B51EA-3E6F-4BF6-BE48-62128AF32B85}"/>
+                <a16:creationId xmlns="" xmlns:a16="http://schemas.microsoft.com/office/drawing/2014/main" id="{912B51EA-3E6F-4BF6-BE48-62128AF32B85}"/>
               </a:ext>
             </a:extLst>
           </p:cNvPr>
@@ -10007,7 +10006,7 @@
           <p:cNvPr id="11" name="Rectangle 10">
             <a:extLst>
               <a:ext uri="{FF2B5EF4-FFF2-40B4-BE49-F238E27FC236}">
-                <a16:creationId xmlns:a16="http://schemas.microsoft.com/office/drawing/2014/main" xmlns="" id="{EB3E033F-4449-40FA-BC85-BD2712D313DD}"/>
+                <a16:creationId xmlns="" xmlns:a16="http://schemas.microsoft.com/office/drawing/2014/main" id="{EB3E033F-4449-40FA-BC85-BD2712D313DD}"/>
               </a:ext>
             </a:extLst>
           </p:cNvPr>
@@ -10061,7 +10060,7 @@
           <p:cNvPr id="10" name="Freeform: Shape 9">
             <a:extLst>
               <a:ext uri="{FF2B5EF4-FFF2-40B4-BE49-F238E27FC236}">
-                <a16:creationId xmlns:a16="http://schemas.microsoft.com/office/drawing/2014/main" xmlns="" id="{63D26743-0505-444C-80B3-E88EE87DF72B}"/>
+                <a16:creationId xmlns="" xmlns:a16="http://schemas.microsoft.com/office/drawing/2014/main" id="{63D26743-0505-444C-80B3-E88EE87DF72B}"/>
               </a:ext>
             </a:extLst>
           </p:cNvPr>
@@ -10184,7 +10183,7 @@
           <p:cNvPr id="18" name="Freeform: Shape 17">
             <a:extLst>
               <a:ext uri="{FF2B5EF4-FFF2-40B4-BE49-F238E27FC236}">
-                <a16:creationId xmlns:a16="http://schemas.microsoft.com/office/drawing/2014/main" xmlns="" id="{E37145E9-AC61-47D5-9288-8789940F81B6}"/>
+                <a16:creationId xmlns="" xmlns:a16="http://schemas.microsoft.com/office/drawing/2014/main" id="{E37145E9-AC61-47D5-9288-8789940F81B6}"/>
               </a:ext>
             </a:extLst>
           </p:cNvPr>
@@ -10336,7 +10335,7 @@
           <p:cNvPr id="12" name="Freeform: Shape 11">
             <a:extLst>
               <a:ext uri="{FF2B5EF4-FFF2-40B4-BE49-F238E27FC236}">
-                <a16:creationId xmlns:a16="http://schemas.microsoft.com/office/drawing/2014/main" xmlns="" id="{A5E2B3ED-9A49-40A7-B8A3-62595FE513F9}"/>
+                <a16:creationId xmlns="" xmlns:a16="http://schemas.microsoft.com/office/drawing/2014/main" id="{A5E2B3ED-9A49-40A7-B8A3-62595FE513F9}"/>
               </a:ext>
             </a:extLst>
           </p:cNvPr>
@@ -10486,7 +10485,7 @@
           <p:cNvPr id="8" name="Freeform: Shape 7">
             <a:extLst>
               <a:ext uri="{FF2B5EF4-FFF2-40B4-BE49-F238E27FC236}">
-                <a16:creationId xmlns:a16="http://schemas.microsoft.com/office/drawing/2014/main" xmlns="" id="{1599AF7E-3E34-4597-AA72-9373A7FDB020}"/>
+                <a16:creationId xmlns="" xmlns:a16="http://schemas.microsoft.com/office/drawing/2014/main" id="{1599AF7E-3E34-4597-AA72-9373A7FDB020}"/>
               </a:ext>
             </a:extLst>
           </p:cNvPr>
@@ -10632,7 +10631,7 @@
           <p:cNvPr id="2" name="Title 1">
             <a:extLst>
               <a:ext uri="{FF2B5EF4-FFF2-40B4-BE49-F238E27FC236}">
-                <a16:creationId xmlns:a16="http://schemas.microsoft.com/office/drawing/2014/main" xmlns="" id="{4A2DF563-7FAC-46B3-B24C-7E45CD89DA2B}"/>
+                <a16:creationId xmlns="" xmlns:a16="http://schemas.microsoft.com/office/drawing/2014/main" id="{4A2DF563-7FAC-46B3-B24C-7E45CD89DA2B}"/>
               </a:ext>
             </a:extLst>
           </p:cNvPr>
@@ -10677,7 +10676,7 @@
           <p:cNvPr id="15" name="Group 14">
             <a:extLst>
               <a:ext uri="{FF2B5EF4-FFF2-40B4-BE49-F238E27FC236}">
-                <a16:creationId xmlns:a16="http://schemas.microsoft.com/office/drawing/2014/main" xmlns="" id="{7732E1E7-45E3-4264-8F26-66758696DD1E}"/>
+                <a16:creationId xmlns="" xmlns:a16="http://schemas.microsoft.com/office/drawing/2014/main" id="{7732E1E7-45E3-4264-8F26-66758696DD1E}"/>
               </a:ext>
             </a:extLst>
           </p:cNvPr>
@@ -10697,7 +10696,7 @@
             <p:cNvPr id="16" name="Freeform: Shape 15">
               <a:extLst>
                 <a:ext uri="{FF2B5EF4-FFF2-40B4-BE49-F238E27FC236}">
-                  <a16:creationId xmlns:a16="http://schemas.microsoft.com/office/drawing/2014/main" xmlns="" id="{2E3DF883-8093-49FA-81E1-E5D77F086A25}"/>
+                  <a16:creationId xmlns="" xmlns:a16="http://schemas.microsoft.com/office/drawing/2014/main" id="{2E3DF883-8093-49FA-81E1-E5D77F086A25}"/>
                 </a:ext>
               </a:extLst>
             </p:cNvPr>
@@ -10787,7 +10786,7 @@
             <p:cNvPr id="17" name="Freeform: Shape 16">
               <a:extLst>
                 <a:ext uri="{FF2B5EF4-FFF2-40B4-BE49-F238E27FC236}">
-                  <a16:creationId xmlns:a16="http://schemas.microsoft.com/office/drawing/2014/main" xmlns="" id="{18944C90-37E5-4BBE-89FF-060627168050}"/>
+                  <a16:creationId xmlns="" xmlns:a16="http://schemas.microsoft.com/office/drawing/2014/main" id="{18944C90-37E5-4BBE-89FF-060627168050}"/>
                 </a:ext>
               </a:extLst>
             </p:cNvPr>
@@ -10886,7 +10885,7 @@
           <p:cNvPr id="6" name="Group 5">
             <a:extLst>
               <a:ext uri="{FF2B5EF4-FFF2-40B4-BE49-F238E27FC236}">
-                <a16:creationId xmlns:a16="http://schemas.microsoft.com/office/drawing/2014/main" xmlns="" id="{D9EBF8BB-A805-4DDB-B459-082F99815B95}"/>
+                <a16:creationId xmlns="" xmlns:a16="http://schemas.microsoft.com/office/drawing/2014/main" id="{D9EBF8BB-A805-4DDB-B459-082F99815B95}"/>
               </a:ext>
             </a:extLst>
           </p:cNvPr>
@@ -10906,7 +10905,7 @@
             <p:cNvPr id="19" name="Rectangle: Single Corner Snipped 18">
               <a:extLst>
                 <a:ext uri="{FF2B5EF4-FFF2-40B4-BE49-F238E27FC236}">
-                  <a16:creationId xmlns:a16="http://schemas.microsoft.com/office/drawing/2014/main" xmlns="" id="{5D638788-DD47-45E7-939A-FA108A818173}"/>
+                  <a16:creationId xmlns="" xmlns:a16="http://schemas.microsoft.com/office/drawing/2014/main" id="{5D638788-DD47-45E7-939A-FA108A818173}"/>
                 </a:ext>
               </a:extLst>
             </p:cNvPr>
@@ -10967,7 +10966,7 @@
             <p:cNvPr id="3" name="Rectangle: Single Corner Snipped 2">
               <a:extLst>
                 <a:ext uri="{FF2B5EF4-FFF2-40B4-BE49-F238E27FC236}">
-                  <a16:creationId xmlns:a16="http://schemas.microsoft.com/office/drawing/2014/main" xmlns="" id="{74BDECEF-EEFE-4332-B3B2-BDE4F82C10FC}"/>
+                  <a16:creationId xmlns="" xmlns:a16="http://schemas.microsoft.com/office/drawing/2014/main" id="{74BDECEF-EEFE-4332-B3B2-BDE4F82C10FC}"/>
                 </a:ext>
               </a:extLst>
             </p:cNvPr>
@@ -11024,7 +11023,7 @@
           <p:cNvPr id="35" name="Freeform: Shape 34">
             <a:extLst>
               <a:ext uri="{FF2B5EF4-FFF2-40B4-BE49-F238E27FC236}">
-                <a16:creationId xmlns:a16="http://schemas.microsoft.com/office/drawing/2014/main" xmlns="" id="{62EEBF51-DCAD-4335-85E9-52801031A1BF}"/>
+                <a16:creationId xmlns="" xmlns:a16="http://schemas.microsoft.com/office/drawing/2014/main" id="{62EEBF51-DCAD-4335-85E9-52801031A1BF}"/>
               </a:ext>
             </a:extLst>
           </p:cNvPr>
@@ -11119,7 +11118,7 @@
           <p:cNvPr id="5" name="Slide Number Placeholder 4">
             <a:extLst>
               <a:ext uri="{FF2B5EF4-FFF2-40B4-BE49-F238E27FC236}">
-                <a16:creationId xmlns:a16="http://schemas.microsoft.com/office/drawing/2014/main" xmlns="" id="{87B51822-97FF-47A7-8E4E-A0F79B4EB237}"/>
+                <a16:creationId xmlns="" xmlns:a16="http://schemas.microsoft.com/office/drawing/2014/main" id="{87B51822-97FF-47A7-8E4E-A0F79B4EB237}"/>
               </a:ext>
             </a:extLst>
           </p:cNvPr>
@@ -11163,7 +11162,7 @@
           <p:cNvPr id="21" name="Text Placeholder 3">
             <a:extLst>
               <a:ext uri="{FF2B5EF4-FFF2-40B4-BE49-F238E27FC236}">
-                <a16:creationId xmlns:a16="http://schemas.microsoft.com/office/drawing/2014/main" xmlns="" id="{912B51EA-3E6F-4BF6-BE48-62128AF32B85}"/>
+                <a16:creationId xmlns="" xmlns:a16="http://schemas.microsoft.com/office/drawing/2014/main" id="{912B51EA-3E6F-4BF6-BE48-62128AF32B85}"/>
               </a:ext>
             </a:extLst>
           </p:cNvPr>
@@ -11239,7 +11238,7 @@
           <p:cNvPr id="22" name="Content Placeholder 2">
             <a:extLst>
               <a:ext uri="{FF2B5EF4-FFF2-40B4-BE49-F238E27FC236}">
-                <a16:creationId xmlns:a16="http://schemas.microsoft.com/office/drawing/2014/main" xmlns="" id="{A015C605-1D30-48BC-A0D6-3B11AF56CC53}"/>
+                <a16:creationId xmlns="" xmlns:a16="http://schemas.microsoft.com/office/drawing/2014/main" id="{A015C605-1D30-48BC-A0D6-3B11AF56CC53}"/>
               </a:ext>
             </a:extLst>
           </p:cNvPr>
@@ -11381,7 +11380,7 @@
           <p:cNvPr id="18" name="Rectangle 17">
             <a:extLst>
               <a:ext uri="{FF2B5EF4-FFF2-40B4-BE49-F238E27FC236}">
-                <a16:creationId xmlns:a16="http://schemas.microsoft.com/office/drawing/2014/main" xmlns="" id="{D4494CD2-CCDD-0248-96F8-741002C44255}"/>
+                <a16:creationId xmlns="" xmlns:a16="http://schemas.microsoft.com/office/drawing/2014/main" id="{D4494CD2-CCDD-0248-96F8-741002C44255}"/>
               </a:ext>
             </a:extLst>
           </p:cNvPr>
@@ -11435,7 +11434,7 @@
           <p:cNvPr id="19" name="Freeform: Shape 9">
             <a:extLst>
               <a:ext uri="{FF2B5EF4-FFF2-40B4-BE49-F238E27FC236}">
-                <a16:creationId xmlns:a16="http://schemas.microsoft.com/office/drawing/2014/main" xmlns="" id="{07077B00-C1EE-7241-B441-7814F92A7EDF}"/>
+                <a16:creationId xmlns="" xmlns:a16="http://schemas.microsoft.com/office/drawing/2014/main" id="{07077B00-C1EE-7241-B441-7814F92A7EDF}"/>
               </a:ext>
             </a:extLst>
           </p:cNvPr>
@@ -11558,7 +11557,7 @@
           <p:cNvPr id="20" name="Freeform: Shape 17">
             <a:extLst>
               <a:ext uri="{FF2B5EF4-FFF2-40B4-BE49-F238E27FC236}">
-                <a16:creationId xmlns:a16="http://schemas.microsoft.com/office/drawing/2014/main" xmlns="" id="{3A1AEBC4-637E-F64C-9192-69AC4BB26D0C}"/>
+                <a16:creationId xmlns="" xmlns:a16="http://schemas.microsoft.com/office/drawing/2014/main" id="{3A1AEBC4-637E-F64C-9192-69AC4BB26D0C}"/>
               </a:ext>
             </a:extLst>
           </p:cNvPr>
@@ -11710,7 +11709,7 @@
           <p:cNvPr id="21" name="Freeform: Shape 11">
             <a:extLst>
               <a:ext uri="{FF2B5EF4-FFF2-40B4-BE49-F238E27FC236}">
-                <a16:creationId xmlns:a16="http://schemas.microsoft.com/office/drawing/2014/main" xmlns="" id="{669A7039-C54C-8E46-9A8B-DDB2547D989C}"/>
+                <a16:creationId xmlns="" xmlns:a16="http://schemas.microsoft.com/office/drawing/2014/main" id="{669A7039-C54C-8E46-9A8B-DDB2547D989C}"/>
               </a:ext>
             </a:extLst>
           </p:cNvPr>
@@ -11860,7 +11859,7 @@
           <p:cNvPr id="22" name="Freeform: Shape 7">
             <a:extLst>
               <a:ext uri="{FF2B5EF4-FFF2-40B4-BE49-F238E27FC236}">
-                <a16:creationId xmlns:a16="http://schemas.microsoft.com/office/drawing/2014/main" xmlns="" id="{4F173B32-87BB-9A40-8C91-4C1EED2B7ABF}"/>
+                <a16:creationId xmlns="" xmlns:a16="http://schemas.microsoft.com/office/drawing/2014/main" id="{4F173B32-87BB-9A40-8C91-4C1EED2B7ABF}"/>
               </a:ext>
             </a:extLst>
           </p:cNvPr>
@@ -12006,7 +12005,7 @@
           <p:cNvPr id="24" name="Group 23">
             <a:extLst>
               <a:ext uri="{FF2B5EF4-FFF2-40B4-BE49-F238E27FC236}">
-                <a16:creationId xmlns:a16="http://schemas.microsoft.com/office/drawing/2014/main" xmlns="" id="{4AC87F4E-12B5-1B42-AFD2-4DB39B7645C9}"/>
+                <a16:creationId xmlns="" xmlns:a16="http://schemas.microsoft.com/office/drawing/2014/main" id="{4AC87F4E-12B5-1B42-AFD2-4DB39B7645C9}"/>
               </a:ext>
             </a:extLst>
           </p:cNvPr>
@@ -12026,7 +12025,7 @@
             <p:cNvPr id="25" name="Freeform: Shape 15">
               <a:extLst>
                 <a:ext uri="{FF2B5EF4-FFF2-40B4-BE49-F238E27FC236}">
-                  <a16:creationId xmlns:a16="http://schemas.microsoft.com/office/drawing/2014/main" xmlns="" id="{03DD8765-59DF-A045-ADB5-E39FAEE153A0}"/>
+                  <a16:creationId xmlns="" xmlns:a16="http://schemas.microsoft.com/office/drawing/2014/main" id="{03DD8765-59DF-A045-ADB5-E39FAEE153A0}"/>
                 </a:ext>
               </a:extLst>
             </p:cNvPr>
@@ -12116,7 +12115,7 @@
             <p:cNvPr id="26" name="Freeform: Shape 16">
               <a:extLst>
                 <a:ext uri="{FF2B5EF4-FFF2-40B4-BE49-F238E27FC236}">
-                  <a16:creationId xmlns:a16="http://schemas.microsoft.com/office/drawing/2014/main" xmlns="" id="{B34B796C-A407-7B4D-B4F0-E58A44FE8DB4}"/>
+                  <a16:creationId xmlns="" xmlns:a16="http://schemas.microsoft.com/office/drawing/2014/main" id="{B34B796C-A407-7B4D-B4F0-E58A44FE8DB4}"/>
                 </a:ext>
               </a:extLst>
             </p:cNvPr>
@@ -12215,7 +12214,7 @@
           <p:cNvPr id="30" name="Freeform: Shape 23">
             <a:extLst>
               <a:ext uri="{FF2B5EF4-FFF2-40B4-BE49-F238E27FC236}">
-                <a16:creationId xmlns:a16="http://schemas.microsoft.com/office/drawing/2014/main" xmlns="" id="{CBE3FDC9-67CB-FA42-B127-A36BFF4678BB}"/>
+                <a16:creationId xmlns="" xmlns:a16="http://schemas.microsoft.com/office/drawing/2014/main" id="{CBE3FDC9-67CB-FA42-B127-A36BFF4678BB}"/>
               </a:ext>
             </a:extLst>
           </p:cNvPr>
@@ -12310,7 +12309,7 @@
           <p:cNvPr id="31" name="Slide Number Placeholder 4">
             <a:extLst>
               <a:ext uri="{FF2B5EF4-FFF2-40B4-BE49-F238E27FC236}">
-                <a16:creationId xmlns:a16="http://schemas.microsoft.com/office/drawing/2014/main" xmlns="" id="{1E902BFF-CA8F-D745-A819-A7BB38B30ED9}"/>
+                <a16:creationId xmlns="" xmlns:a16="http://schemas.microsoft.com/office/drawing/2014/main" id="{1E902BFF-CA8F-D745-A819-A7BB38B30ED9}"/>
               </a:ext>
             </a:extLst>
           </p:cNvPr>
@@ -12384,7 +12383,7 @@
           <p:cNvPr id="21" name="Rectangle 20">
             <a:extLst>
               <a:ext uri="{FF2B5EF4-FFF2-40B4-BE49-F238E27FC236}">
-                <a16:creationId xmlns:a16="http://schemas.microsoft.com/office/drawing/2014/main" xmlns="" id="{6E739168-A5E8-443A-B392-7AD4CF8977AD}"/>
+                <a16:creationId xmlns="" xmlns:a16="http://schemas.microsoft.com/office/drawing/2014/main" id="{6E739168-A5E8-443A-B392-7AD4CF8977AD}"/>
               </a:ext>
             </a:extLst>
           </p:cNvPr>
@@ -12436,7 +12435,7 @@
           <p:cNvPr id="15" name="Freeform: Shape 14">
             <a:extLst>
               <a:ext uri="{FF2B5EF4-FFF2-40B4-BE49-F238E27FC236}">
-                <a16:creationId xmlns:a16="http://schemas.microsoft.com/office/drawing/2014/main" xmlns="" id="{41E10E1E-5268-4F03-BA64-07E19DE26739}"/>
+                <a16:creationId xmlns="" xmlns:a16="http://schemas.microsoft.com/office/drawing/2014/main" id="{41E10E1E-5268-4F03-BA64-07E19DE26739}"/>
               </a:ext>
             </a:extLst>
           </p:cNvPr>
@@ -12573,7 +12572,7 @@
           <p:cNvPr id="16" name="Freeform: Shape 15">
             <a:extLst>
               <a:ext uri="{FF2B5EF4-FFF2-40B4-BE49-F238E27FC236}">
-                <a16:creationId xmlns:a16="http://schemas.microsoft.com/office/drawing/2014/main" xmlns="" id="{B989C45D-BDFF-418F-BE79-03FF70015770}"/>
+                <a16:creationId xmlns="" xmlns:a16="http://schemas.microsoft.com/office/drawing/2014/main" id="{B989C45D-BDFF-418F-BE79-03FF70015770}"/>
               </a:ext>
             </a:extLst>
           </p:cNvPr>
@@ -12737,7 +12736,7 @@
           <p:cNvPr id="20" name="Freeform: Shape 19">
             <a:extLst>
               <a:ext uri="{FF2B5EF4-FFF2-40B4-BE49-F238E27FC236}">
-                <a16:creationId xmlns:a16="http://schemas.microsoft.com/office/drawing/2014/main" xmlns="" id="{0027A677-9ACB-4264-B148-4806678FB83F}"/>
+                <a16:creationId xmlns="" xmlns:a16="http://schemas.microsoft.com/office/drawing/2014/main" id="{0027A677-9ACB-4264-B148-4806678FB83F}"/>
               </a:ext>
             </a:extLst>
           </p:cNvPr>
@@ -12899,7 +12898,7 @@
           <p:cNvPr id="6" name="Group 5">
             <a:extLst>
               <a:ext uri="{FF2B5EF4-FFF2-40B4-BE49-F238E27FC236}">
-                <a16:creationId xmlns:a16="http://schemas.microsoft.com/office/drawing/2014/main" xmlns="" id="{EA7FF9D7-8545-4547-AC77-A0421EEB9B99}"/>
+                <a16:creationId xmlns="" xmlns:a16="http://schemas.microsoft.com/office/drawing/2014/main" id="{EA7FF9D7-8545-4547-AC77-A0421EEB9B99}"/>
               </a:ext>
             </a:extLst>
           </p:cNvPr>
@@ -12919,7 +12918,7 @@
             <p:cNvPr id="17" name="Right Triangle 16">
               <a:extLst>
                 <a:ext uri="{FF2B5EF4-FFF2-40B4-BE49-F238E27FC236}">
-                  <a16:creationId xmlns:a16="http://schemas.microsoft.com/office/drawing/2014/main" xmlns="" id="{8DCD5806-2A2F-4ABF-8057-245681C498E6}"/>
+                  <a16:creationId xmlns="" xmlns:a16="http://schemas.microsoft.com/office/drawing/2014/main" id="{8DCD5806-2A2F-4ABF-8057-245681C498E6}"/>
                 </a:ext>
               </a:extLst>
             </p:cNvPr>
@@ -12973,7 +12972,7 @@
             <p:cNvPr id="18" name="Right Triangle 17">
               <a:extLst>
                 <a:ext uri="{FF2B5EF4-FFF2-40B4-BE49-F238E27FC236}">
-                  <a16:creationId xmlns:a16="http://schemas.microsoft.com/office/drawing/2014/main" xmlns="" id="{3A93038F-E9E4-4FFD-B3DF-28DB7C2C1490}"/>
+                  <a16:creationId xmlns="" xmlns:a16="http://schemas.microsoft.com/office/drawing/2014/main" id="{3A93038F-E9E4-4FFD-B3DF-28DB7C2C1490}"/>
                 </a:ext>
               </a:extLst>
             </p:cNvPr>
@@ -13030,7 +13029,7 @@
             <p:cNvPr id="19" name="Right Triangle 18">
               <a:extLst>
                 <a:ext uri="{FF2B5EF4-FFF2-40B4-BE49-F238E27FC236}">
-                  <a16:creationId xmlns:a16="http://schemas.microsoft.com/office/drawing/2014/main" xmlns="" id="{5DEA1E02-BBD0-4AE3-AF22-433B90272178}"/>
+                  <a16:creationId xmlns="" xmlns:a16="http://schemas.microsoft.com/office/drawing/2014/main" id="{5DEA1E02-BBD0-4AE3-AF22-433B90272178}"/>
                 </a:ext>
               </a:extLst>
             </p:cNvPr>
@@ -13085,7 +13084,7 @@
           <p:cNvPr id="2" name="Title 1">
             <a:extLst>
               <a:ext uri="{FF2B5EF4-FFF2-40B4-BE49-F238E27FC236}">
-                <a16:creationId xmlns:a16="http://schemas.microsoft.com/office/drawing/2014/main" xmlns="" id="{9E597736-C478-4C26-9BAF-205FE31E977C}"/>
+                <a16:creationId xmlns="" xmlns:a16="http://schemas.microsoft.com/office/drawing/2014/main" id="{9E597736-C478-4C26-9BAF-205FE31E977C}"/>
               </a:ext>
             </a:extLst>
           </p:cNvPr>
@@ -13162,7 +13161,7 @@
           <p:cNvPr id="21" name="Rectangle 20">
             <a:extLst>
               <a:ext uri="{FF2B5EF4-FFF2-40B4-BE49-F238E27FC236}">
-                <a16:creationId xmlns:a16="http://schemas.microsoft.com/office/drawing/2014/main" xmlns="" id="{6E739168-A5E8-443A-B392-7AD4CF8977AD}"/>
+                <a16:creationId xmlns="" xmlns:a16="http://schemas.microsoft.com/office/drawing/2014/main" id="{6E739168-A5E8-443A-B392-7AD4CF8977AD}"/>
               </a:ext>
             </a:extLst>
           </p:cNvPr>
@@ -13214,7 +13213,7 @@
           <p:cNvPr id="15" name="Freeform: Shape 14">
             <a:extLst>
               <a:ext uri="{FF2B5EF4-FFF2-40B4-BE49-F238E27FC236}">
-                <a16:creationId xmlns:a16="http://schemas.microsoft.com/office/drawing/2014/main" xmlns="" id="{41E10E1E-5268-4F03-BA64-07E19DE26739}"/>
+                <a16:creationId xmlns="" xmlns:a16="http://schemas.microsoft.com/office/drawing/2014/main" id="{41E10E1E-5268-4F03-BA64-07E19DE26739}"/>
               </a:ext>
             </a:extLst>
           </p:cNvPr>
@@ -13351,7 +13350,7 @@
           <p:cNvPr id="16" name="Freeform: Shape 15">
             <a:extLst>
               <a:ext uri="{FF2B5EF4-FFF2-40B4-BE49-F238E27FC236}">
-                <a16:creationId xmlns:a16="http://schemas.microsoft.com/office/drawing/2014/main" xmlns="" id="{B989C45D-BDFF-418F-BE79-03FF70015770}"/>
+                <a16:creationId xmlns="" xmlns:a16="http://schemas.microsoft.com/office/drawing/2014/main" id="{B989C45D-BDFF-418F-BE79-03FF70015770}"/>
               </a:ext>
             </a:extLst>
           </p:cNvPr>
@@ -13515,7 +13514,7 @@
           <p:cNvPr id="20" name="Freeform: Shape 19">
             <a:extLst>
               <a:ext uri="{FF2B5EF4-FFF2-40B4-BE49-F238E27FC236}">
-                <a16:creationId xmlns:a16="http://schemas.microsoft.com/office/drawing/2014/main" xmlns="" id="{0027A677-9ACB-4264-B148-4806678FB83F}"/>
+                <a16:creationId xmlns="" xmlns:a16="http://schemas.microsoft.com/office/drawing/2014/main" id="{0027A677-9ACB-4264-B148-4806678FB83F}"/>
               </a:ext>
             </a:extLst>
           </p:cNvPr>
@@ -13677,7 +13676,7 @@
           <p:cNvPr id="2" name="Title 1">
             <a:extLst>
               <a:ext uri="{FF2B5EF4-FFF2-40B4-BE49-F238E27FC236}">
-                <a16:creationId xmlns:a16="http://schemas.microsoft.com/office/drawing/2014/main" xmlns="" id="{9E597736-C478-4C26-9BAF-205FE31E977C}"/>
+                <a16:creationId xmlns="" xmlns:a16="http://schemas.microsoft.com/office/drawing/2014/main" id="{9E597736-C478-4C26-9BAF-205FE31E977C}"/>
               </a:ext>
             </a:extLst>
           </p:cNvPr>
@@ -13724,7 +13723,7 @@
           <p:cNvPr id="35" name="Freeform: Shape 34">
             <a:extLst>
               <a:ext uri="{FF2B5EF4-FFF2-40B4-BE49-F238E27FC236}">
-                <a16:creationId xmlns:a16="http://schemas.microsoft.com/office/drawing/2014/main" xmlns="" id="{C024DCDB-C6BF-455E-AAB8-EAF9DAB302A1}"/>
+                <a16:creationId xmlns="" xmlns:a16="http://schemas.microsoft.com/office/drawing/2014/main" id="{C024DCDB-C6BF-455E-AAB8-EAF9DAB302A1}"/>
               </a:ext>
             </a:extLst>
           </p:cNvPr>
@@ -13832,7 +13831,7 @@
           <p:cNvPr id="32" name="Freeform: Shape 31">
             <a:extLst>
               <a:ext uri="{FF2B5EF4-FFF2-40B4-BE49-F238E27FC236}">
-                <a16:creationId xmlns:a16="http://schemas.microsoft.com/office/drawing/2014/main" xmlns="" id="{26AFB47A-5D51-4F9C-B01B-977CE5E3C093}"/>
+                <a16:creationId xmlns="" xmlns:a16="http://schemas.microsoft.com/office/drawing/2014/main" id="{26AFB47A-5D51-4F9C-B01B-977CE5E3C093}"/>
               </a:ext>
             </a:extLst>
           </p:cNvPr>
@@ -13948,7 +13947,7 @@
           <p:cNvPr id="30" name="Freeform: Shape 29">
             <a:extLst>
               <a:ext uri="{FF2B5EF4-FFF2-40B4-BE49-F238E27FC236}">
-                <a16:creationId xmlns:a16="http://schemas.microsoft.com/office/drawing/2014/main" xmlns="" id="{6997A4FF-7390-4173-8ACD-6CF7145AACEC}"/>
+                <a16:creationId xmlns="" xmlns:a16="http://schemas.microsoft.com/office/drawing/2014/main" id="{6997A4FF-7390-4173-8ACD-6CF7145AACEC}"/>
               </a:ext>
             </a:extLst>
           </p:cNvPr>
@@ -14087,7 +14086,7 @@
           <p:cNvPr id="7" name="Rectangle 6">
             <a:extLst>
               <a:ext uri="{FF2B5EF4-FFF2-40B4-BE49-F238E27FC236}">
-                <a16:creationId xmlns:a16="http://schemas.microsoft.com/office/drawing/2014/main" xmlns="" id="{B2838D16-809E-4EB1-8C0C-0E63D8139112}"/>
+                <a16:creationId xmlns="" xmlns:a16="http://schemas.microsoft.com/office/drawing/2014/main" id="{B2838D16-809E-4EB1-8C0C-0E63D8139112}"/>
               </a:ext>
             </a:extLst>
           </p:cNvPr>
@@ -14139,7 +14138,7 @@
           <p:cNvPr id="8" name="Freeform: Shape 7">
             <a:extLst>
               <a:ext uri="{FF2B5EF4-FFF2-40B4-BE49-F238E27FC236}">
-                <a16:creationId xmlns:a16="http://schemas.microsoft.com/office/drawing/2014/main" xmlns="" id="{01FEB333-94B4-4E53-9019-D584810903BB}"/>
+                <a16:creationId xmlns="" xmlns:a16="http://schemas.microsoft.com/office/drawing/2014/main" id="{01FEB333-94B4-4E53-9019-D584810903BB}"/>
               </a:ext>
             </a:extLst>
           </p:cNvPr>
@@ -14260,7 +14259,7 @@
           <p:cNvPr id="9" name="Freeform: Shape 8">
             <a:extLst>
               <a:ext uri="{FF2B5EF4-FFF2-40B4-BE49-F238E27FC236}">
-                <a16:creationId xmlns:a16="http://schemas.microsoft.com/office/drawing/2014/main" xmlns="" id="{A59B9489-0CD9-4DB7-AC82-6E7867F91403}"/>
+                <a16:creationId xmlns="" xmlns:a16="http://schemas.microsoft.com/office/drawing/2014/main" id="{A59B9489-0CD9-4DB7-AC82-6E7867F91403}"/>
               </a:ext>
             </a:extLst>
           </p:cNvPr>
@@ -14400,7 +14399,7 @@
           <p:cNvPr id="10" name="Right Triangle 9">
             <a:extLst>
               <a:ext uri="{FF2B5EF4-FFF2-40B4-BE49-F238E27FC236}">
-                <a16:creationId xmlns:a16="http://schemas.microsoft.com/office/drawing/2014/main" xmlns="" id="{A55D1C76-C591-4FA5-9780-87AB6B37C0FA}"/>
+                <a16:creationId xmlns="" xmlns:a16="http://schemas.microsoft.com/office/drawing/2014/main" id="{A55D1C76-C591-4FA5-9780-87AB6B37C0FA}"/>
               </a:ext>
             </a:extLst>
           </p:cNvPr>
@@ -14454,7 +14453,7 @@
           <p:cNvPr id="11" name="Freeform: Shape 10">
             <a:extLst>
               <a:ext uri="{FF2B5EF4-FFF2-40B4-BE49-F238E27FC236}">
-                <a16:creationId xmlns:a16="http://schemas.microsoft.com/office/drawing/2014/main" xmlns="" id="{A7DC1D12-670F-4235-8791-FA8C2B330871}"/>
+                <a16:creationId xmlns="" xmlns:a16="http://schemas.microsoft.com/office/drawing/2014/main" id="{A7DC1D12-670F-4235-8791-FA8C2B330871}"/>
               </a:ext>
             </a:extLst>
           </p:cNvPr>
@@ -14600,7 +14599,7 @@
           <p:cNvPr id="12" name="Freeform: Shape 11">
             <a:extLst>
               <a:ext uri="{FF2B5EF4-FFF2-40B4-BE49-F238E27FC236}">
-                <a16:creationId xmlns:a16="http://schemas.microsoft.com/office/drawing/2014/main" xmlns="" id="{859569CF-FDAC-47C4-A0F5-296F7117C398}"/>
+                <a16:creationId xmlns="" xmlns:a16="http://schemas.microsoft.com/office/drawing/2014/main" id="{859569CF-FDAC-47C4-A0F5-296F7117C398}"/>
               </a:ext>
             </a:extLst>
           </p:cNvPr>
@@ -14700,7 +14699,7 @@
           <p:cNvPr id="13" name="Freeform: Shape 12">
             <a:extLst>
               <a:ext uri="{FF2B5EF4-FFF2-40B4-BE49-F238E27FC236}">
-                <a16:creationId xmlns:a16="http://schemas.microsoft.com/office/drawing/2014/main" xmlns="" id="{D68D0C72-2B2C-4C85-A091-157853C71784}"/>
+                <a16:creationId xmlns="" xmlns:a16="http://schemas.microsoft.com/office/drawing/2014/main" id="{D68D0C72-2B2C-4C85-A091-157853C71784}"/>
               </a:ext>
             </a:extLst>
           </p:cNvPr>
@@ -14808,7 +14807,7 @@
           <p:cNvPr id="14" name="Freeform: Shape 13">
             <a:extLst>
               <a:ext uri="{FF2B5EF4-FFF2-40B4-BE49-F238E27FC236}">
-                <a16:creationId xmlns:a16="http://schemas.microsoft.com/office/drawing/2014/main" xmlns="" id="{8E25334A-5FE3-4DDA-8D32-4796CCFCAA74}"/>
+                <a16:creationId xmlns="" xmlns:a16="http://schemas.microsoft.com/office/drawing/2014/main" id="{8E25334A-5FE3-4DDA-8D32-4796CCFCAA74}"/>
               </a:ext>
             </a:extLst>
           </p:cNvPr>
@@ -14900,7 +14899,7 @@
           <p:cNvPr id="15" name="Freeform: Shape 14">
             <a:extLst>
               <a:ext uri="{FF2B5EF4-FFF2-40B4-BE49-F238E27FC236}">
-                <a16:creationId xmlns:a16="http://schemas.microsoft.com/office/drawing/2014/main" xmlns="" id="{18818DF1-D7FD-4C0F-875D-7A07E8F75C06}"/>
+                <a16:creationId xmlns="" xmlns:a16="http://schemas.microsoft.com/office/drawing/2014/main" id="{18818DF1-D7FD-4C0F-875D-7A07E8F75C06}"/>
               </a:ext>
             </a:extLst>
           </p:cNvPr>
@@ -15000,7 +14999,7 @@
           <p:cNvPr id="16" name="Group 15">
             <a:extLst>
               <a:ext uri="{FF2B5EF4-FFF2-40B4-BE49-F238E27FC236}">
-                <a16:creationId xmlns:a16="http://schemas.microsoft.com/office/drawing/2014/main" xmlns="" id="{8F9BB384-9E14-4CEA-82C1-21837229D3EF}"/>
+                <a16:creationId xmlns="" xmlns:a16="http://schemas.microsoft.com/office/drawing/2014/main" id="{8F9BB384-9E14-4CEA-82C1-21837229D3EF}"/>
               </a:ext>
             </a:extLst>
           </p:cNvPr>
@@ -15020,7 +15019,7 @@
             <p:cNvPr id="17" name="Freeform: Shape 16">
               <a:extLst>
                 <a:ext uri="{FF2B5EF4-FFF2-40B4-BE49-F238E27FC236}">
-                  <a16:creationId xmlns:a16="http://schemas.microsoft.com/office/drawing/2014/main" xmlns="" id="{0862A81A-959D-4EAB-90ED-DB20759BB397}"/>
+                  <a16:creationId xmlns="" xmlns:a16="http://schemas.microsoft.com/office/drawing/2014/main" id="{0862A81A-959D-4EAB-90ED-DB20759BB397}"/>
                 </a:ext>
               </a:extLst>
             </p:cNvPr>
@@ -15110,7 +15109,7 @@
             <p:cNvPr id="18" name="Freeform: Shape 17">
               <a:extLst>
                 <a:ext uri="{FF2B5EF4-FFF2-40B4-BE49-F238E27FC236}">
-                  <a16:creationId xmlns:a16="http://schemas.microsoft.com/office/drawing/2014/main" xmlns="" id="{AAB9E28C-9422-42BD-AECE-29B44B5D63E2}"/>
+                  <a16:creationId xmlns="" xmlns:a16="http://schemas.microsoft.com/office/drawing/2014/main" id="{AAB9E28C-9422-42BD-AECE-29B44B5D63E2}"/>
                 </a:ext>
               </a:extLst>
             </p:cNvPr>
@@ -15209,7 +15208,7 @@
           <p:cNvPr id="19" name="Group 18">
             <a:extLst>
               <a:ext uri="{FF2B5EF4-FFF2-40B4-BE49-F238E27FC236}">
-                <a16:creationId xmlns:a16="http://schemas.microsoft.com/office/drawing/2014/main" xmlns="" id="{2772239B-C46D-4458-BB4B-DDB12FAB0172}"/>
+                <a16:creationId xmlns="" xmlns:a16="http://schemas.microsoft.com/office/drawing/2014/main" id="{2772239B-C46D-4458-BB4B-DDB12FAB0172}"/>
               </a:ext>
             </a:extLst>
           </p:cNvPr>
@@ -15229,7 +15228,7 @@
             <p:cNvPr id="20" name="Freeform: Shape 19">
               <a:extLst>
                 <a:ext uri="{FF2B5EF4-FFF2-40B4-BE49-F238E27FC236}">
-                  <a16:creationId xmlns:a16="http://schemas.microsoft.com/office/drawing/2014/main" xmlns="" id="{3C8A2A1A-1FB9-4CA1-B74E-B293187E51AA}"/>
+                  <a16:creationId xmlns="" xmlns:a16="http://schemas.microsoft.com/office/drawing/2014/main" id="{3C8A2A1A-1FB9-4CA1-B74E-B293187E51AA}"/>
                 </a:ext>
               </a:extLst>
             </p:cNvPr>
@@ -15319,7 +15318,7 @@
             <p:cNvPr id="21" name="Freeform: Shape 20">
               <a:extLst>
                 <a:ext uri="{FF2B5EF4-FFF2-40B4-BE49-F238E27FC236}">
-                  <a16:creationId xmlns:a16="http://schemas.microsoft.com/office/drawing/2014/main" xmlns="" id="{DF2B18BA-6B43-40FA-A23B-D894D6AB468B}"/>
+                  <a16:creationId xmlns="" xmlns:a16="http://schemas.microsoft.com/office/drawing/2014/main" id="{DF2B18BA-6B43-40FA-A23B-D894D6AB468B}"/>
                 </a:ext>
               </a:extLst>
             </p:cNvPr>
@@ -15418,7 +15417,7 @@
           <p:cNvPr id="3" name="Text Placeholder 2">
             <a:extLst>
               <a:ext uri="{FF2B5EF4-FFF2-40B4-BE49-F238E27FC236}">
-                <a16:creationId xmlns:a16="http://schemas.microsoft.com/office/drawing/2014/main" xmlns="" id="{5E194264-A3F5-42E2-9A63-DCCED0457E1B}"/>
+                <a16:creationId xmlns="" xmlns:a16="http://schemas.microsoft.com/office/drawing/2014/main" id="{5E194264-A3F5-42E2-9A63-DCCED0457E1B}"/>
               </a:ext>
             </a:extLst>
           </p:cNvPr>
@@ -15468,7 +15467,7 @@
           <p:cNvPr id="22" name="Slide Number Placeholder 4">
             <a:extLst>
               <a:ext uri="{FF2B5EF4-FFF2-40B4-BE49-F238E27FC236}">
-                <a16:creationId xmlns:a16="http://schemas.microsoft.com/office/drawing/2014/main" xmlns="" id="{0F332671-6296-47C8-BF26-B2D962F5D03D}"/>
+                <a16:creationId xmlns="" xmlns:a16="http://schemas.microsoft.com/office/drawing/2014/main" id="{0F332671-6296-47C8-BF26-B2D962F5D03D}"/>
               </a:ext>
             </a:extLst>
           </p:cNvPr>
@@ -15512,7 +15511,7 @@
           <p:cNvPr id="23" name="Title 1">
             <a:extLst>
               <a:ext uri="{FF2B5EF4-FFF2-40B4-BE49-F238E27FC236}">
-                <a16:creationId xmlns:a16="http://schemas.microsoft.com/office/drawing/2014/main" xmlns="" id="{7772A652-7229-2B42-B87B-298C31D6F0CB}"/>
+                <a16:creationId xmlns="" xmlns:a16="http://schemas.microsoft.com/office/drawing/2014/main" id="{7772A652-7229-2B42-B87B-298C31D6F0CB}"/>
               </a:ext>
             </a:extLst>
           </p:cNvPr>
@@ -15587,7 +15586,7 @@
           <p:cNvPr id="22" name="Rectangle 21">
             <a:extLst>
               <a:ext uri="{FF2B5EF4-FFF2-40B4-BE49-F238E27FC236}">
-                <a16:creationId xmlns:a16="http://schemas.microsoft.com/office/drawing/2014/main" xmlns="" id="{2CDBB6E5-B91E-4946-9390-E8693855103A}"/>
+                <a16:creationId xmlns="" xmlns:a16="http://schemas.microsoft.com/office/drawing/2014/main" id="{2CDBB6E5-B91E-4946-9390-E8693855103A}"/>
               </a:ext>
             </a:extLst>
           </p:cNvPr>
@@ -15641,7 +15640,7 @@
           <p:cNvPr id="34" name="Freeform: Shape 33">
             <a:extLst>
               <a:ext uri="{FF2B5EF4-FFF2-40B4-BE49-F238E27FC236}">
-                <a16:creationId xmlns:a16="http://schemas.microsoft.com/office/drawing/2014/main" xmlns="" id="{0C3CC1C9-1FA0-4FE4-8984-4A8B3728D674}"/>
+                <a16:creationId xmlns="" xmlns:a16="http://schemas.microsoft.com/office/drawing/2014/main" id="{0C3CC1C9-1FA0-4FE4-8984-4A8B3728D674}"/>
               </a:ext>
             </a:extLst>
           </p:cNvPr>
@@ -15786,7 +15785,7 @@
           <p:cNvPr id="24" name="Freeform: Shape 23">
             <a:extLst>
               <a:ext uri="{FF2B5EF4-FFF2-40B4-BE49-F238E27FC236}">
-                <a16:creationId xmlns:a16="http://schemas.microsoft.com/office/drawing/2014/main" xmlns="" id="{8E049265-431E-48DE-B7F7-4959930171DC}"/>
+                <a16:creationId xmlns="" xmlns:a16="http://schemas.microsoft.com/office/drawing/2014/main" id="{8E049265-431E-48DE-B7F7-4959930171DC}"/>
               </a:ext>
             </a:extLst>
           </p:cNvPr>
@@ -15926,7 +15925,7 @@
           <p:cNvPr id="25" name="Freeform: Shape 24">
             <a:extLst>
               <a:ext uri="{FF2B5EF4-FFF2-40B4-BE49-F238E27FC236}">
-                <a16:creationId xmlns:a16="http://schemas.microsoft.com/office/drawing/2014/main" xmlns="" id="{173E5F2D-1F8E-4DCC-857F-932C6C6539BB}"/>
+                <a16:creationId xmlns="" xmlns:a16="http://schemas.microsoft.com/office/drawing/2014/main" id="{173E5F2D-1F8E-4DCC-857F-932C6C6539BB}"/>
               </a:ext>
             </a:extLst>
           </p:cNvPr>
@@ -16072,7 +16071,7 @@
           <p:cNvPr id="26" name="Group 25">
             <a:extLst>
               <a:ext uri="{FF2B5EF4-FFF2-40B4-BE49-F238E27FC236}">
-                <a16:creationId xmlns:a16="http://schemas.microsoft.com/office/drawing/2014/main" xmlns="" id="{E9318B2B-E019-4078-9EF0-C9D6281AE31B}"/>
+                <a16:creationId xmlns="" xmlns:a16="http://schemas.microsoft.com/office/drawing/2014/main" id="{E9318B2B-E019-4078-9EF0-C9D6281AE31B}"/>
               </a:ext>
             </a:extLst>
           </p:cNvPr>
@@ -16092,7 +16091,7 @@
             <p:cNvPr id="27" name="Freeform: Shape 26">
               <a:extLst>
                 <a:ext uri="{FF2B5EF4-FFF2-40B4-BE49-F238E27FC236}">
-                  <a16:creationId xmlns:a16="http://schemas.microsoft.com/office/drawing/2014/main" xmlns="" id="{D3E625C0-9656-421F-861F-67C8F93362ED}"/>
+                  <a16:creationId xmlns="" xmlns:a16="http://schemas.microsoft.com/office/drawing/2014/main" id="{D3E625C0-9656-421F-861F-67C8F93362ED}"/>
                 </a:ext>
               </a:extLst>
             </p:cNvPr>
@@ -16192,7 +16191,7 @@
             <p:cNvPr id="28" name="Freeform: Shape 27">
               <a:extLst>
                 <a:ext uri="{FF2B5EF4-FFF2-40B4-BE49-F238E27FC236}">
-                  <a16:creationId xmlns:a16="http://schemas.microsoft.com/office/drawing/2014/main" xmlns="" id="{49F8E490-C6E3-4D00-866F-CD85DD88996E}"/>
+                  <a16:creationId xmlns="" xmlns:a16="http://schemas.microsoft.com/office/drawing/2014/main" id="{49F8E490-C6E3-4D00-866F-CD85DD88996E}"/>
                 </a:ext>
               </a:extLst>
             </p:cNvPr>
@@ -16301,7 +16300,7 @@
           <p:cNvPr id="29" name="Freeform: Shape 28">
             <a:extLst>
               <a:ext uri="{FF2B5EF4-FFF2-40B4-BE49-F238E27FC236}">
-                <a16:creationId xmlns:a16="http://schemas.microsoft.com/office/drawing/2014/main" xmlns="" id="{EE8F5B31-1523-46AE-9455-C33DFC1BDDE0}"/>
+                <a16:creationId xmlns="" xmlns:a16="http://schemas.microsoft.com/office/drawing/2014/main" id="{EE8F5B31-1523-46AE-9455-C33DFC1BDDE0}"/>
               </a:ext>
             </a:extLst>
           </p:cNvPr>
@@ -16393,7 +16392,7 @@
           <p:cNvPr id="30" name="Freeform: Shape 29">
             <a:extLst>
               <a:ext uri="{FF2B5EF4-FFF2-40B4-BE49-F238E27FC236}">
-                <a16:creationId xmlns:a16="http://schemas.microsoft.com/office/drawing/2014/main" xmlns="" id="{5D17048F-C2E1-4775-BC32-50BD6219F89D}"/>
+                <a16:creationId xmlns="" xmlns:a16="http://schemas.microsoft.com/office/drawing/2014/main" id="{5D17048F-C2E1-4775-BC32-50BD6219F89D}"/>
               </a:ext>
             </a:extLst>
           </p:cNvPr>
@@ -16493,7 +16492,7 @@
           <p:cNvPr id="31" name="Group 30">
             <a:extLst>
               <a:ext uri="{FF2B5EF4-FFF2-40B4-BE49-F238E27FC236}">
-                <a16:creationId xmlns:a16="http://schemas.microsoft.com/office/drawing/2014/main" xmlns="" id="{EAB002AA-4848-49C8-A834-036F860C79A3}"/>
+                <a16:creationId xmlns="" xmlns:a16="http://schemas.microsoft.com/office/drawing/2014/main" id="{EAB002AA-4848-49C8-A834-036F860C79A3}"/>
               </a:ext>
             </a:extLst>
           </p:cNvPr>
@@ -16513,7 +16512,7 @@
             <p:cNvPr id="32" name="Freeform: Shape 31">
               <a:extLst>
                 <a:ext uri="{FF2B5EF4-FFF2-40B4-BE49-F238E27FC236}">
-                  <a16:creationId xmlns:a16="http://schemas.microsoft.com/office/drawing/2014/main" xmlns="" id="{14B187A8-7F8D-469D-A03B-4F835A5746DE}"/>
+                  <a16:creationId xmlns="" xmlns:a16="http://schemas.microsoft.com/office/drawing/2014/main" id="{14B187A8-7F8D-469D-A03B-4F835A5746DE}"/>
                 </a:ext>
               </a:extLst>
             </p:cNvPr>
@@ -16603,7 +16602,7 @@
             <p:cNvPr id="33" name="Freeform: Shape 32">
               <a:extLst>
                 <a:ext uri="{FF2B5EF4-FFF2-40B4-BE49-F238E27FC236}">
-                  <a16:creationId xmlns:a16="http://schemas.microsoft.com/office/drawing/2014/main" xmlns="" id="{03D871D1-A11A-48FB-82A8-8D61AB5CB85C}"/>
+                  <a16:creationId xmlns="" xmlns:a16="http://schemas.microsoft.com/office/drawing/2014/main" id="{03D871D1-A11A-48FB-82A8-8D61AB5CB85C}"/>
                 </a:ext>
               </a:extLst>
             </p:cNvPr>
@@ -16702,7 +16701,7 @@
           <p:cNvPr id="2" name="Title 1">
             <a:extLst>
               <a:ext uri="{FF2B5EF4-FFF2-40B4-BE49-F238E27FC236}">
-                <a16:creationId xmlns:a16="http://schemas.microsoft.com/office/drawing/2014/main" xmlns="" id="{42374B20-3E42-44AF-BEF1-8AB33067395C}"/>
+                <a16:creationId xmlns="" xmlns:a16="http://schemas.microsoft.com/office/drawing/2014/main" id="{42374B20-3E42-44AF-BEF1-8AB33067395C}"/>
               </a:ext>
             </a:extLst>
           </p:cNvPr>
@@ -16747,7 +16746,7 @@
           <p:cNvPr id="3" name="Text Placeholder 2">
             <a:extLst>
               <a:ext uri="{FF2B5EF4-FFF2-40B4-BE49-F238E27FC236}">
-                <a16:creationId xmlns:a16="http://schemas.microsoft.com/office/drawing/2014/main" xmlns="" id="{5E194264-A3F5-42E2-9A63-DCCED0457E1B}"/>
+                <a16:creationId xmlns="" xmlns:a16="http://schemas.microsoft.com/office/drawing/2014/main" id="{5E194264-A3F5-42E2-9A63-DCCED0457E1B}"/>
               </a:ext>
             </a:extLst>
           </p:cNvPr>
@@ -16797,7 +16796,7 @@
           <p:cNvPr id="35" name="Slide Number Placeholder 4">
             <a:extLst>
               <a:ext uri="{FF2B5EF4-FFF2-40B4-BE49-F238E27FC236}">
-                <a16:creationId xmlns:a16="http://schemas.microsoft.com/office/drawing/2014/main" xmlns="" id="{6F73F836-940E-4B65-A29C-D0869263C935}"/>
+                <a16:creationId xmlns="" xmlns:a16="http://schemas.microsoft.com/office/drawing/2014/main" id="{6F73F836-940E-4B65-A29C-D0869263C935}"/>
               </a:ext>
             </a:extLst>
           </p:cNvPr>
@@ -16871,7 +16870,7 @@
           <p:cNvPr id="22" name="Rectangle 21">
             <a:extLst>
               <a:ext uri="{FF2B5EF4-FFF2-40B4-BE49-F238E27FC236}">
-                <a16:creationId xmlns:a16="http://schemas.microsoft.com/office/drawing/2014/main" xmlns="" id="{2CDBB6E5-B91E-4946-9390-E8693855103A}"/>
+                <a16:creationId xmlns="" xmlns:a16="http://schemas.microsoft.com/office/drawing/2014/main" id="{2CDBB6E5-B91E-4946-9390-E8693855103A}"/>
               </a:ext>
             </a:extLst>
           </p:cNvPr>
@@ -16925,7 +16924,7 @@
           <p:cNvPr id="34" name="Freeform: Shape 33">
             <a:extLst>
               <a:ext uri="{FF2B5EF4-FFF2-40B4-BE49-F238E27FC236}">
-                <a16:creationId xmlns:a16="http://schemas.microsoft.com/office/drawing/2014/main" xmlns="" id="{0C3CC1C9-1FA0-4FE4-8984-4A8B3728D674}"/>
+                <a16:creationId xmlns="" xmlns:a16="http://schemas.microsoft.com/office/drawing/2014/main" id="{0C3CC1C9-1FA0-4FE4-8984-4A8B3728D674}"/>
               </a:ext>
             </a:extLst>
           </p:cNvPr>
@@ -17070,7 +17069,7 @@
           <p:cNvPr id="24" name="Freeform: Shape 23">
             <a:extLst>
               <a:ext uri="{FF2B5EF4-FFF2-40B4-BE49-F238E27FC236}">
-                <a16:creationId xmlns:a16="http://schemas.microsoft.com/office/drawing/2014/main" xmlns="" id="{8E049265-431E-48DE-B7F7-4959930171DC}"/>
+                <a16:creationId xmlns="" xmlns:a16="http://schemas.microsoft.com/office/drawing/2014/main" id="{8E049265-431E-48DE-B7F7-4959930171DC}"/>
               </a:ext>
             </a:extLst>
           </p:cNvPr>
@@ -17210,7 +17209,7 @@
           <p:cNvPr id="25" name="Freeform: Shape 24">
             <a:extLst>
               <a:ext uri="{FF2B5EF4-FFF2-40B4-BE49-F238E27FC236}">
-                <a16:creationId xmlns:a16="http://schemas.microsoft.com/office/drawing/2014/main" xmlns="" id="{173E5F2D-1F8E-4DCC-857F-932C6C6539BB}"/>
+                <a16:creationId xmlns="" xmlns:a16="http://schemas.microsoft.com/office/drawing/2014/main" id="{173E5F2D-1F8E-4DCC-857F-932C6C6539BB}"/>
               </a:ext>
             </a:extLst>
           </p:cNvPr>
@@ -17356,7 +17355,7 @@
           <p:cNvPr id="4" name="Oval 3">
             <a:extLst>
               <a:ext uri="{FF2B5EF4-FFF2-40B4-BE49-F238E27FC236}">
-                <a16:creationId xmlns:a16="http://schemas.microsoft.com/office/drawing/2014/main" xmlns="" id="{ECB4C115-EFF9-405C-98BE-F4077B9730D0}"/>
+                <a16:creationId xmlns="" xmlns:a16="http://schemas.microsoft.com/office/drawing/2014/main" id="{ECB4C115-EFF9-405C-98BE-F4077B9730D0}"/>
               </a:ext>
             </a:extLst>
           </p:cNvPr>
@@ -17414,7 +17413,7 @@
           <p:cNvPr id="18" name="Title 1">
             <a:extLst>
               <a:ext uri="{FF2B5EF4-FFF2-40B4-BE49-F238E27FC236}">
-                <a16:creationId xmlns:a16="http://schemas.microsoft.com/office/drawing/2014/main" xmlns="" id="{C9A300DD-BB54-44ED-A7E4-01CD41EC930F}"/>
+                <a16:creationId xmlns="" xmlns:a16="http://schemas.microsoft.com/office/drawing/2014/main" id="{C9A300DD-BB54-44ED-A7E4-01CD41EC930F}"/>
               </a:ext>
             </a:extLst>
           </p:cNvPr>
@@ -17477,7 +17476,7 @@
           <p:cNvPr id="2" name="Title 1">
             <a:extLst>
               <a:ext uri="{FF2B5EF4-FFF2-40B4-BE49-F238E27FC236}">
-                <a16:creationId xmlns:a16="http://schemas.microsoft.com/office/drawing/2014/main" xmlns="" id="{42374B20-3E42-44AF-BEF1-8AB33067395C}"/>
+                <a16:creationId xmlns="" xmlns:a16="http://schemas.microsoft.com/office/drawing/2014/main" id="{42374B20-3E42-44AF-BEF1-8AB33067395C}"/>
               </a:ext>
             </a:extLst>
           </p:cNvPr>
@@ -17525,7 +17524,7 @@
           <p:cNvPr id="19" name="Slide Number Placeholder 4">
             <a:extLst>
               <a:ext uri="{FF2B5EF4-FFF2-40B4-BE49-F238E27FC236}">
-                <a16:creationId xmlns:a16="http://schemas.microsoft.com/office/drawing/2014/main" xmlns="" id="{A4E6C1FF-5925-42B3-B7F9-0A0031BDAD30}"/>
+                <a16:creationId xmlns="" xmlns:a16="http://schemas.microsoft.com/office/drawing/2014/main" id="{A4E6C1FF-5925-42B3-B7F9-0A0031BDAD30}"/>
               </a:ext>
             </a:extLst>
           </p:cNvPr>
@@ -17607,7 +17606,7 @@
           <p:cNvPr id="11" name="Rectangle 10">
             <a:extLst>
               <a:ext uri="{FF2B5EF4-FFF2-40B4-BE49-F238E27FC236}">
-                <a16:creationId xmlns:a16="http://schemas.microsoft.com/office/drawing/2014/main" xmlns="" id="{EB3E033F-4449-40FA-BC85-BD2712D313DD}"/>
+                <a16:creationId xmlns="" xmlns:a16="http://schemas.microsoft.com/office/drawing/2014/main" id="{EB3E033F-4449-40FA-BC85-BD2712D313DD}"/>
               </a:ext>
             </a:extLst>
           </p:cNvPr>
@@ -17661,7 +17660,7 @@
           <p:cNvPr id="10" name="Freeform: Shape 9">
             <a:extLst>
               <a:ext uri="{FF2B5EF4-FFF2-40B4-BE49-F238E27FC236}">
-                <a16:creationId xmlns:a16="http://schemas.microsoft.com/office/drawing/2014/main" xmlns="" id="{63D26743-0505-444C-80B3-E88EE87DF72B}"/>
+                <a16:creationId xmlns="" xmlns:a16="http://schemas.microsoft.com/office/drawing/2014/main" id="{63D26743-0505-444C-80B3-E88EE87DF72B}"/>
               </a:ext>
             </a:extLst>
           </p:cNvPr>
@@ -17784,7 +17783,7 @@
           <p:cNvPr id="8" name="Freeform: Shape 7">
             <a:extLst>
               <a:ext uri="{FF2B5EF4-FFF2-40B4-BE49-F238E27FC236}">
-                <a16:creationId xmlns:a16="http://schemas.microsoft.com/office/drawing/2014/main" xmlns="" id="{1599AF7E-3E34-4597-AA72-9373A7FDB020}"/>
+                <a16:creationId xmlns="" xmlns:a16="http://schemas.microsoft.com/office/drawing/2014/main" id="{1599AF7E-3E34-4597-AA72-9373A7FDB020}"/>
               </a:ext>
             </a:extLst>
           </p:cNvPr>
@@ -17930,7 +17929,7 @@
           <p:cNvPr id="2" name="Title 1">
             <a:extLst>
               <a:ext uri="{FF2B5EF4-FFF2-40B4-BE49-F238E27FC236}">
-                <a16:creationId xmlns:a16="http://schemas.microsoft.com/office/drawing/2014/main" xmlns="" id="{4A2DF563-7FAC-46B3-B24C-7E45CD89DA2B}"/>
+                <a16:creationId xmlns="" xmlns:a16="http://schemas.microsoft.com/office/drawing/2014/main" id="{4A2DF563-7FAC-46B3-B24C-7E45CD89DA2B}"/>
               </a:ext>
             </a:extLst>
           </p:cNvPr>
@@ -17975,7 +17974,7 @@
           <p:cNvPr id="5" name="Slide Number Placeholder 4">
             <a:extLst>
               <a:ext uri="{FF2B5EF4-FFF2-40B4-BE49-F238E27FC236}">
-                <a16:creationId xmlns:a16="http://schemas.microsoft.com/office/drawing/2014/main" xmlns="" id="{87B51822-97FF-47A7-8E4E-A0F79B4EB237}"/>
+                <a16:creationId xmlns="" xmlns:a16="http://schemas.microsoft.com/office/drawing/2014/main" id="{87B51822-97FF-47A7-8E4E-A0F79B4EB237}"/>
               </a:ext>
             </a:extLst>
           </p:cNvPr>
@@ -18019,7 +18018,7 @@
           <p:cNvPr id="15" name="Group 14">
             <a:extLst>
               <a:ext uri="{FF2B5EF4-FFF2-40B4-BE49-F238E27FC236}">
-                <a16:creationId xmlns:a16="http://schemas.microsoft.com/office/drawing/2014/main" xmlns="" id="{7732E1E7-45E3-4264-8F26-66758696DD1E}"/>
+                <a16:creationId xmlns="" xmlns:a16="http://schemas.microsoft.com/office/drawing/2014/main" id="{7732E1E7-45E3-4264-8F26-66758696DD1E}"/>
               </a:ext>
             </a:extLst>
           </p:cNvPr>
@@ -18039,7 +18038,7 @@
             <p:cNvPr id="16" name="Freeform: Shape 15">
               <a:extLst>
                 <a:ext uri="{FF2B5EF4-FFF2-40B4-BE49-F238E27FC236}">
-                  <a16:creationId xmlns:a16="http://schemas.microsoft.com/office/drawing/2014/main" xmlns="" id="{2E3DF883-8093-49FA-81E1-E5D77F086A25}"/>
+                  <a16:creationId xmlns="" xmlns:a16="http://schemas.microsoft.com/office/drawing/2014/main" id="{2E3DF883-8093-49FA-81E1-E5D77F086A25}"/>
                 </a:ext>
               </a:extLst>
             </p:cNvPr>
@@ -18129,7 +18128,7 @@
             <p:cNvPr id="17" name="Freeform: Shape 16">
               <a:extLst>
                 <a:ext uri="{FF2B5EF4-FFF2-40B4-BE49-F238E27FC236}">
-                  <a16:creationId xmlns:a16="http://schemas.microsoft.com/office/drawing/2014/main" xmlns="" id="{18944C90-37E5-4BBE-89FF-060627168050}"/>
+                  <a16:creationId xmlns="" xmlns:a16="http://schemas.microsoft.com/office/drawing/2014/main" id="{18944C90-37E5-4BBE-89FF-060627168050}"/>
                 </a:ext>
               </a:extLst>
             </p:cNvPr>
@@ -18228,7 +18227,7 @@
           <p:cNvPr id="23" name="Text Placeholder 22">
             <a:extLst>
               <a:ext uri="{FF2B5EF4-FFF2-40B4-BE49-F238E27FC236}">
-                <a16:creationId xmlns:a16="http://schemas.microsoft.com/office/drawing/2014/main" xmlns="" id="{03618670-D1E4-466C-BDB5-FC890AC31457}"/>
+                <a16:creationId xmlns="" xmlns:a16="http://schemas.microsoft.com/office/drawing/2014/main" id="{03618670-D1E4-466C-BDB5-FC890AC31457}"/>
               </a:ext>
             </a:extLst>
           </p:cNvPr>
@@ -18389,7 +18388,7 @@
           <p:cNvPr id="11" name="Rectangle 10">
             <a:extLst>
               <a:ext uri="{FF2B5EF4-FFF2-40B4-BE49-F238E27FC236}">
-                <a16:creationId xmlns:a16="http://schemas.microsoft.com/office/drawing/2014/main" xmlns="" id="{EB3E033F-4449-40FA-BC85-BD2712D313DD}"/>
+                <a16:creationId xmlns="" xmlns:a16="http://schemas.microsoft.com/office/drawing/2014/main" id="{EB3E033F-4449-40FA-BC85-BD2712D313DD}"/>
               </a:ext>
             </a:extLst>
           </p:cNvPr>
@@ -18443,7 +18442,7 @@
           <p:cNvPr id="10" name="Freeform: Shape 9">
             <a:extLst>
               <a:ext uri="{FF2B5EF4-FFF2-40B4-BE49-F238E27FC236}">
-                <a16:creationId xmlns:a16="http://schemas.microsoft.com/office/drawing/2014/main" xmlns="" id="{63D26743-0505-444C-80B3-E88EE87DF72B}"/>
+                <a16:creationId xmlns="" xmlns:a16="http://schemas.microsoft.com/office/drawing/2014/main" id="{63D26743-0505-444C-80B3-E88EE87DF72B}"/>
               </a:ext>
             </a:extLst>
           </p:cNvPr>
@@ -18566,7 +18565,7 @@
           <p:cNvPr id="18" name="Freeform: Shape 17">
             <a:extLst>
               <a:ext uri="{FF2B5EF4-FFF2-40B4-BE49-F238E27FC236}">
-                <a16:creationId xmlns:a16="http://schemas.microsoft.com/office/drawing/2014/main" xmlns="" id="{E37145E9-AC61-47D5-9288-8789940F81B6}"/>
+                <a16:creationId xmlns="" xmlns:a16="http://schemas.microsoft.com/office/drawing/2014/main" id="{E37145E9-AC61-47D5-9288-8789940F81B6}"/>
               </a:ext>
             </a:extLst>
           </p:cNvPr>
@@ -18718,7 +18717,7 @@
           <p:cNvPr id="12" name="Freeform: Shape 11">
             <a:extLst>
               <a:ext uri="{FF2B5EF4-FFF2-40B4-BE49-F238E27FC236}">
-                <a16:creationId xmlns:a16="http://schemas.microsoft.com/office/drawing/2014/main" xmlns="" id="{A5E2B3ED-9A49-40A7-B8A3-62595FE513F9}"/>
+                <a16:creationId xmlns="" xmlns:a16="http://schemas.microsoft.com/office/drawing/2014/main" id="{A5E2B3ED-9A49-40A7-B8A3-62595FE513F9}"/>
               </a:ext>
             </a:extLst>
           </p:cNvPr>
@@ -18868,7 +18867,7 @@
           <p:cNvPr id="8" name="Freeform: Shape 7">
             <a:extLst>
               <a:ext uri="{FF2B5EF4-FFF2-40B4-BE49-F238E27FC236}">
-                <a16:creationId xmlns:a16="http://schemas.microsoft.com/office/drawing/2014/main" xmlns="" id="{1599AF7E-3E34-4597-AA72-9373A7FDB020}"/>
+                <a16:creationId xmlns="" xmlns:a16="http://schemas.microsoft.com/office/drawing/2014/main" id="{1599AF7E-3E34-4597-AA72-9373A7FDB020}"/>
               </a:ext>
             </a:extLst>
           </p:cNvPr>
@@ -19014,7 +19013,7 @@
           <p:cNvPr id="2" name="Title 1">
             <a:extLst>
               <a:ext uri="{FF2B5EF4-FFF2-40B4-BE49-F238E27FC236}">
-                <a16:creationId xmlns:a16="http://schemas.microsoft.com/office/drawing/2014/main" xmlns="" id="{4A2DF563-7FAC-46B3-B24C-7E45CD89DA2B}"/>
+                <a16:creationId xmlns="" xmlns:a16="http://schemas.microsoft.com/office/drawing/2014/main" id="{4A2DF563-7FAC-46B3-B24C-7E45CD89DA2B}"/>
               </a:ext>
             </a:extLst>
           </p:cNvPr>
@@ -19059,7 +19058,7 @@
           <p:cNvPr id="15" name="Group 14">
             <a:extLst>
               <a:ext uri="{FF2B5EF4-FFF2-40B4-BE49-F238E27FC236}">
-                <a16:creationId xmlns:a16="http://schemas.microsoft.com/office/drawing/2014/main" xmlns="" id="{7732E1E7-45E3-4264-8F26-66758696DD1E}"/>
+                <a16:creationId xmlns="" xmlns:a16="http://schemas.microsoft.com/office/drawing/2014/main" id="{7732E1E7-45E3-4264-8F26-66758696DD1E}"/>
               </a:ext>
             </a:extLst>
           </p:cNvPr>
@@ -19079,7 +19078,7 @@
             <p:cNvPr id="16" name="Freeform: Shape 15">
               <a:extLst>
                 <a:ext uri="{FF2B5EF4-FFF2-40B4-BE49-F238E27FC236}">
-                  <a16:creationId xmlns:a16="http://schemas.microsoft.com/office/drawing/2014/main" xmlns="" id="{2E3DF883-8093-49FA-81E1-E5D77F086A25}"/>
+                  <a16:creationId xmlns="" xmlns:a16="http://schemas.microsoft.com/office/drawing/2014/main" id="{2E3DF883-8093-49FA-81E1-E5D77F086A25}"/>
                 </a:ext>
               </a:extLst>
             </p:cNvPr>
@@ -19169,7 +19168,7 @@
             <p:cNvPr id="17" name="Freeform: Shape 16">
               <a:extLst>
                 <a:ext uri="{FF2B5EF4-FFF2-40B4-BE49-F238E27FC236}">
-                  <a16:creationId xmlns:a16="http://schemas.microsoft.com/office/drawing/2014/main" xmlns="" id="{18944C90-37E5-4BBE-89FF-060627168050}"/>
+                  <a16:creationId xmlns="" xmlns:a16="http://schemas.microsoft.com/office/drawing/2014/main" id="{18944C90-37E5-4BBE-89FF-060627168050}"/>
                 </a:ext>
               </a:extLst>
             </p:cNvPr>
@@ -19268,7 +19267,7 @@
           <p:cNvPr id="6" name="Group 5">
             <a:extLst>
               <a:ext uri="{FF2B5EF4-FFF2-40B4-BE49-F238E27FC236}">
-                <a16:creationId xmlns:a16="http://schemas.microsoft.com/office/drawing/2014/main" xmlns="" id="{D9EBF8BB-A805-4DDB-B459-082F99815B95}"/>
+                <a16:creationId xmlns="" xmlns:a16="http://schemas.microsoft.com/office/drawing/2014/main" id="{D9EBF8BB-A805-4DDB-B459-082F99815B95}"/>
               </a:ext>
             </a:extLst>
           </p:cNvPr>
@@ -19288,7 +19287,7 @@
             <p:cNvPr id="19" name="Rectangle: Single Corner Snipped 18">
               <a:extLst>
                 <a:ext uri="{FF2B5EF4-FFF2-40B4-BE49-F238E27FC236}">
-                  <a16:creationId xmlns:a16="http://schemas.microsoft.com/office/drawing/2014/main" xmlns="" id="{5D638788-DD47-45E7-939A-FA108A818173}"/>
+                  <a16:creationId xmlns="" xmlns:a16="http://schemas.microsoft.com/office/drawing/2014/main" id="{5D638788-DD47-45E7-939A-FA108A818173}"/>
                 </a:ext>
               </a:extLst>
             </p:cNvPr>
@@ -19354,7 +19353,7 @@
             <p:cNvPr id="3" name="Rectangle: Single Corner Snipped 2">
               <a:extLst>
                 <a:ext uri="{FF2B5EF4-FFF2-40B4-BE49-F238E27FC236}">
-                  <a16:creationId xmlns:a16="http://schemas.microsoft.com/office/drawing/2014/main" xmlns="" id="{74BDECEF-EEFE-4332-B3B2-BDE4F82C10FC}"/>
+                  <a16:creationId xmlns="" xmlns:a16="http://schemas.microsoft.com/office/drawing/2014/main" id="{74BDECEF-EEFE-4332-B3B2-BDE4F82C10FC}"/>
                 </a:ext>
               </a:extLst>
             </p:cNvPr>
@@ -19411,7 +19410,7 @@
           <p:cNvPr id="24" name="Freeform: Shape 23">
             <a:extLst>
               <a:ext uri="{FF2B5EF4-FFF2-40B4-BE49-F238E27FC236}">
-                <a16:creationId xmlns:a16="http://schemas.microsoft.com/office/drawing/2014/main" xmlns="" id="{18103E00-7E4A-44CD-81AC-06433CAE1110}"/>
+                <a16:creationId xmlns="" xmlns:a16="http://schemas.microsoft.com/office/drawing/2014/main" id="{18103E00-7E4A-44CD-81AC-06433CAE1110}"/>
               </a:ext>
             </a:extLst>
           </p:cNvPr>
@@ -19506,7 +19505,7 @@
           <p:cNvPr id="5" name="Slide Number Placeholder 4">
             <a:extLst>
               <a:ext uri="{FF2B5EF4-FFF2-40B4-BE49-F238E27FC236}">
-                <a16:creationId xmlns:a16="http://schemas.microsoft.com/office/drawing/2014/main" xmlns="" id="{87B51822-97FF-47A7-8E4E-A0F79B4EB237}"/>
+                <a16:creationId xmlns="" xmlns:a16="http://schemas.microsoft.com/office/drawing/2014/main" id="{87B51822-97FF-47A7-8E4E-A0F79B4EB237}"/>
               </a:ext>
             </a:extLst>
           </p:cNvPr>
@@ -19588,7 +19587,7 @@
           <p:cNvPr id="11" name="Rectangle 10">
             <a:extLst>
               <a:ext uri="{FF2B5EF4-FFF2-40B4-BE49-F238E27FC236}">
-                <a16:creationId xmlns:a16="http://schemas.microsoft.com/office/drawing/2014/main" xmlns="" id="{EB3E033F-4449-40FA-BC85-BD2712D313DD}"/>
+                <a16:creationId xmlns="" xmlns:a16="http://schemas.microsoft.com/office/drawing/2014/main" id="{EB3E033F-4449-40FA-BC85-BD2712D313DD}"/>
               </a:ext>
             </a:extLst>
           </p:cNvPr>
@@ -19642,7 +19641,7 @@
           <p:cNvPr id="10" name="Freeform: Shape 9">
             <a:extLst>
               <a:ext uri="{FF2B5EF4-FFF2-40B4-BE49-F238E27FC236}">
-                <a16:creationId xmlns:a16="http://schemas.microsoft.com/office/drawing/2014/main" xmlns="" id="{63D26743-0505-444C-80B3-E88EE87DF72B}"/>
+                <a16:creationId xmlns="" xmlns:a16="http://schemas.microsoft.com/office/drawing/2014/main" id="{63D26743-0505-444C-80B3-E88EE87DF72B}"/>
               </a:ext>
             </a:extLst>
           </p:cNvPr>
@@ -19765,7 +19764,7 @@
           <p:cNvPr id="18" name="Freeform: Shape 17">
             <a:extLst>
               <a:ext uri="{FF2B5EF4-FFF2-40B4-BE49-F238E27FC236}">
-                <a16:creationId xmlns:a16="http://schemas.microsoft.com/office/drawing/2014/main" xmlns="" id="{E37145E9-AC61-47D5-9288-8789940F81B6}"/>
+                <a16:creationId xmlns="" xmlns:a16="http://schemas.microsoft.com/office/drawing/2014/main" id="{E37145E9-AC61-47D5-9288-8789940F81B6}"/>
               </a:ext>
             </a:extLst>
           </p:cNvPr>
@@ -19917,7 +19916,7 @@
           <p:cNvPr id="12" name="Freeform: Shape 11">
             <a:extLst>
               <a:ext uri="{FF2B5EF4-FFF2-40B4-BE49-F238E27FC236}">
-                <a16:creationId xmlns:a16="http://schemas.microsoft.com/office/drawing/2014/main" xmlns="" id="{A5E2B3ED-9A49-40A7-B8A3-62595FE513F9}"/>
+                <a16:creationId xmlns="" xmlns:a16="http://schemas.microsoft.com/office/drawing/2014/main" id="{A5E2B3ED-9A49-40A7-B8A3-62595FE513F9}"/>
               </a:ext>
             </a:extLst>
           </p:cNvPr>
@@ -20067,7 +20066,7 @@
           <p:cNvPr id="8" name="Freeform: Shape 7">
             <a:extLst>
               <a:ext uri="{FF2B5EF4-FFF2-40B4-BE49-F238E27FC236}">
-                <a16:creationId xmlns:a16="http://schemas.microsoft.com/office/drawing/2014/main" xmlns="" id="{1599AF7E-3E34-4597-AA72-9373A7FDB020}"/>
+                <a16:creationId xmlns="" xmlns:a16="http://schemas.microsoft.com/office/drawing/2014/main" id="{1599AF7E-3E34-4597-AA72-9373A7FDB020}"/>
               </a:ext>
             </a:extLst>
           </p:cNvPr>
@@ -20213,7 +20212,7 @@
           <p:cNvPr id="2" name="Title 1">
             <a:extLst>
               <a:ext uri="{FF2B5EF4-FFF2-40B4-BE49-F238E27FC236}">
-                <a16:creationId xmlns:a16="http://schemas.microsoft.com/office/drawing/2014/main" xmlns="" id="{4A2DF563-7FAC-46B3-B24C-7E45CD89DA2B}"/>
+                <a16:creationId xmlns="" xmlns:a16="http://schemas.microsoft.com/office/drawing/2014/main" id="{4A2DF563-7FAC-46B3-B24C-7E45CD89DA2B}"/>
               </a:ext>
             </a:extLst>
           </p:cNvPr>
@@ -20258,7 +20257,7 @@
           <p:cNvPr id="15" name="Group 14">
             <a:extLst>
               <a:ext uri="{FF2B5EF4-FFF2-40B4-BE49-F238E27FC236}">
-                <a16:creationId xmlns:a16="http://schemas.microsoft.com/office/drawing/2014/main" xmlns="" id="{7732E1E7-45E3-4264-8F26-66758696DD1E}"/>
+                <a16:creationId xmlns="" xmlns:a16="http://schemas.microsoft.com/office/drawing/2014/main" id="{7732E1E7-45E3-4264-8F26-66758696DD1E}"/>
               </a:ext>
             </a:extLst>
           </p:cNvPr>
@@ -20278,7 +20277,7 @@
             <p:cNvPr id="16" name="Freeform: Shape 15">
               <a:extLst>
                 <a:ext uri="{FF2B5EF4-FFF2-40B4-BE49-F238E27FC236}">
-                  <a16:creationId xmlns:a16="http://schemas.microsoft.com/office/drawing/2014/main" xmlns="" id="{2E3DF883-8093-49FA-81E1-E5D77F086A25}"/>
+                  <a16:creationId xmlns="" xmlns:a16="http://schemas.microsoft.com/office/drawing/2014/main" id="{2E3DF883-8093-49FA-81E1-E5D77F086A25}"/>
                 </a:ext>
               </a:extLst>
             </p:cNvPr>
@@ -20368,7 +20367,7 @@
             <p:cNvPr id="17" name="Freeform: Shape 16">
               <a:extLst>
                 <a:ext uri="{FF2B5EF4-FFF2-40B4-BE49-F238E27FC236}">
-                  <a16:creationId xmlns:a16="http://schemas.microsoft.com/office/drawing/2014/main" xmlns="" id="{18944C90-37E5-4BBE-89FF-060627168050}"/>
+                  <a16:creationId xmlns="" xmlns:a16="http://schemas.microsoft.com/office/drawing/2014/main" id="{18944C90-37E5-4BBE-89FF-060627168050}"/>
                 </a:ext>
               </a:extLst>
             </p:cNvPr>
@@ -20467,7 +20466,7 @@
           <p:cNvPr id="6" name="Group 5">
             <a:extLst>
               <a:ext uri="{FF2B5EF4-FFF2-40B4-BE49-F238E27FC236}">
-                <a16:creationId xmlns:a16="http://schemas.microsoft.com/office/drawing/2014/main" xmlns="" id="{D9EBF8BB-A805-4DDB-B459-082F99815B95}"/>
+                <a16:creationId xmlns="" xmlns:a16="http://schemas.microsoft.com/office/drawing/2014/main" id="{D9EBF8BB-A805-4DDB-B459-082F99815B95}"/>
               </a:ext>
             </a:extLst>
           </p:cNvPr>
@@ -20487,7 +20486,7 @@
             <p:cNvPr id="19" name="Rectangle: Single Corner Snipped 18">
               <a:extLst>
                 <a:ext uri="{FF2B5EF4-FFF2-40B4-BE49-F238E27FC236}">
-                  <a16:creationId xmlns:a16="http://schemas.microsoft.com/office/drawing/2014/main" xmlns="" id="{5D638788-DD47-45E7-939A-FA108A818173}"/>
+                  <a16:creationId xmlns="" xmlns:a16="http://schemas.microsoft.com/office/drawing/2014/main" id="{5D638788-DD47-45E7-939A-FA108A818173}"/>
                 </a:ext>
               </a:extLst>
             </p:cNvPr>
@@ -20553,7 +20552,7 @@
             <p:cNvPr id="3" name="Rectangle: Single Corner Snipped 2">
               <a:extLst>
                 <a:ext uri="{FF2B5EF4-FFF2-40B4-BE49-F238E27FC236}">
-                  <a16:creationId xmlns:a16="http://schemas.microsoft.com/office/drawing/2014/main" xmlns="" id="{74BDECEF-EEFE-4332-B3B2-BDE4F82C10FC}"/>
+                  <a16:creationId xmlns="" xmlns:a16="http://schemas.microsoft.com/office/drawing/2014/main" id="{74BDECEF-EEFE-4332-B3B2-BDE4F82C10FC}"/>
                 </a:ext>
               </a:extLst>
             </p:cNvPr>
@@ -20610,7 +20609,7 @@
           <p:cNvPr id="24" name="Freeform: Shape 23">
             <a:extLst>
               <a:ext uri="{FF2B5EF4-FFF2-40B4-BE49-F238E27FC236}">
-                <a16:creationId xmlns:a16="http://schemas.microsoft.com/office/drawing/2014/main" xmlns="" id="{18103E00-7E4A-44CD-81AC-06433CAE1110}"/>
+                <a16:creationId xmlns="" xmlns:a16="http://schemas.microsoft.com/office/drawing/2014/main" id="{18103E00-7E4A-44CD-81AC-06433CAE1110}"/>
               </a:ext>
             </a:extLst>
           </p:cNvPr>
@@ -20705,7 +20704,7 @@
           <p:cNvPr id="5" name="Slide Number Placeholder 4">
             <a:extLst>
               <a:ext uri="{FF2B5EF4-FFF2-40B4-BE49-F238E27FC236}">
-                <a16:creationId xmlns:a16="http://schemas.microsoft.com/office/drawing/2014/main" xmlns="" id="{87B51822-97FF-47A7-8E4E-A0F79B4EB237}"/>
+                <a16:creationId xmlns="" xmlns:a16="http://schemas.microsoft.com/office/drawing/2014/main" id="{87B51822-97FF-47A7-8E4E-A0F79B4EB237}"/>
               </a:ext>
             </a:extLst>
           </p:cNvPr>
@@ -20749,7 +20748,7 @@
           <p:cNvPr id="7" name="Text Placeholder 6">
             <a:extLst>
               <a:ext uri="{FF2B5EF4-FFF2-40B4-BE49-F238E27FC236}">
-                <a16:creationId xmlns:a16="http://schemas.microsoft.com/office/drawing/2014/main" xmlns="" id="{7E0C167E-2626-40DB-AACF-D02543E29BB3}"/>
+                <a16:creationId xmlns="" xmlns:a16="http://schemas.microsoft.com/office/drawing/2014/main" id="{7E0C167E-2626-40DB-AACF-D02543E29BB3}"/>
               </a:ext>
             </a:extLst>
           </p:cNvPr>
@@ -20832,7 +20831,7 @@
           <p:cNvPr id="11" name="Rectangle 10">
             <a:extLst>
               <a:ext uri="{FF2B5EF4-FFF2-40B4-BE49-F238E27FC236}">
-                <a16:creationId xmlns:a16="http://schemas.microsoft.com/office/drawing/2014/main" xmlns="" id="{EB3E033F-4449-40FA-BC85-BD2712D313DD}"/>
+                <a16:creationId xmlns="" xmlns:a16="http://schemas.microsoft.com/office/drawing/2014/main" id="{EB3E033F-4449-40FA-BC85-BD2712D313DD}"/>
               </a:ext>
             </a:extLst>
           </p:cNvPr>
@@ -20886,7 +20885,7 @@
           <p:cNvPr id="10" name="Freeform: Shape 9">
             <a:extLst>
               <a:ext uri="{FF2B5EF4-FFF2-40B4-BE49-F238E27FC236}">
-                <a16:creationId xmlns:a16="http://schemas.microsoft.com/office/drawing/2014/main" xmlns="" id="{63D26743-0505-444C-80B3-E88EE87DF72B}"/>
+                <a16:creationId xmlns="" xmlns:a16="http://schemas.microsoft.com/office/drawing/2014/main" id="{63D26743-0505-444C-80B3-E88EE87DF72B}"/>
               </a:ext>
             </a:extLst>
           </p:cNvPr>
@@ -21009,7 +21008,7 @@
           <p:cNvPr id="18" name="Freeform: Shape 17">
             <a:extLst>
               <a:ext uri="{FF2B5EF4-FFF2-40B4-BE49-F238E27FC236}">
-                <a16:creationId xmlns:a16="http://schemas.microsoft.com/office/drawing/2014/main" xmlns="" id="{E37145E9-AC61-47D5-9288-8789940F81B6}"/>
+                <a16:creationId xmlns="" xmlns:a16="http://schemas.microsoft.com/office/drawing/2014/main" id="{E37145E9-AC61-47D5-9288-8789940F81B6}"/>
               </a:ext>
             </a:extLst>
           </p:cNvPr>
@@ -21161,7 +21160,7 @@
           <p:cNvPr id="12" name="Freeform: Shape 11">
             <a:extLst>
               <a:ext uri="{FF2B5EF4-FFF2-40B4-BE49-F238E27FC236}">
-                <a16:creationId xmlns:a16="http://schemas.microsoft.com/office/drawing/2014/main" xmlns="" id="{A5E2B3ED-9A49-40A7-B8A3-62595FE513F9}"/>
+                <a16:creationId xmlns="" xmlns:a16="http://schemas.microsoft.com/office/drawing/2014/main" id="{A5E2B3ED-9A49-40A7-B8A3-62595FE513F9}"/>
               </a:ext>
             </a:extLst>
           </p:cNvPr>
@@ -21311,7 +21310,7 @@
           <p:cNvPr id="8" name="Freeform: Shape 7">
             <a:extLst>
               <a:ext uri="{FF2B5EF4-FFF2-40B4-BE49-F238E27FC236}">
-                <a16:creationId xmlns:a16="http://schemas.microsoft.com/office/drawing/2014/main" xmlns="" id="{1599AF7E-3E34-4597-AA72-9373A7FDB020}"/>
+                <a16:creationId xmlns="" xmlns:a16="http://schemas.microsoft.com/office/drawing/2014/main" id="{1599AF7E-3E34-4597-AA72-9373A7FDB020}"/>
               </a:ext>
             </a:extLst>
           </p:cNvPr>
@@ -21457,7 +21456,7 @@
           <p:cNvPr id="2" name="Title 1">
             <a:extLst>
               <a:ext uri="{FF2B5EF4-FFF2-40B4-BE49-F238E27FC236}">
-                <a16:creationId xmlns:a16="http://schemas.microsoft.com/office/drawing/2014/main" xmlns="" id="{4A2DF563-7FAC-46B3-B24C-7E45CD89DA2B}"/>
+                <a16:creationId xmlns="" xmlns:a16="http://schemas.microsoft.com/office/drawing/2014/main" id="{4A2DF563-7FAC-46B3-B24C-7E45CD89DA2B}"/>
               </a:ext>
             </a:extLst>
           </p:cNvPr>
@@ -21502,7 +21501,7 @@
           <p:cNvPr id="15" name="Group 14">
             <a:extLst>
               <a:ext uri="{FF2B5EF4-FFF2-40B4-BE49-F238E27FC236}">
-                <a16:creationId xmlns:a16="http://schemas.microsoft.com/office/drawing/2014/main" xmlns="" id="{7732E1E7-45E3-4264-8F26-66758696DD1E}"/>
+                <a16:creationId xmlns="" xmlns:a16="http://schemas.microsoft.com/office/drawing/2014/main" id="{7732E1E7-45E3-4264-8F26-66758696DD1E}"/>
               </a:ext>
             </a:extLst>
           </p:cNvPr>
@@ -21522,7 +21521,7 @@
             <p:cNvPr id="16" name="Freeform: Shape 15">
               <a:extLst>
                 <a:ext uri="{FF2B5EF4-FFF2-40B4-BE49-F238E27FC236}">
-                  <a16:creationId xmlns:a16="http://schemas.microsoft.com/office/drawing/2014/main" xmlns="" id="{2E3DF883-8093-49FA-81E1-E5D77F086A25}"/>
+                  <a16:creationId xmlns="" xmlns:a16="http://schemas.microsoft.com/office/drawing/2014/main" id="{2E3DF883-8093-49FA-81E1-E5D77F086A25}"/>
                 </a:ext>
               </a:extLst>
             </p:cNvPr>
@@ -21612,7 +21611,7 @@
             <p:cNvPr id="17" name="Freeform: Shape 16">
               <a:extLst>
                 <a:ext uri="{FF2B5EF4-FFF2-40B4-BE49-F238E27FC236}">
-                  <a16:creationId xmlns:a16="http://schemas.microsoft.com/office/drawing/2014/main" xmlns="" id="{18944C90-37E5-4BBE-89FF-060627168050}"/>
+                  <a16:creationId xmlns="" xmlns:a16="http://schemas.microsoft.com/office/drawing/2014/main" id="{18944C90-37E5-4BBE-89FF-060627168050}"/>
                 </a:ext>
               </a:extLst>
             </p:cNvPr>
@@ -21711,7 +21710,7 @@
           <p:cNvPr id="6" name="Group 5">
             <a:extLst>
               <a:ext uri="{FF2B5EF4-FFF2-40B4-BE49-F238E27FC236}">
-                <a16:creationId xmlns:a16="http://schemas.microsoft.com/office/drawing/2014/main" xmlns="" id="{D9EBF8BB-A805-4DDB-B459-082F99815B95}"/>
+                <a16:creationId xmlns="" xmlns:a16="http://schemas.microsoft.com/office/drawing/2014/main" id="{D9EBF8BB-A805-4DDB-B459-082F99815B95}"/>
               </a:ext>
             </a:extLst>
           </p:cNvPr>
@@ -21731,7 +21730,7 @@
             <p:cNvPr id="19" name="Rectangle: Single Corner Snipped 18">
               <a:extLst>
                 <a:ext uri="{FF2B5EF4-FFF2-40B4-BE49-F238E27FC236}">
-                  <a16:creationId xmlns:a16="http://schemas.microsoft.com/office/drawing/2014/main" xmlns="" id="{5D638788-DD47-45E7-939A-FA108A818173}"/>
+                  <a16:creationId xmlns="" xmlns:a16="http://schemas.microsoft.com/office/drawing/2014/main" id="{5D638788-DD47-45E7-939A-FA108A818173}"/>
                 </a:ext>
               </a:extLst>
             </p:cNvPr>
@@ -21797,7 +21796,7 @@
             <p:cNvPr id="3" name="Rectangle: Single Corner Snipped 2">
               <a:extLst>
                 <a:ext uri="{FF2B5EF4-FFF2-40B4-BE49-F238E27FC236}">
-                  <a16:creationId xmlns:a16="http://schemas.microsoft.com/office/drawing/2014/main" xmlns="" id="{74BDECEF-EEFE-4332-B3B2-BDE4F82C10FC}"/>
+                  <a16:creationId xmlns="" xmlns:a16="http://schemas.microsoft.com/office/drawing/2014/main" id="{74BDECEF-EEFE-4332-B3B2-BDE4F82C10FC}"/>
                 </a:ext>
               </a:extLst>
             </p:cNvPr>
@@ -21854,7 +21853,7 @@
           <p:cNvPr id="24" name="Freeform: Shape 23">
             <a:extLst>
               <a:ext uri="{FF2B5EF4-FFF2-40B4-BE49-F238E27FC236}">
-                <a16:creationId xmlns:a16="http://schemas.microsoft.com/office/drawing/2014/main" xmlns="" id="{18103E00-7E4A-44CD-81AC-06433CAE1110}"/>
+                <a16:creationId xmlns="" xmlns:a16="http://schemas.microsoft.com/office/drawing/2014/main" id="{18103E00-7E4A-44CD-81AC-06433CAE1110}"/>
               </a:ext>
             </a:extLst>
           </p:cNvPr>
@@ -21949,7 +21948,7 @@
           <p:cNvPr id="5" name="Slide Number Placeholder 4">
             <a:extLst>
               <a:ext uri="{FF2B5EF4-FFF2-40B4-BE49-F238E27FC236}">
-                <a16:creationId xmlns:a16="http://schemas.microsoft.com/office/drawing/2014/main" xmlns="" id="{87B51822-97FF-47A7-8E4E-A0F79B4EB237}"/>
+                <a16:creationId xmlns="" xmlns:a16="http://schemas.microsoft.com/office/drawing/2014/main" id="{87B51822-97FF-47A7-8E4E-A0F79B4EB237}"/>
               </a:ext>
             </a:extLst>
           </p:cNvPr>
@@ -21993,7 +21992,7 @@
           <p:cNvPr id="20" name="Content Placeholder 2">
             <a:extLst>
               <a:ext uri="{FF2B5EF4-FFF2-40B4-BE49-F238E27FC236}">
-                <a16:creationId xmlns:a16="http://schemas.microsoft.com/office/drawing/2014/main" xmlns="" id="{0103A49C-32FF-49E6-86F3-FC2E19517BD5}"/>
+                <a16:creationId xmlns="" xmlns:a16="http://schemas.microsoft.com/office/drawing/2014/main" id="{0103A49C-32FF-49E6-86F3-FC2E19517BD5}"/>
               </a:ext>
             </a:extLst>
           </p:cNvPr>
@@ -22129,7 +22128,7 @@
           <p:cNvPr id="11" name="Rectangle 10">
             <a:extLst>
               <a:ext uri="{FF2B5EF4-FFF2-40B4-BE49-F238E27FC236}">
-                <a16:creationId xmlns:a16="http://schemas.microsoft.com/office/drawing/2014/main" xmlns="" id="{EB3E033F-4449-40FA-BC85-BD2712D313DD}"/>
+                <a16:creationId xmlns="" xmlns:a16="http://schemas.microsoft.com/office/drawing/2014/main" id="{EB3E033F-4449-40FA-BC85-BD2712D313DD}"/>
               </a:ext>
             </a:extLst>
           </p:cNvPr>
@@ -22183,7 +22182,7 @@
           <p:cNvPr id="10" name="Freeform: Shape 9">
             <a:extLst>
               <a:ext uri="{FF2B5EF4-FFF2-40B4-BE49-F238E27FC236}">
-                <a16:creationId xmlns:a16="http://schemas.microsoft.com/office/drawing/2014/main" xmlns="" id="{63D26743-0505-444C-80B3-E88EE87DF72B}"/>
+                <a16:creationId xmlns="" xmlns:a16="http://schemas.microsoft.com/office/drawing/2014/main" id="{63D26743-0505-444C-80B3-E88EE87DF72B}"/>
               </a:ext>
             </a:extLst>
           </p:cNvPr>
@@ -22306,7 +22305,7 @@
           <p:cNvPr id="18" name="Freeform: Shape 17">
             <a:extLst>
               <a:ext uri="{FF2B5EF4-FFF2-40B4-BE49-F238E27FC236}">
-                <a16:creationId xmlns:a16="http://schemas.microsoft.com/office/drawing/2014/main" xmlns="" id="{E37145E9-AC61-47D5-9288-8789940F81B6}"/>
+                <a16:creationId xmlns="" xmlns:a16="http://schemas.microsoft.com/office/drawing/2014/main" id="{E37145E9-AC61-47D5-9288-8789940F81B6}"/>
               </a:ext>
             </a:extLst>
           </p:cNvPr>
@@ -22458,7 +22457,7 @@
           <p:cNvPr id="12" name="Freeform: Shape 11">
             <a:extLst>
               <a:ext uri="{FF2B5EF4-FFF2-40B4-BE49-F238E27FC236}">
-                <a16:creationId xmlns:a16="http://schemas.microsoft.com/office/drawing/2014/main" xmlns="" id="{A5E2B3ED-9A49-40A7-B8A3-62595FE513F9}"/>
+                <a16:creationId xmlns="" xmlns:a16="http://schemas.microsoft.com/office/drawing/2014/main" id="{A5E2B3ED-9A49-40A7-B8A3-62595FE513F9}"/>
               </a:ext>
             </a:extLst>
           </p:cNvPr>
@@ -22608,7 +22607,7 @@
           <p:cNvPr id="8" name="Freeform: Shape 7">
             <a:extLst>
               <a:ext uri="{FF2B5EF4-FFF2-40B4-BE49-F238E27FC236}">
-                <a16:creationId xmlns:a16="http://schemas.microsoft.com/office/drawing/2014/main" xmlns="" id="{1599AF7E-3E34-4597-AA72-9373A7FDB020}"/>
+                <a16:creationId xmlns="" xmlns:a16="http://schemas.microsoft.com/office/drawing/2014/main" id="{1599AF7E-3E34-4597-AA72-9373A7FDB020}"/>
               </a:ext>
             </a:extLst>
           </p:cNvPr>
@@ -22754,7 +22753,7 @@
           <p:cNvPr id="2" name="Title 1">
             <a:extLst>
               <a:ext uri="{FF2B5EF4-FFF2-40B4-BE49-F238E27FC236}">
-                <a16:creationId xmlns:a16="http://schemas.microsoft.com/office/drawing/2014/main" xmlns="" id="{4A2DF563-7FAC-46B3-B24C-7E45CD89DA2B}"/>
+                <a16:creationId xmlns="" xmlns:a16="http://schemas.microsoft.com/office/drawing/2014/main" id="{4A2DF563-7FAC-46B3-B24C-7E45CD89DA2B}"/>
               </a:ext>
             </a:extLst>
           </p:cNvPr>
@@ -22799,7 +22798,7 @@
           <p:cNvPr id="15" name="Group 14">
             <a:extLst>
               <a:ext uri="{FF2B5EF4-FFF2-40B4-BE49-F238E27FC236}">
-                <a16:creationId xmlns:a16="http://schemas.microsoft.com/office/drawing/2014/main" xmlns="" id="{7732E1E7-45E3-4264-8F26-66758696DD1E}"/>
+                <a16:creationId xmlns="" xmlns:a16="http://schemas.microsoft.com/office/drawing/2014/main" id="{7732E1E7-45E3-4264-8F26-66758696DD1E}"/>
               </a:ext>
             </a:extLst>
           </p:cNvPr>
@@ -22819,7 +22818,7 @@
             <p:cNvPr id="16" name="Freeform: Shape 15">
               <a:extLst>
                 <a:ext uri="{FF2B5EF4-FFF2-40B4-BE49-F238E27FC236}">
-                  <a16:creationId xmlns:a16="http://schemas.microsoft.com/office/drawing/2014/main" xmlns="" id="{2E3DF883-8093-49FA-81E1-E5D77F086A25}"/>
+                  <a16:creationId xmlns="" xmlns:a16="http://schemas.microsoft.com/office/drawing/2014/main" id="{2E3DF883-8093-49FA-81E1-E5D77F086A25}"/>
                 </a:ext>
               </a:extLst>
             </p:cNvPr>
@@ -22909,7 +22908,7 @@
             <p:cNvPr id="17" name="Freeform: Shape 16">
               <a:extLst>
                 <a:ext uri="{FF2B5EF4-FFF2-40B4-BE49-F238E27FC236}">
-                  <a16:creationId xmlns:a16="http://schemas.microsoft.com/office/drawing/2014/main" xmlns="" id="{18944C90-37E5-4BBE-89FF-060627168050}"/>
+                  <a16:creationId xmlns="" xmlns:a16="http://schemas.microsoft.com/office/drawing/2014/main" id="{18944C90-37E5-4BBE-89FF-060627168050}"/>
                 </a:ext>
               </a:extLst>
             </p:cNvPr>
@@ -23008,7 +23007,7 @@
           <p:cNvPr id="6" name="Group 5">
             <a:extLst>
               <a:ext uri="{FF2B5EF4-FFF2-40B4-BE49-F238E27FC236}">
-                <a16:creationId xmlns:a16="http://schemas.microsoft.com/office/drawing/2014/main" xmlns="" id="{D9EBF8BB-A805-4DDB-B459-082F99815B95}"/>
+                <a16:creationId xmlns="" xmlns:a16="http://schemas.microsoft.com/office/drawing/2014/main" id="{D9EBF8BB-A805-4DDB-B459-082F99815B95}"/>
               </a:ext>
             </a:extLst>
           </p:cNvPr>
@@ -23028,7 +23027,7 @@
             <p:cNvPr id="19" name="Rectangle: Single Corner Snipped 18">
               <a:extLst>
                 <a:ext uri="{FF2B5EF4-FFF2-40B4-BE49-F238E27FC236}">
-                  <a16:creationId xmlns:a16="http://schemas.microsoft.com/office/drawing/2014/main" xmlns="" id="{5D638788-DD47-45E7-939A-FA108A818173}"/>
+                  <a16:creationId xmlns="" xmlns:a16="http://schemas.microsoft.com/office/drawing/2014/main" id="{5D638788-DD47-45E7-939A-FA108A818173}"/>
                 </a:ext>
               </a:extLst>
             </p:cNvPr>
@@ -23094,7 +23093,7 @@
             <p:cNvPr id="3" name="Rectangle: Single Corner Snipped 2">
               <a:extLst>
                 <a:ext uri="{FF2B5EF4-FFF2-40B4-BE49-F238E27FC236}">
-                  <a16:creationId xmlns:a16="http://schemas.microsoft.com/office/drawing/2014/main" xmlns="" id="{74BDECEF-EEFE-4332-B3B2-BDE4F82C10FC}"/>
+                  <a16:creationId xmlns="" xmlns:a16="http://schemas.microsoft.com/office/drawing/2014/main" id="{74BDECEF-EEFE-4332-B3B2-BDE4F82C10FC}"/>
                 </a:ext>
               </a:extLst>
             </p:cNvPr>
@@ -23151,7 +23150,7 @@
           <p:cNvPr id="24" name="Freeform: Shape 23">
             <a:extLst>
               <a:ext uri="{FF2B5EF4-FFF2-40B4-BE49-F238E27FC236}">
-                <a16:creationId xmlns:a16="http://schemas.microsoft.com/office/drawing/2014/main" xmlns="" id="{18103E00-7E4A-44CD-81AC-06433CAE1110}"/>
+                <a16:creationId xmlns="" xmlns:a16="http://schemas.microsoft.com/office/drawing/2014/main" id="{18103E00-7E4A-44CD-81AC-06433CAE1110}"/>
               </a:ext>
             </a:extLst>
           </p:cNvPr>
@@ -23246,7 +23245,7 @@
           <p:cNvPr id="5" name="Slide Number Placeholder 4">
             <a:extLst>
               <a:ext uri="{FF2B5EF4-FFF2-40B4-BE49-F238E27FC236}">
-                <a16:creationId xmlns:a16="http://schemas.microsoft.com/office/drawing/2014/main" xmlns="" id="{87B51822-97FF-47A7-8E4E-A0F79B4EB237}"/>
+                <a16:creationId xmlns="" xmlns:a16="http://schemas.microsoft.com/office/drawing/2014/main" id="{87B51822-97FF-47A7-8E4E-A0F79B4EB237}"/>
               </a:ext>
             </a:extLst>
           </p:cNvPr>
@@ -23290,7 +23289,7 @@
           <p:cNvPr id="25" name="Text Placeholder 2">
             <a:extLst>
               <a:ext uri="{FF2B5EF4-FFF2-40B4-BE49-F238E27FC236}">
-                <a16:creationId xmlns:a16="http://schemas.microsoft.com/office/drawing/2014/main" xmlns="" id="{7FA80A70-18DE-4DB9-9982-BA75BE54CF93}"/>
+                <a16:creationId xmlns="" xmlns:a16="http://schemas.microsoft.com/office/drawing/2014/main" id="{7FA80A70-18DE-4DB9-9982-BA75BE54CF93}"/>
               </a:ext>
             </a:extLst>
           </p:cNvPr>
@@ -23368,7 +23367,7 @@
           <p:cNvPr id="26" name="Text Placeholder 4">
             <a:extLst>
               <a:ext uri="{FF2B5EF4-FFF2-40B4-BE49-F238E27FC236}">
-                <a16:creationId xmlns:a16="http://schemas.microsoft.com/office/drawing/2014/main" xmlns="" id="{2801C0EF-C078-44B0-AD01-4850E9A65EE0}"/>
+                <a16:creationId xmlns="" xmlns:a16="http://schemas.microsoft.com/office/drawing/2014/main" id="{2801C0EF-C078-44B0-AD01-4850E9A65EE0}"/>
               </a:ext>
             </a:extLst>
           </p:cNvPr>
@@ -23446,7 +23445,7 @@
           <p:cNvPr id="27" name="Content Placeholder 3">
             <a:extLst>
               <a:ext uri="{FF2B5EF4-FFF2-40B4-BE49-F238E27FC236}">
-                <a16:creationId xmlns:a16="http://schemas.microsoft.com/office/drawing/2014/main" xmlns="" id="{7C9DED91-45F6-4308-A085-1EFACA6468CF}"/>
+                <a16:creationId xmlns="" xmlns:a16="http://schemas.microsoft.com/office/drawing/2014/main" id="{7C9DED91-45F6-4308-A085-1EFACA6468CF}"/>
               </a:ext>
             </a:extLst>
           </p:cNvPr>
@@ -23546,7 +23545,7 @@
           <p:cNvPr id="28" name="Content Placeholder 5">
             <a:extLst>
               <a:ext uri="{FF2B5EF4-FFF2-40B4-BE49-F238E27FC236}">
-                <a16:creationId xmlns:a16="http://schemas.microsoft.com/office/drawing/2014/main" xmlns="" id="{0574B5E7-B666-439B-9278-67BE1EA6EBC5}"/>
+                <a16:creationId xmlns="" xmlns:a16="http://schemas.microsoft.com/office/drawing/2014/main" id="{0574B5E7-B666-439B-9278-67BE1EA6EBC5}"/>
               </a:ext>
             </a:extLst>
           </p:cNvPr>
@@ -23681,7 +23680,7 @@
           <p:cNvPr id="2" name="Title Placeholder 1">
             <a:extLst>
               <a:ext uri="{FF2B5EF4-FFF2-40B4-BE49-F238E27FC236}">
-                <a16:creationId xmlns:a16="http://schemas.microsoft.com/office/drawing/2014/main" xmlns="" id="{761B0E15-6FC5-434E-8780-B186D9DB0CD0}"/>
+                <a16:creationId xmlns="" xmlns:a16="http://schemas.microsoft.com/office/drawing/2014/main" id="{761B0E15-6FC5-434E-8780-B186D9DB0CD0}"/>
               </a:ext>
             </a:extLst>
           </p:cNvPr>
@@ -23719,7 +23718,7 @@
           <p:cNvPr id="3" name="Text Placeholder 2">
             <a:extLst>
               <a:ext uri="{FF2B5EF4-FFF2-40B4-BE49-F238E27FC236}">
-                <a16:creationId xmlns:a16="http://schemas.microsoft.com/office/drawing/2014/main" xmlns="" id="{A9C7B128-34F3-405C-B601-8BAFDB43499C}"/>
+                <a16:creationId xmlns="" xmlns:a16="http://schemas.microsoft.com/office/drawing/2014/main" id="{A9C7B128-34F3-405C-B601-8BAFDB43499C}"/>
               </a:ext>
             </a:extLst>
           </p:cNvPr>
@@ -23786,7 +23785,7 @@
           <p:cNvPr id="6" name="Slide Number Placeholder 5">
             <a:extLst>
               <a:ext uri="{FF2B5EF4-FFF2-40B4-BE49-F238E27FC236}">
-                <a16:creationId xmlns:a16="http://schemas.microsoft.com/office/drawing/2014/main" xmlns="" id="{9F5A7754-E8C7-438B-922D-9027C6CF58E2}"/>
+                <a16:creationId xmlns="" xmlns:a16="http://schemas.microsoft.com/office/drawing/2014/main" id="{9F5A7754-E8C7-438B-922D-9027C6CF58E2}"/>
               </a:ext>
             </a:extLst>
           </p:cNvPr>
@@ -23833,7 +23832,7 @@
           <p:cNvPr id="5" name="Rectangle 4">
             <a:extLst>
               <a:ext uri="{FF2B5EF4-FFF2-40B4-BE49-F238E27FC236}">
-                <a16:creationId xmlns:a16="http://schemas.microsoft.com/office/drawing/2014/main" xmlns="" id="{7CDDDB7D-9189-9548-A2B9-81DC62C3C1A3}"/>
+                <a16:creationId xmlns="" xmlns:a16="http://schemas.microsoft.com/office/drawing/2014/main" id="{7CDDDB7D-9189-9548-A2B9-81DC62C3C1A3}"/>
               </a:ext>
             </a:extLst>
           </p:cNvPr>
@@ -23887,7 +23886,7 @@
           <p:cNvPr id="7" name="Freeform: Shape 9">
             <a:extLst>
               <a:ext uri="{FF2B5EF4-FFF2-40B4-BE49-F238E27FC236}">
-                <a16:creationId xmlns:a16="http://schemas.microsoft.com/office/drawing/2014/main" xmlns="" id="{096D8877-6B4A-4540-8927-767DD7401718}"/>
+                <a16:creationId xmlns="" xmlns:a16="http://schemas.microsoft.com/office/drawing/2014/main" id="{096D8877-6B4A-4540-8927-767DD7401718}"/>
               </a:ext>
             </a:extLst>
           </p:cNvPr>
@@ -24010,7 +24009,7 @@
           <p:cNvPr id="8" name="Freeform: Shape 17">
             <a:extLst>
               <a:ext uri="{FF2B5EF4-FFF2-40B4-BE49-F238E27FC236}">
-                <a16:creationId xmlns:a16="http://schemas.microsoft.com/office/drawing/2014/main" xmlns="" id="{5AF2E123-FE0F-8541-8E36-5030C450AA7E}"/>
+                <a16:creationId xmlns="" xmlns:a16="http://schemas.microsoft.com/office/drawing/2014/main" id="{5AF2E123-FE0F-8541-8E36-5030C450AA7E}"/>
               </a:ext>
             </a:extLst>
           </p:cNvPr>
@@ -24162,7 +24161,7 @@
           <p:cNvPr id="9" name="Freeform: Shape 11">
             <a:extLst>
               <a:ext uri="{FF2B5EF4-FFF2-40B4-BE49-F238E27FC236}">
-                <a16:creationId xmlns:a16="http://schemas.microsoft.com/office/drawing/2014/main" xmlns="" id="{E5519D99-3B68-924A-9CD0-14B911711CA8}"/>
+                <a16:creationId xmlns="" xmlns:a16="http://schemas.microsoft.com/office/drawing/2014/main" id="{E5519D99-3B68-924A-9CD0-14B911711CA8}"/>
               </a:ext>
             </a:extLst>
           </p:cNvPr>
@@ -24312,7 +24311,7 @@
           <p:cNvPr id="10" name="Freeform: Shape 7">
             <a:extLst>
               <a:ext uri="{FF2B5EF4-FFF2-40B4-BE49-F238E27FC236}">
-                <a16:creationId xmlns:a16="http://schemas.microsoft.com/office/drawing/2014/main" xmlns="" id="{A09E21A9-FBEF-144C-A152-FE484F3C55C1}"/>
+                <a16:creationId xmlns="" xmlns:a16="http://schemas.microsoft.com/office/drawing/2014/main" id="{A09E21A9-FBEF-144C-A152-FE484F3C55C1}"/>
               </a:ext>
             </a:extLst>
           </p:cNvPr>
@@ -24458,7 +24457,7 @@
           <p:cNvPr id="11" name="Title 1">
             <a:extLst>
               <a:ext uri="{FF2B5EF4-FFF2-40B4-BE49-F238E27FC236}">
-                <a16:creationId xmlns:a16="http://schemas.microsoft.com/office/drawing/2014/main" xmlns="" id="{70C7F2CB-A8CE-1545-A08D-93592C4BAEEA}"/>
+                <a16:creationId xmlns="" xmlns:a16="http://schemas.microsoft.com/office/drawing/2014/main" id="{70C7F2CB-A8CE-1545-A08D-93592C4BAEEA}"/>
               </a:ext>
             </a:extLst>
           </p:cNvPr>
@@ -24514,7 +24513,7 @@
           <p:cNvPr id="12" name="Group 11">
             <a:extLst>
               <a:ext uri="{FF2B5EF4-FFF2-40B4-BE49-F238E27FC236}">
-                <a16:creationId xmlns:a16="http://schemas.microsoft.com/office/drawing/2014/main" xmlns="" id="{7068FCE4-1B47-3C4B-B091-013120A97D09}"/>
+                <a16:creationId xmlns="" xmlns:a16="http://schemas.microsoft.com/office/drawing/2014/main" id="{7068FCE4-1B47-3C4B-B091-013120A97D09}"/>
               </a:ext>
             </a:extLst>
           </p:cNvPr>
@@ -24534,7 +24533,7 @@
             <p:cNvPr id="13" name="Freeform: Shape 15">
               <a:extLst>
                 <a:ext uri="{FF2B5EF4-FFF2-40B4-BE49-F238E27FC236}">
-                  <a16:creationId xmlns:a16="http://schemas.microsoft.com/office/drawing/2014/main" xmlns="" id="{FEC3FDE7-F27E-5E4E-8752-287CAB7792D4}"/>
+                  <a16:creationId xmlns="" xmlns:a16="http://schemas.microsoft.com/office/drawing/2014/main" id="{FEC3FDE7-F27E-5E4E-8752-287CAB7792D4}"/>
                 </a:ext>
               </a:extLst>
             </p:cNvPr>
@@ -24624,7 +24623,7 @@
             <p:cNvPr id="14" name="Freeform: Shape 16">
               <a:extLst>
                 <a:ext uri="{FF2B5EF4-FFF2-40B4-BE49-F238E27FC236}">
-                  <a16:creationId xmlns:a16="http://schemas.microsoft.com/office/drawing/2014/main" xmlns="" id="{81C902DB-0D21-5044-82B6-9E7A70A1BF62}"/>
+                  <a16:creationId xmlns="" xmlns:a16="http://schemas.microsoft.com/office/drawing/2014/main" id="{81C902DB-0D21-5044-82B6-9E7A70A1BF62}"/>
                 </a:ext>
               </a:extLst>
             </p:cNvPr>
@@ -24723,7 +24722,7 @@
           <p:cNvPr id="15" name="Group 14">
             <a:extLst>
               <a:ext uri="{FF2B5EF4-FFF2-40B4-BE49-F238E27FC236}">
-                <a16:creationId xmlns:a16="http://schemas.microsoft.com/office/drawing/2014/main" xmlns="" id="{BE1E08A0-195D-694F-947B-986A76FBB93E}"/>
+                <a16:creationId xmlns="" xmlns:a16="http://schemas.microsoft.com/office/drawing/2014/main" id="{BE1E08A0-195D-694F-947B-986A76FBB93E}"/>
               </a:ext>
             </a:extLst>
           </p:cNvPr>
@@ -24743,7 +24742,7 @@
             <p:cNvPr id="16" name="Rectangle: Single Corner Snipped 18">
               <a:extLst>
                 <a:ext uri="{FF2B5EF4-FFF2-40B4-BE49-F238E27FC236}">
-                  <a16:creationId xmlns:a16="http://schemas.microsoft.com/office/drawing/2014/main" xmlns="" id="{ED5DFFCD-1EE3-E64E-B51F-BD7D72413E0B}"/>
+                  <a16:creationId xmlns="" xmlns:a16="http://schemas.microsoft.com/office/drawing/2014/main" id="{ED5DFFCD-1EE3-E64E-B51F-BD7D72413E0B}"/>
                 </a:ext>
               </a:extLst>
             </p:cNvPr>
@@ -24809,7 +24808,7 @@
             <p:cNvPr id="17" name="Rectangle: Single Corner Snipped 2">
               <a:extLst>
                 <a:ext uri="{FF2B5EF4-FFF2-40B4-BE49-F238E27FC236}">
-                  <a16:creationId xmlns:a16="http://schemas.microsoft.com/office/drawing/2014/main" xmlns="" id="{C12DB3CA-8E64-AA43-BFBE-A2CA9A816DBE}"/>
+                  <a16:creationId xmlns="" xmlns:a16="http://schemas.microsoft.com/office/drawing/2014/main" id="{C12DB3CA-8E64-AA43-BFBE-A2CA9A816DBE}"/>
                 </a:ext>
               </a:extLst>
             </p:cNvPr>
@@ -24866,7 +24865,7 @@
           <p:cNvPr id="18" name="Freeform: Shape 23">
             <a:extLst>
               <a:ext uri="{FF2B5EF4-FFF2-40B4-BE49-F238E27FC236}">
-                <a16:creationId xmlns:a16="http://schemas.microsoft.com/office/drawing/2014/main" xmlns="" id="{A587DEFD-D470-4142-8E0D-A71DDB147C92}"/>
+                <a16:creationId xmlns="" xmlns:a16="http://schemas.microsoft.com/office/drawing/2014/main" id="{A587DEFD-D470-4142-8E0D-A71DDB147C92}"/>
               </a:ext>
             </a:extLst>
           </p:cNvPr>
@@ -24961,7 +24960,7 @@
           <p:cNvPr id="19" name="Slide Number Placeholder 4">
             <a:extLst>
               <a:ext uri="{FF2B5EF4-FFF2-40B4-BE49-F238E27FC236}">
-                <a16:creationId xmlns:a16="http://schemas.microsoft.com/office/drawing/2014/main" xmlns="" id="{7D9BF857-7910-734D-A217-5E3344220AA2}"/>
+                <a16:creationId xmlns="" xmlns:a16="http://schemas.microsoft.com/office/drawing/2014/main" id="{7D9BF857-7910-734D-A217-5E3344220AA2}"/>
               </a:ext>
             </a:extLst>
           </p:cNvPr>
@@ -25479,7 +25478,7 @@
           <p:cNvPr id="2" name="Title 1">
             <a:extLst>
               <a:ext uri="{FF2B5EF4-FFF2-40B4-BE49-F238E27FC236}">
-                <a16:creationId xmlns:a16="http://schemas.microsoft.com/office/drawing/2014/main" xmlns="" id="{632BE5BF-9922-45FB-8F3F-4446D40A051B}"/>
+                <a16:creationId xmlns="" xmlns:a16="http://schemas.microsoft.com/office/drawing/2014/main" id="{632BE5BF-9922-45FB-8F3F-4446D40A051B}"/>
               </a:ext>
             </a:extLst>
           </p:cNvPr>
@@ -25519,7 +25518,7 @@
           <p:cNvPr id="3" name="Subtitle 2">
             <a:extLst>
               <a:ext uri="{FF2B5EF4-FFF2-40B4-BE49-F238E27FC236}">
-                <a16:creationId xmlns:a16="http://schemas.microsoft.com/office/drawing/2014/main" xmlns="" id="{0D537F64-4C96-4AA8-BB21-E8053A3186DD}"/>
+                <a16:creationId xmlns="" xmlns:a16="http://schemas.microsoft.com/office/drawing/2014/main" id="{0D537F64-4C96-4AA8-BB21-E8053A3186DD}"/>
               </a:ext>
             </a:extLst>
           </p:cNvPr>
@@ -25840,7 +25839,7 @@
           <p:cNvPr id="2" name="Title 1">
             <a:extLst>
               <a:ext uri="{FF2B5EF4-FFF2-40B4-BE49-F238E27FC236}">
-                <a16:creationId xmlns:a16="http://schemas.microsoft.com/office/drawing/2014/main" xmlns="" id="{15EF3108-F5A2-403C-9731-6A385F03907F}"/>
+                <a16:creationId xmlns="" xmlns:a16="http://schemas.microsoft.com/office/drawing/2014/main" id="{15EF3108-F5A2-403C-9731-6A385F03907F}"/>
               </a:ext>
             </a:extLst>
           </p:cNvPr>
@@ -25868,7 +25867,7 @@
           <p:cNvPr id="3" name="Slide Number Placeholder 2">
             <a:extLst>
               <a:ext uri="{FF2B5EF4-FFF2-40B4-BE49-F238E27FC236}">
-                <a16:creationId xmlns:a16="http://schemas.microsoft.com/office/drawing/2014/main" xmlns="" id="{ABB44B24-674E-4F6C-A26A-95F279009B65}"/>
+                <a16:creationId xmlns="" xmlns:a16="http://schemas.microsoft.com/office/drawing/2014/main" id="{ABB44B24-674E-4F6C-A26A-95F279009B65}"/>
               </a:ext>
             </a:extLst>
           </p:cNvPr>
@@ -25898,7 +25897,7 @@
           <p:cNvPr id="6" name="Content Placeholder 5">
             <a:extLst>
               <a:ext uri="{FF2B5EF4-FFF2-40B4-BE49-F238E27FC236}">
-                <a16:creationId xmlns:a16="http://schemas.microsoft.com/office/drawing/2014/main" xmlns="" id="{6BAC4DEC-08DB-451F-91F6-1A00C0EC0C42}"/>
+                <a16:creationId xmlns="" xmlns:a16="http://schemas.microsoft.com/office/drawing/2014/main" id="{6BAC4DEC-08DB-451F-91F6-1A00C0EC0C42}"/>
               </a:ext>
             </a:extLst>
           </p:cNvPr>
@@ -25970,7 +25969,7 @@
         </p:nvSpPr>
         <p:spPr>
           <a:xfrm>
-            <a:off x="3349044" y="4922191"/>
+            <a:off x="2972866" y="5266004"/>
             <a:ext cx="5763116" cy="369332"/>
           </a:xfrm>
           <a:prstGeom prst="rect">
@@ -26041,7 +26040,7 @@
                             </p:stCondLst>
                             <p:childTnLst>
                               <p:par>
-                                <p:cTn id="5" presetID="2" presetClass="entr" presetSubtype="4" fill="hold" grpId="0" nodeType="clickEffect">
+                                <p:cTn id="5" presetID="42" presetClass="entr" presetSubtype="0" fill="hold" grpId="0" nodeType="clickEffect">
                                   <p:stCondLst>
                                     <p:cond delay="0"/>
                                   </p:stCondLst>
@@ -26068,9 +26067,21 @@
                                         <p:strVal val="visible"/>
                                       </p:to>
                                     </p:set>
+                                    <p:animEffect transition="in" filter="fade">
+                                      <p:cBhvr>
+                                        <p:cTn id="7" dur="1000"/>
+                                        <p:tgtEl>
+                                          <p:spTgt spid="6">
+                                            <p:txEl>
+                                              <p:pRg st="0" end="0"/>
+                                            </p:txEl>
+                                          </p:spTgt>
+                                        </p:tgtEl>
+                                      </p:cBhvr>
+                                    </p:animEffect>
                                     <p:anim calcmode="lin" valueType="num">
-                                      <p:cBhvr additive="base">
-                                        <p:cTn id="7" dur="500" fill="hold"/>
+                                      <p:cBhvr>
+                                        <p:cTn id="8" dur="1000" fill="hold"/>
                                         <p:tgtEl>
                                           <p:spTgt spid="6">
                                             <p:txEl>
@@ -26096,8 +26107,8 @@
                                       </p:tavLst>
                                     </p:anim>
                                     <p:anim calcmode="lin" valueType="num">
-                                      <p:cBhvr additive="base">
-                                        <p:cTn id="8" dur="500" fill="hold"/>
+                                      <p:cBhvr>
+                                        <p:cTn id="9" dur="1000" fill="hold"/>
                                         <p:tgtEl>
                                           <p:spTgt spid="6">
                                             <p:txEl>
@@ -26112,7 +26123,7 @@
                                       <p:tavLst>
                                         <p:tav tm="0">
                                           <p:val>
-                                            <p:strVal val="1+#ppt_h/2"/>
+                                            <p:strVal val="#ppt_y+.1"/>
                                           </p:val>
                                         </p:tav>
                                         <p:tav tm="100000">
@@ -26126,14 +26137,14 @@
                                 </p:cTn>
                               </p:par>
                               <p:par>
-                                <p:cTn id="9" presetID="2" presetClass="entr" presetSubtype="4" fill="hold" nodeType="withEffect">
+                                <p:cTn id="10" presetID="42" presetClass="entr" presetSubtype="0" fill="hold" nodeType="withEffect">
                                   <p:stCondLst>
                                     <p:cond delay="0"/>
                                   </p:stCondLst>
                                   <p:childTnLst>
                                     <p:set>
                                       <p:cBhvr>
-                                        <p:cTn id="10" dur="1" fill="hold">
+                                        <p:cTn id="11" dur="1" fill="hold">
                                           <p:stCondLst>
                                             <p:cond delay="0"/>
                                           </p:stCondLst>
@@ -26149,9 +26160,17 @@
                                         <p:strVal val="visible"/>
                                       </p:to>
                                     </p:set>
+                                    <p:animEffect transition="in" filter="fade">
+                                      <p:cBhvr>
+                                        <p:cTn id="12" dur="1000"/>
+                                        <p:tgtEl>
+                                          <p:spTgt spid="5"/>
+                                        </p:tgtEl>
+                                      </p:cBhvr>
+                                    </p:animEffect>
                                     <p:anim calcmode="lin" valueType="num">
-                                      <p:cBhvr additive="base">
-                                        <p:cTn id="11" dur="500" fill="hold"/>
+                                      <p:cBhvr>
+                                        <p:cTn id="13" dur="1000" fill="hold"/>
                                         <p:tgtEl>
                                           <p:spTgt spid="5"/>
                                         </p:tgtEl>
@@ -26173,8 +26192,8 @@
                                       </p:tavLst>
                                     </p:anim>
                                     <p:anim calcmode="lin" valueType="num">
-                                      <p:cBhvr additive="base">
-                                        <p:cTn id="12" dur="500" fill="hold"/>
+                                      <p:cBhvr>
+                                        <p:cTn id="14" dur="1000" fill="hold"/>
                                         <p:tgtEl>
                                           <p:spTgt spid="5"/>
                                         </p:tgtEl>
@@ -26185,7 +26204,88 @@
                                       <p:tavLst>
                                         <p:tav tm="0">
                                           <p:val>
-                                            <p:strVal val="1+#ppt_h/2"/>
+                                            <p:strVal val="#ppt_y+.1"/>
+                                          </p:val>
+                                        </p:tav>
+                                        <p:tav tm="100000">
+                                          <p:val>
+                                            <p:strVal val="#ppt_y"/>
+                                          </p:val>
+                                        </p:tav>
+                                      </p:tavLst>
+                                    </p:anim>
+                                  </p:childTnLst>
+                                </p:cTn>
+                              </p:par>
+                              <p:par>
+                                <p:cTn id="15" presetID="42" presetClass="entr" presetSubtype="0" fill="hold" grpId="0" nodeType="withEffect">
+                                  <p:stCondLst>
+                                    <p:cond delay="0"/>
+                                  </p:stCondLst>
+                                  <p:childTnLst>
+                                    <p:set>
+                                      <p:cBhvr>
+                                        <p:cTn id="16" dur="1" fill="hold">
+                                          <p:stCondLst>
+                                            <p:cond delay="0"/>
+                                          </p:stCondLst>
+                                        </p:cTn>
+                                        <p:tgtEl>
+                                          <p:spTgt spid="4"/>
+                                        </p:tgtEl>
+                                        <p:attrNameLst>
+                                          <p:attrName>style.visibility</p:attrName>
+                                        </p:attrNameLst>
+                                      </p:cBhvr>
+                                      <p:to>
+                                        <p:strVal val="visible"/>
+                                      </p:to>
+                                    </p:set>
+                                    <p:animEffect transition="in" filter="fade">
+                                      <p:cBhvr>
+                                        <p:cTn id="17" dur="1000"/>
+                                        <p:tgtEl>
+                                          <p:spTgt spid="4"/>
+                                        </p:tgtEl>
+                                      </p:cBhvr>
+                                    </p:animEffect>
+                                    <p:anim calcmode="lin" valueType="num">
+                                      <p:cBhvr>
+                                        <p:cTn id="18" dur="1000" fill="hold"/>
+                                        <p:tgtEl>
+                                          <p:spTgt spid="4"/>
+                                        </p:tgtEl>
+                                        <p:attrNameLst>
+                                          <p:attrName>ppt_x</p:attrName>
+                                        </p:attrNameLst>
+                                      </p:cBhvr>
+                                      <p:tavLst>
+                                        <p:tav tm="0">
+                                          <p:val>
+                                            <p:strVal val="#ppt_x"/>
+                                          </p:val>
+                                        </p:tav>
+                                        <p:tav tm="100000">
+                                          <p:val>
+                                            <p:strVal val="#ppt_x"/>
+                                          </p:val>
+                                        </p:tav>
+                                      </p:tavLst>
+                                    </p:anim>
+                                    <p:anim calcmode="lin" valueType="num">
+                                      <p:cBhvr>
+                                        <p:cTn id="19" dur="1000" fill="hold"/>
+                                        <p:tgtEl>
+                                          <p:spTgt spid="4"/>
+                                        </p:tgtEl>
+                                        <p:attrNameLst>
+                                          <p:attrName>ppt_y</p:attrName>
+                                        </p:attrNameLst>
+                                      </p:cBhvr>
+                                      <p:tavLst>
+                                        <p:tav tm="0">
+                                          <p:val>
+                                            <p:strVal val="#ppt_y+.1"/>
                                           </p:val>
                                         </p:tav>
                                         <p:tav tm="100000">
@@ -26227,6 +26327,7 @@
     </p:tnLst>
     <p:bldLst>
       <p:bldP spid="6" grpId="0" build="p"/>
+      <p:bldP spid="4" grpId="0"/>
     </p:bldLst>
   </p:timing>
 </p:sld>
@@ -26251,30 +26352,74 @@
       </p:grpSpPr>
       <p:sp>
         <p:nvSpPr>
-          <p:cNvPr id="2" name="Title 1">
-            <a:extLst>
-              <a:ext uri="{FF2B5EF4-FFF2-40B4-BE49-F238E27FC236}">
-                <a16:creationId xmlns:a16="http://schemas.microsoft.com/office/drawing/2014/main" xmlns="" id="{632BE5BF-9922-45FB-8F3F-4446D40A051B}"/>
-              </a:ext>
-            </a:extLst>
-          </p:cNvPr>
+          <p:cNvPr id="4" name="AutoShape 2" descr="Different Ways to Say Thank-You — Emily Post"/>
           <p:cNvSpPr>
-            <a:spLocks noGrp="1"/>
+            <a:spLocks noChangeAspect="1" noChangeArrowheads="1"/>
           </p:cNvSpPr>
-          <p:nvPr>
-            <p:ph type="ctrTitle"/>
-          </p:nvPr>
+          <p:nvPr/>
         </p:nvSpPr>
-        <p:spPr/>
+        <p:spPr bwMode="auto">
+          <a:xfrm>
+            <a:off x="155575" y="-822325"/>
+            <a:ext cx="2571750" cy="1714500"/>
+          </a:xfrm>
+          <a:prstGeom prst="rect">
+            <a:avLst/>
+          </a:prstGeom>
+          <a:noFill/>
+          <a:extLst>
+            <a:ext uri="{909E8E84-426E-40DD-AFC4-6F175D3DCCD1}">
+              <a14:hiddenFill xmlns:a14="http://schemas.microsoft.com/office/drawing/2010/main">
+                <a:solidFill>
+                  <a:srgbClr val="FFFFFF"/>
+                </a:solidFill>
+              </a14:hiddenFill>
+            </a:ext>
+          </a:extLst>
+        </p:spPr>
         <p:txBody>
-          <a:bodyPr/>
+          <a:bodyPr vert="horz" wrap="square" lIns="91440" tIns="45720" rIns="91440" bIns="45720" numCol="1" anchor="t" anchorCtr="0" compatLnSpc="1">
+            <a:prstTxWarp prst="textNoShape">
+              <a:avLst/>
+            </a:prstTxWarp>
+          </a:bodyPr>
           <a:lstStyle/>
           <a:p>
+            <a:endParaRPr lang="en-SG"/>
+          </a:p>
+        </p:txBody>
+      </p:sp>
+      <p:sp>
+        <p:nvSpPr>
+          <p:cNvPr id="9" name="Rectangle 8"/>
+          <p:cNvSpPr/>
+          <p:nvPr/>
+        </p:nvSpPr>
+        <p:spPr>
+          <a:xfrm>
+            <a:off x="1971305" y="1617415"/>
+            <a:ext cx="7445828" cy="4339650"/>
+          </a:xfrm>
+          <a:prstGeom prst="rect">
+            <a:avLst/>
+          </a:prstGeom>
+        </p:spPr>
+        <p:txBody>
+          <a:bodyPr wrap="square">
+            <a:spAutoFit/>
+          </a:bodyPr>
+          <a:lstStyle/>
+          <a:p>
+            <a:pPr algn="ctr"/>
             <a:r>
-              <a:rPr lang="en-US" dirty="0"/>
-              <a:t>Thanks you</a:t>
+              <a:rPr lang="en-US" sz="13800" b="1" dirty="0" smtClean="0">
+                <a:latin typeface="Algerian" panose="04020705040A02060702" pitchFamily="82" charset="0"/>
+              </a:rPr>
+              <a:t>Thank       	You</a:t>
             </a:r>
-            <a:endParaRPr lang="en-GB" dirty="0"/>
+            <a:endParaRPr lang="en-SG" sz="13800" b="1" dirty="0">
+              <a:latin typeface="Algerian" panose="04020705040A02060702" pitchFamily="82" charset="0"/>
+            </a:endParaRPr>
           </a:p>
         </p:txBody>
       </p:sp>
@@ -26294,78 +26439,88 @@
   <p:timing>
     <p:tnLst>
       <p:par>
-        <p:cTn id="1" dur="indefinite" restart="never" nodeType="tmRoot"/>
+        <p:cTn id="1" dur="indefinite" restart="never" nodeType="tmRoot">
+          <p:childTnLst>
+            <p:seq concurrent="1" nextAc="seek">
+              <p:cTn id="2" dur="indefinite" nodeType="mainSeq">
+                <p:childTnLst>
+                  <p:par>
+                    <p:cTn id="3" fill="hold">
+                      <p:stCondLst>
+                        <p:cond delay="indefinite"/>
+                      </p:stCondLst>
+                      <p:childTnLst>
+                        <p:par>
+                          <p:cTn id="4" fill="hold">
+                            <p:stCondLst>
+                              <p:cond delay="0"/>
+                            </p:stCondLst>
+                            <p:childTnLst>
+                              <p:par>
+                                <p:cTn id="5" presetID="22" presetClass="entr" presetSubtype="4" fill="hold" grpId="0" nodeType="clickEffect">
+                                  <p:stCondLst>
+                                    <p:cond delay="0"/>
+                                  </p:stCondLst>
+                                  <p:childTnLst>
+                                    <p:set>
+                                      <p:cBhvr>
+                                        <p:cTn id="6" dur="1" fill="hold">
+                                          <p:stCondLst>
+                                            <p:cond delay="0"/>
+                                          </p:stCondLst>
+                                        </p:cTn>
+                                        <p:tgtEl>
+                                          <p:spTgt spid="9"/>
+                                        </p:tgtEl>
+                                        <p:attrNameLst>
+                                          <p:attrName>style.visibility</p:attrName>
+                                        </p:attrNameLst>
+                                      </p:cBhvr>
+                                      <p:to>
+                                        <p:strVal val="visible"/>
+                                      </p:to>
+                                    </p:set>
+                                    <p:animEffect transition="in" filter="wipe(down)">
+                                      <p:cBhvr>
+                                        <p:cTn id="7" dur="500"/>
+                                        <p:tgtEl>
+                                          <p:spTgt spid="9"/>
+                                        </p:tgtEl>
+                                      </p:cBhvr>
+                                    </p:animEffect>
+                                  </p:childTnLst>
+                                </p:cTn>
+                              </p:par>
+                            </p:childTnLst>
+                          </p:cTn>
+                        </p:par>
+                      </p:childTnLst>
+                    </p:cTn>
+                  </p:par>
+                </p:childTnLst>
+              </p:cTn>
+              <p:prevCondLst>
+                <p:cond evt="onPrev" delay="0">
+                  <p:tgtEl>
+                    <p:sldTgt/>
+                  </p:tgtEl>
+                </p:cond>
+              </p:prevCondLst>
+              <p:nextCondLst>
+                <p:cond evt="onNext" delay="0">
+                  <p:tgtEl>
+                    <p:sldTgt/>
+                  </p:tgtEl>
+                </p:cond>
+              </p:nextCondLst>
+            </p:seq>
+          </p:childTnLst>
+        </p:cTn>
       </p:par>
     </p:tnLst>
-  </p:timing>
-</p:sld>
-</file>
-
-<file path=ppt/slides/slide12.xml><?xml version="1.0" encoding="utf-8"?>
-<p:sld xmlns:a="http://schemas.openxmlformats.org/drawingml/2006/main" xmlns:r="http://schemas.openxmlformats.org/officeDocument/2006/relationships" xmlns:p="http://schemas.openxmlformats.org/presentationml/2006/main">
-  <p:cSld>
-    <p:spTree>
-      <p:nvGrpSpPr>
-        <p:cNvPr id="1" name=""/>
-        <p:cNvGrpSpPr/>
-        <p:nvPr/>
-      </p:nvGrpSpPr>
-      <p:grpSpPr>
-        <a:xfrm>
-          <a:off x="0" y="0"/>
-          <a:ext cx="0" cy="0"/>
-          <a:chOff x="0" y="0"/>
-          <a:chExt cx="0" cy="0"/>
-        </a:xfrm>
-      </p:grpSpPr>
-      <p:sp>
-        <p:nvSpPr>
-          <p:cNvPr id="2" name="Title 1">
-            <a:extLst>
-              <a:ext uri="{FF2B5EF4-FFF2-40B4-BE49-F238E27FC236}">
-                <a16:creationId xmlns:a16="http://schemas.microsoft.com/office/drawing/2014/main" xmlns="" id="{632BE5BF-9922-45FB-8F3F-4446D40A051B}"/>
-              </a:ext>
-            </a:extLst>
-          </p:cNvPr>
-          <p:cNvSpPr>
-            <a:spLocks noGrp="1"/>
-          </p:cNvSpPr>
-          <p:nvPr>
-            <p:ph type="ctrTitle"/>
-          </p:nvPr>
-        </p:nvSpPr>
-        <p:spPr/>
-        <p:txBody>
-          <a:bodyPr/>
-          <a:lstStyle/>
-          <a:p>
-            <a:r>
-              <a:rPr lang="en-US" dirty="0"/>
-              <a:t>Any question?</a:t>
-            </a:r>
-            <a:endParaRPr lang="en-GB" dirty="0"/>
-          </a:p>
-        </p:txBody>
-      </p:sp>
-    </p:spTree>
-    <p:extLst>
-      <p:ext uri="{BB962C8B-B14F-4D97-AF65-F5344CB8AC3E}">
-        <p14:creationId xmlns:p14="http://schemas.microsoft.com/office/powerpoint/2010/main" val="44069682"/>
-      </p:ext>
-    </p:extLst>
-  </p:cSld>
-  <p:clrMapOvr>
-    <a:masterClrMapping/>
-  </p:clrMapOvr>
-  <p:transition spd="slow">
-    <p:wipe/>
-  </p:transition>
-  <p:timing>
-    <p:tnLst>
-      <p:par>
-        <p:cTn id="1" dur="indefinite" restart="never" nodeType="tmRoot"/>
-      </p:par>
-    </p:tnLst>
+    <p:bldLst>
+      <p:bldP spid="9" grpId="0"/>
+    </p:bldLst>
   </p:timing>
 </p:sld>
 </file>
@@ -26392,7 +26547,7 @@
           <p:cNvPr id="4" name="Title 3">
             <a:extLst>
               <a:ext uri="{FF2B5EF4-FFF2-40B4-BE49-F238E27FC236}">
-                <a16:creationId xmlns:a16="http://schemas.microsoft.com/office/drawing/2014/main" xmlns="" id="{E3BD8413-C238-49D7-A4E1-E8FEF1811A0E}"/>
+                <a16:creationId xmlns="" xmlns:a16="http://schemas.microsoft.com/office/drawing/2014/main" id="{E3BD8413-C238-49D7-A4E1-E8FEF1811A0E}"/>
               </a:ext>
             </a:extLst>
           </p:cNvPr>
@@ -26427,7 +26582,7 @@
           <p:cNvPr id="5" name="Text Placeholder 4">
             <a:extLst>
               <a:ext uri="{FF2B5EF4-FFF2-40B4-BE49-F238E27FC236}">
-                <a16:creationId xmlns:a16="http://schemas.microsoft.com/office/drawing/2014/main" xmlns="" id="{0A95F4DE-39B7-4CE2-BC1E-8B8AE662A895}"/>
+                <a16:creationId xmlns="" xmlns:a16="http://schemas.microsoft.com/office/drawing/2014/main" id="{0A95F4DE-39B7-4CE2-BC1E-8B8AE662A895}"/>
               </a:ext>
             </a:extLst>
           </p:cNvPr>
@@ -26458,7 +26613,7 @@
           <p:cNvPr id="2" name="Slide Number Placeholder 1">
             <a:extLst>
               <a:ext uri="{FF2B5EF4-FFF2-40B4-BE49-F238E27FC236}">
-                <a16:creationId xmlns:a16="http://schemas.microsoft.com/office/drawing/2014/main" xmlns="" id="{0B24BF10-2B55-43AB-9F77-F1A1410384A9}"/>
+                <a16:creationId xmlns="" xmlns:a16="http://schemas.microsoft.com/office/drawing/2014/main" id="{0B24BF10-2B55-43AB-9F77-F1A1410384A9}"/>
               </a:ext>
             </a:extLst>
           </p:cNvPr>
@@ -26488,7 +26643,7 @@
           <p:cNvPr id="3" name="Rectangle: Rounded Corners 2">
             <a:extLst>
               <a:ext uri="{FF2B5EF4-FFF2-40B4-BE49-F238E27FC236}">
-                <a16:creationId xmlns:a16="http://schemas.microsoft.com/office/drawing/2014/main" xmlns="" id="{FA129915-73DF-48D7-8E52-10EF3962DC40}"/>
+                <a16:creationId xmlns="" xmlns:a16="http://schemas.microsoft.com/office/drawing/2014/main" id="{FA129915-73DF-48D7-8E52-10EF3962DC40}"/>
               </a:ext>
             </a:extLst>
           </p:cNvPr>
@@ -26573,7 +26728,7 @@
           <p:cNvPr id="7" name="Rectangle: Rounded Corners 6">
             <a:extLst>
               <a:ext uri="{FF2B5EF4-FFF2-40B4-BE49-F238E27FC236}">
-                <a16:creationId xmlns:a16="http://schemas.microsoft.com/office/drawing/2014/main" xmlns="" id="{47982D29-3E0B-48A0-9854-8CB1E1DA98DA}"/>
+                <a16:creationId xmlns="" xmlns:a16="http://schemas.microsoft.com/office/drawing/2014/main" id="{47982D29-3E0B-48A0-9854-8CB1E1DA98DA}"/>
               </a:ext>
             </a:extLst>
           </p:cNvPr>
@@ -26890,7 +27045,7 @@
           <p:cNvPr id="4" name="Title 3">
             <a:extLst>
               <a:ext uri="{FF2B5EF4-FFF2-40B4-BE49-F238E27FC236}">
-                <a16:creationId xmlns:a16="http://schemas.microsoft.com/office/drawing/2014/main" xmlns="" id="{BD179B88-D43C-4A31-9A52-3498E9430782}"/>
+                <a16:creationId xmlns="" xmlns:a16="http://schemas.microsoft.com/office/drawing/2014/main" id="{BD179B88-D43C-4A31-9A52-3498E9430782}"/>
               </a:ext>
             </a:extLst>
           </p:cNvPr>
@@ -26928,7 +27083,7 @@
           <p:cNvPr id="5" name="Text Placeholder 4">
             <a:extLst>
               <a:ext uri="{FF2B5EF4-FFF2-40B4-BE49-F238E27FC236}">
-                <a16:creationId xmlns:a16="http://schemas.microsoft.com/office/drawing/2014/main" xmlns="" id="{DCDDBE65-9AB1-4989-AF86-726591A6A128}"/>
+                <a16:creationId xmlns="" xmlns:a16="http://schemas.microsoft.com/office/drawing/2014/main" id="{DCDDBE65-9AB1-4989-AF86-726591A6A128}"/>
               </a:ext>
             </a:extLst>
           </p:cNvPr>
@@ -26953,7 +27108,7 @@
           <p:cNvPr id="2" name="Slide Number Placeholder 1">
             <a:extLst>
               <a:ext uri="{FF2B5EF4-FFF2-40B4-BE49-F238E27FC236}">
-                <a16:creationId xmlns:a16="http://schemas.microsoft.com/office/drawing/2014/main" xmlns="" id="{8B065C75-272B-4BB5-BA23-D80E8654D621}"/>
+                <a16:creationId xmlns="" xmlns:a16="http://schemas.microsoft.com/office/drawing/2014/main" id="{8B065C75-272B-4BB5-BA23-D80E8654D621}"/>
               </a:ext>
             </a:extLst>
           </p:cNvPr>
@@ -26964,7 +27119,12 @@
             <p:ph type="sldNum" sz="quarter" idx="12"/>
           </p:nvPr>
         </p:nvSpPr>
-        <p:spPr/>
+        <p:spPr>
+          <a:xfrm>
+            <a:off x="11145078" y="6246640"/>
+            <a:ext cx="406400" cy="365125"/>
+          </a:xfrm>
+        </p:spPr>
         <p:txBody>
           <a:bodyPr/>
           <a:lstStyle/>
@@ -26983,7 +27143,7 @@
           <p:cNvPr id="3" name="Flowchart: Alternate Process 2">
             <a:extLst>
               <a:ext uri="{FF2B5EF4-FFF2-40B4-BE49-F238E27FC236}">
-                <a16:creationId xmlns:a16="http://schemas.microsoft.com/office/drawing/2014/main" xmlns="" id="{077816FD-EF7A-4AF4-9D18-8E231EC90107}"/>
+                <a16:creationId xmlns="" xmlns:a16="http://schemas.microsoft.com/office/drawing/2014/main" id="{077816FD-EF7A-4AF4-9D18-8E231EC90107}"/>
               </a:ext>
             </a:extLst>
           </p:cNvPr>
@@ -27043,7 +27203,7 @@
           <p:cNvPr id="6" name="Flowchart: Alternate Process 5">
             <a:extLst>
               <a:ext uri="{FF2B5EF4-FFF2-40B4-BE49-F238E27FC236}">
-                <a16:creationId xmlns:a16="http://schemas.microsoft.com/office/drawing/2014/main" xmlns="" id="{E9E6648C-118C-40A6-BE5B-808733E5E133}"/>
+                <a16:creationId xmlns="" xmlns:a16="http://schemas.microsoft.com/office/drawing/2014/main" id="{E9E6648C-118C-40A6-BE5B-808733E5E133}"/>
               </a:ext>
             </a:extLst>
           </p:cNvPr>
@@ -27100,7 +27260,7 @@
           <p:cNvPr id="8" name="Flowchart: Alternate Process 7">
             <a:extLst>
               <a:ext uri="{FF2B5EF4-FFF2-40B4-BE49-F238E27FC236}">
-                <a16:creationId xmlns:a16="http://schemas.microsoft.com/office/drawing/2014/main" xmlns="" id="{2AC6B3D7-CB3F-4C50-A618-1E880A82C6D5}"/>
+                <a16:creationId xmlns="" xmlns:a16="http://schemas.microsoft.com/office/drawing/2014/main" id="{2AC6B3D7-CB3F-4C50-A618-1E880A82C6D5}"/>
               </a:ext>
             </a:extLst>
           </p:cNvPr>
@@ -27516,7 +27676,7 @@
           <p:cNvPr id="7" name="Title 6">
             <a:extLst>
               <a:ext uri="{FF2B5EF4-FFF2-40B4-BE49-F238E27FC236}">
-                <a16:creationId xmlns:a16="http://schemas.microsoft.com/office/drawing/2014/main" xmlns="" id="{7875C19A-1AAE-476A-A316-A2CF92D763D3}"/>
+                <a16:creationId xmlns="" xmlns:a16="http://schemas.microsoft.com/office/drawing/2014/main" id="{7875C19A-1AAE-476A-A316-A2CF92D763D3}"/>
               </a:ext>
             </a:extLst>
           </p:cNvPr>
@@ -27551,7 +27711,7 @@
           <p:cNvPr id="10" name="Text Placeholder 9">
             <a:extLst>
               <a:ext uri="{FF2B5EF4-FFF2-40B4-BE49-F238E27FC236}">
-                <a16:creationId xmlns:a16="http://schemas.microsoft.com/office/drawing/2014/main" xmlns="" id="{EF2BC084-E6DB-4DE7-B309-042A85EBA700}"/>
+                <a16:creationId xmlns="" xmlns:a16="http://schemas.microsoft.com/office/drawing/2014/main" id="{EF2BC084-E6DB-4DE7-B309-042A85EBA700}"/>
               </a:ext>
             </a:extLst>
           </p:cNvPr>
@@ -27605,7 +27765,15 @@
             </a:r>
             <a:r>
               <a:rPr lang="en-US" sz="2000" dirty="0"/>
-              <a:t>equation and try to find all real and rational </a:t>
+              <a:t>equation and try to find </a:t>
+            </a:r>
+            <a:r>
+              <a:rPr lang="en-US" sz="2000" dirty="0" smtClean="0"/>
+              <a:t>real </a:t>
+            </a:r>
+            <a:r>
+              <a:rPr lang="en-US" sz="2000" dirty="0"/>
+              <a:t>and rational </a:t>
             </a:r>
             <a:r>
               <a:rPr lang="en-US" sz="2000" dirty="0" smtClean="0"/>
@@ -27655,7 +27823,7 @@
           <p:cNvPr id="2" name="Slide Number Placeholder 1">
             <a:extLst>
               <a:ext uri="{FF2B5EF4-FFF2-40B4-BE49-F238E27FC236}">
-                <a16:creationId xmlns:a16="http://schemas.microsoft.com/office/drawing/2014/main" xmlns="" id="{BE9800F6-D571-48C4-8466-12AA1ADB6599}"/>
+                <a16:creationId xmlns="" xmlns:a16="http://schemas.microsoft.com/office/drawing/2014/main" id="{BE9800F6-D571-48C4-8466-12AA1ADB6599}"/>
               </a:ext>
             </a:extLst>
           </p:cNvPr>
@@ -28260,7 +28428,7 @@
           <p:cNvPr id="4" name="Title 3">
             <a:extLst>
               <a:ext uri="{FF2B5EF4-FFF2-40B4-BE49-F238E27FC236}">
-                <a16:creationId xmlns:a16="http://schemas.microsoft.com/office/drawing/2014/main" xmlns="" id="{315E3981-F0D7-482C-A8E0-6A57700BECA7}"/>
+                <a16:creationId xmlns="" xmlns:a16="http://schemas.microsoft.com/office/drawing/2014/main" id="{315E3981-F0D7-482C-A8E0-6A57700BECA7}"/>
               </a:ext>
             </a:extLst>
           </p:cNvPr>
@@ -28297,7 +28465,7 @@
           <p:cNvPr id="2" name="Slide Number Placeholder 1">
             <a:extLst>
               <a:ext uri="{FF2B5EF4-FFF2-40B4-BE49-F238E27FC236}">
-                <a16:creationId xmlns:a16="http://schemas.microsoft.com/office/drawing/2014/main" xmlns="" id="{520FC4EE-F318-4344-9E3C-B950ADB63865}"/>
+                <a16:creationId xmlns="" xmlns:a16="http://schemas.microsoft.com/office/drawing/2014/main" id="{520FC4EE-F318-4344-9E3C-B950ADB63865}"/>
               </a:ext>
             </a:extLst>
           </p:cNvPr>
@@ -28327,7 +28495,7 @@
           <p:cNvPr id="8" name="Text Placeholder 7">
             <a:extLst>
               <a:ext uri="{FF2B5EF4-FFF2-40B4-BE49-F238E27FC236}">
-                <a16:creationId xmlns:a16="http://schemas.microsoft.com/office/drawing/2014/main" xmlns="" id="{47DC4E62-1A34-4F98-A451-214F1808519C}"/>
+                <a16:creationId xmlns="" xmlns:a16="http://schemas.microsoft.com/office/drawing/2014/main" id="{47DC4E62-1A34-4F98-A451-214F1808519C}"/>
               </a:ext>
             </a:extLst>
           </p:cNvPr>
@@ -28355,7 +28523,7 @@
           <p:cNvPr id="9" name="Text Placeholder 8">
             <a:extLst>
               <a:ext uri="{FF2B5EF4-FFF2-40B4-BE49-F238E27FC236}">
-                <a16:creationId xmlns:a16="http://schemas.microsoft.com/office/drawing/2014/main" xmlns="" id="{521AB61D-13A5-4290-A87A-2C1139137BD9}"/>
+                <a16:creationId xmlns="" xmlns:a16="http://schemas.microsoft.com/office/drawing/2014/main" id="{521AB61D-13A5-4290-A87A-2C1139137BD9}"/>
               </a:ext>
             </a:extLst>
           </p:cNvPr>
@@ -28837,7 +29005,7 @@
           <p:cNvPr id="2" name="Title 1">
             <a:extLst>
               <a:ext uri="{FF2B5EF4-FFF2-40B4-BE49-F238E27FC236}">
-                <a16:creationId xmlns:a16="http://schemas.microsoft.com/office/drawing/2014/main" xmlns="" id="{15EF3108-F5A2-403C-9731-6A385F03907F}"/>
+                <a16:creationId xmlns="" xmlns:a16="http://schemas.microsoft.com/office/drawing/2014/main" id="{15EF3108-F5A2-403C-9731-6A385F03907F}"/>
               </a:ext>
             </a:extLst>
           </p:cNvPr>
@@ -28865,7 +29033,7 @@
           <p:cNvPr id="3" name="Slide Number Placeholder 2">
             <a:extLst>
               <a:ext uri="{FF2B5EF4-FFF2-40B4-BE49-F238E27FC236}">
-                <a16:creationId xmlns:a16="http://schemas.microsoft.com/office/drawing/2014/main" xmlns="" id="{ABB44B24-674E-4F6C-A26A-95F279009B65}"/>
+                <a16:creationId xmlns="" xmlns:a16="http://schemas.microsoft.com/office/drawing/2014/main" id="{ABB44B24-674E-4F6C-A26A-95F279009B65}"/>
               </a:ext>
             </a:extLst>
           </p:cNvPr>
@@ -28895,7 +29063,7 @@
           <p:cNvPr id="6" name="Content Placeholder 5">
             <a:extLst>
               <a:ext uri="{FF2B5EF4-FFF2-40B4-BE49-F238E27FC236}">
-                <a16:creationId xmlns:a16="http://schemas.microsoft.com/office/drawing/2014/main" xmlns="" id="{6BAC4DEC-08DB-451F-91F6-1A00C0EC0C42}"/>
+                <a16:creationId xmlns="" xmlns:a16="http://schemas.microsoft.com/office/drawing/2014/main" id="{6BAC4DEC-08DB-451F-91F6-1A00C0EC0C42}"/>
               </a:ext>
             </a:extLst>
           </p:cNvPr>
@@ -29369,6 +29537,91 @@
                                   </p:childTnLst>
                                 </p:cTn>
                               </p:par>
+                              <p:par>
+                                <p:cTn id="21" presetID="2" presetClass="entr" presetSubtype="4" fill="hold" nodeType="withEffect">
+                                  <p:stCondLst>
+                                    <p:cond delay="0"/>
+                                  </p:stCondLst>
+                                  <p:childTnLst>
+                                    <p:set>
+                                      <p:cBhvr>
+                                        <p:cTn id="22" dur="1" fill="hold">
+                                          <p:stCondLst>
+                                            <p:cond delay="0"/>
+                                          </p:stCondLst>
+                                        </p:cTn>
+                                        <p:tgtEl>
+                                          <p:spTgt spid="6">
+                                            <p:txEl>
+                                              <p:pRg st="3" end="3"/>
+                                            </p:txEl>
+                                          </p:spTgt>
+                                        </p:tgtEl>
+                                        <p:attrNameLst>
+                                          <p:attrName>style.visibility</p:attrName>
+                                        </p:attrNameLst>
+                                      </p:cBhvr>
+                                      <p:to>
+                                        <p:strVal val="visible"/>
+                                      </p:to>
+                                    </p:set>
+                                    <p:anim calcmode="lin" valueType="num">
+                                      <p:cBhvr additive="base">
+                                        <p:cTn id="23" dur="500" fill="hold"/>
+                                        <p:tgtEl>
+                                          <p:spTgt spid="6">
+                                            <p:txEl>
+                                              <p:pRg st="3" end="3"/>
+                                            </p:txEl>
+                                          </p:spTgt>
+                                        </p:tgtEl>
+                                        <p:attrNameLst>
+                                          <p:attrName>ppt_x</p:attrName>
+                                        </p:attrNameLst>
+                                      </p:cBhvr>
+                                      <p:tavLst>
+                                        <p:tav tm="0">
+                                          <p:val>
+                                            <p:strVal val="#ppt_x"/>
+                                          </p:val>
+                                        </p:tav>
+                                        <p:tav tm="100000">
+                                          <p:val>
+                                            <p:strVal val="#ppt_x"/>
+                                          </p:val>
+                                        </p:tav>
+                                      </p:tavLst>
+                                    </p:anim>
+                                    <p:anim calcmode="lin" valueType="num">
+                                      <p:cBhvr additive="base">
+                                        <p:cTn id="24" dur="500" fill="hold"/>
+                                        <p:tgtEl>
+                                          <p:spTgt spid="6">
+                                            <p:txEl>
+                                              <p:pRg st="3" end="3"/>
+                                            </p:txEl>
+                                          </p:spTgt>
+                                        </p:tgtEl>
+                                        <p:attrNameLst>
+                                          <p:attrName>ppt_y</p:attrName>
+                                        </p:attrNameLst>
+                                      </p:cBhvr>
+                                      <p:tavLst>
+                                        <p:tav tm="0">
+                                          <p:val>
+                                            <p:strVal val="1+#ppt_h/2"/>
+                                          </p:val>
+                                        </p:tav>
+                                        <p:tav tm="100000">
+                                          <p:val>
+                                            <p:strVal val="#ppt_y"/>
+                                          </p:val>
+                                        </p:tav>
+                                      </p:tavLst>
+                                    </p:anim>
+                                  </p:childTnLst>
+                                </p:cTn>
+                              </p:par>
                             </p:childTnLst>
                           </p:cTn>
                         </p:par>
@@ -29631,9 +29884,194 @@
   <p:timing>
     <p:tnLst>
       <p:par>
-        <p:cTn id="1" dur="indefinite" restart="never" nodeType="tmRoot"/>
+        <p:cTn id="1" dur="indefinite" restart="never" nodeType="tmRoot">
+          <p:childTnLst>
+            <p:seq concurrent="1" nextAc="seek">
+              <p:cTn id="2" dur="indefinite" nodeType="mainSeq">
+                <p:childTnLst>
+                  <p:par>
+                    <p:cTn id="3" fill="hold">
+                      <p:stCondLst>
+                        <p:cond delay="indefinite"/>
+                      </p:stCondLst>
+                      <p:childTnLst>
+                        <p:par>
+                          <p:cTn id="4" fill="hold">
+                            <p:stCondLst>
+                              <p:cond delay="0"/>
+                            </p:stCondLst>
+                            <p:childTnLst>
+                              <p:par>
+                                <p:cTn id="5" presetID="16" presetClass="entr" presetSubtype="21" fill="hold" nodeType="clickEffect">
+                                  <p:stCondLst>
+                                    <p:cond delay="0"/>
+                                  </p:stCondLst>
+                                  <p:childTnLst>
+                                    <p:set>
+                                      <p:cBhvr>
+                                        <p:cTn id="6" dur="1" fill="hold">
+                                          <p:stCondLst>
+                                            <p:cond delay="0"/>
+                                          </p:stCondLst>
+                                        </p:cTn>
+                                        <p:tgtEl>
+                                          <p:spTgt spid="9"/>
+                                        </p:tgtEl>
+                                        <p:attrNameLst>
+                                          <p:attrName>style.visibility</p:attrName>
+                                        </p:attrNameLst>
+                                      </p:cBhvr>
+                                      <p:to>
+                                        <p:strVal val="visible"/>
+                                      </p:to>
+                                    </p:set>
+                                    <p:animEffect transition="in" filter="barn(inVertical)">
+                                      <p:cBhvr>
+                                        <p:cTn id="7" dur="500"/>
+                                        <p:tgtEl>
+                                          <p:spTgt spid="9"/>
+                                        </p:tgtEl>
+                                      </p:cBhvr>
+                                    </p:animEffect>
+                                  </p:childTnLst>
+                                </p:cTn>
+                              </p:par>
+                              <p:par>
+                                <p:cTn id="8" presetID="16" presetClass="entr" presetSubtype="21" fill="hold" grpId="0" nodeType="withEffect">
+                                  <p:stCondLst>
+                                    <p:cond delay="0"/>
+                                  </p:stCondLst>
+                                  <p:childTnLst>
+                                    <p:set>
+                                      <p:cBhvr>
+                                        <p:cTn id="9" dur="1" fill="hold">
+                                          <p:stCondLst>
+                                            <p:cond delay="0"/>
+                                          </p:stCondLst>
+                                        </p:cTn>
+                                        <p:tgtEl>
+                                          <p:spTgt spid="10"/>
+                                        </p:tgtEl>
+                                        <p:attrNameLst>
+                                          <p:attrName>style.visibility</p:attrName>
+                                        </p:attrNameLst>
+                                      </p:cBhvr>
+                                      <p:to>
+                                        <p:strVal val="visible"/>
+                                      </p:to>
+                                    </p:set>
+                                    <p:animEffect transition="in" filter="barn(inVertical)">
+                                      <p:cBhvr>
+                                        <p:cTn id="10" dur="500"/>
+                                        <p:tgtEl>
+                                          <p:spTgt spid="10"/>
+                                        </p:tgtEl>
+                                      </p:cBhvr>
+                                    </p:animEffect>
+                                  </p:childTnLst>
+                                </p:cTn>
+                              </p:par>
+                              <p:par>
+                                <p:cTn id="11" presetID="16" presetClass="entr" presetSubtype="21" fill="hold" grpId="0" nodeType="withEffect">
+                                  <p:stCondLst>
+                                    <p:cond delay="0"/>
+                                  </p:stCondLst>
+                                  <p:childTnLst>
+                                    <p:set>
+                                      <p:cBhvr>
+                                        <p:cTn id="12" dur="1" fill="hold">
+                                          <p:stCondLst>
+                                            <p:cond delay="0"/>
+                                          </p:stCondLst>
+                                        </p:cTn>
+                                        <p:tgtEl>
+                                          <p:spTgt spid="11"/>
+                                        </p:tgtEl>
+                                        <p:attrNameLst>
+                                          <p:attrName>style.visibility</p:attrName>
+                                        </p:attrNameLst>
+                                      </p:cBhvr>
+                                      <p:to>
+                                        <p:strVal val="visible"/>
+                                      </p:to>
+                                    </p:set>
+                                    <p:animEffect transition="in" filter="barn(inVertical)">
+                                      <p:cBhvr>
+                                        <p:cTn id="13" dur="500"/>
+                                        <p:tgtEl>
+                                          <p:spTgt spid="11"/>
+                                        </p:tgtEl>
+                                      </p:cBhvr>
+                                    </p:animEffect>
+                                  </p:childTnLst>
+                                </p:cTn>
+                              </p:par>
+                              <p:par>
+                                <p:cTn id="14" presetID="16" presetClass="entr" presetSubtype="21" fill="hold" nodeType="withEffect">
+                                  <p:stCondLst>
+                                    <p:cond delay="0"/>
+                                  </p:stCondLst>
+                                  <p:childTnLst>
+                                    <p:set>
+                                      <p:cBhvr>
+                                        <p:cTn id="15" dur="1" fill="hold">
+                                          <p:stCondLst>
+                                            <p:cond delay="0"/>
+                                          </p:stCondLst>
+                                        </p:cTn>
+                                        <p:tgtEl>
+                                          <p:spTgt spid="8"/>
+                                        </p:tgtEl>
+                                        <p:attrNameLst>
+                                          <p:attrName>style.visibility</p:attrName>
+                                        </p:attrNameLst>
+                                      </p:cBhvr>
+                                      <p:to>
+                                        <p:strVal val="visible"/>
+                                      </p:to>
+                                    </p:set>
+                                    <p:animEffect transition="in" filter="barn(inVertical)">
+                                      <p:cBhvr>
+                                        <p:cTn id="16" dur="500"/>
+                                        <p:tgtEl>
+                                          <p:spTgt spid="8"/>
+                                        </p:tgtEl>
+                                      </p:cBhvr>
+                                    </p:animEffect>
+                                  </p:childTnLst>
+                                </p:cTn>
+                              </p:par>
+                            </p:childTnLst>
+                          </p:cTn>
+                        </p:par>
+                      </p:childTnLst>
+                    </p:cTn>
+                  </p:par>
+                </p:childTnLst>
+              </p:cTn>
+              <p:prevCondLst>
+                <p:cond evt="onPrev" delay="0">
+                  <p:tgtEl>
+                    <p:sldTgt/>
+                  </p:tgtEl>
+                </p:cond>
+              </p:prevCondLst>
+              <p:nextCondLst>
+                <p:cond evt="onNext" delay="0">
+                  <p:tgtEl>
+                    <p:sldTgt/>
+                  </p:tgtEl>
+                </p:cond>
+              </p:nextCondLst>
+            </p:seq>
+          </p:childTnLst>
+        </p:cTn>
       </p:par>
     </p:tnLst>
+    <p:bldLst>
+      <p:bldP spid="10" grpId="0" animBg="1"/>
+      <p:bldP spid="11" grpId="0" animBg="1"/>
+    </p:bldLst>
   </p:timing>
 </p:sld>
 </file>
@@ -29754,7 +30192,7 @@
         </p:nvSpPr>
         <p:spPr>
           <a:xfrm>
-            <a:off x="2367693" y="4204791"/>
+            <a:off x="2367693" y="3468520"/>
             <a:ext cx="5180508" cy="618135"/>
           </a:xfrm>
           <a:prstGeom prst="roundRect">
@@ -29820,6 +30258,50 @@
           </a:prstGeom>
         </p:spPr>
       </p:pic>
+      <p:sp>
+        <p:nvSpPr>
+          <p:cNvPr id="6" name="Rounded Rectangle 5"/>
+          <p:cNvSpPr/>
+          <p:nvPr/>
+        </p:nvSpPr>
+        <p:spPr>
+          <a:xfrm>
+            <a:off x="2367693" y="4405745"/>
+            <a:ext cx="5180508" cy="724395"/>
+          </a:xfrm>
+          <a:prstGeom prst="roundRect">
+            <a:avLst/>
+          </a:prstGeom>
+        </p:spPr>
+        <p:style>
+          <a:lnRef idx="2">
+            <a:schemeClr val="accent1">
+              <a:shade val="50000"/>
+            </a:schemeClr>
+          </a:lnRef>
+          <a:fillRef idx="1">
+            <a:schemeClr val="accent1"/>
+          </a:fillRef>
+          <a:effectRef idx="0">
+            <a:schemeClr val="accent1"/>
+          </a:effectRef>
+          <a:fontRef idx="minor">
+            <a:schemeClr val="lt1"/>
+          </a:fontRef>
+        </p:style>
+        <p:txBody>
+          <a:bodyPr rtlCol="0" anchor="ctr"/>
+          <a:lstStyle/>
+          <a:p>
+            <a:pPr algn="ctr"/>
+            <a:r>
+              <a:rPr lang="en-US" dirty="0" smtClean="0"/>
+              <a:t>Implementing simplex algorithm</a:t>
+            </a:r>
+            <a:endParaRPr lang="en-SG" dirty="0"/>
+          </a:p>
+        </p:txBody>
+      </p:sp>
     </p:spTree>
     <p:extLst>
       <p:ext uri="{BB962C8B-B14F-4D97-AF65-F5344CB8AC3E}">
@@ -29996,6 +30478,79 @@
                                   </p:childTnLst>
                                 </p:cTn>
                               </p:par>
+                              <p:par>
+                                <p:cTn id="13" presetID="2" presetClass="entr" presetSubtype="4" fill="hold" grpId="0" nodeType="withEffect">
+                                  <p:stCondLst>
+                                    <p:cond delay="0"/>
+                                  </p:stCondLst>
+                                  <p:childTnLst>
+                                    <p:set>
+                                      <p:cBhvr>
+                                        <p:cTn id="14" dur="1" fill="hold">
+                                          <p:stCondLst>
+                                            <p:cond delay="0"/>
+                                          </p:stCondLst>
+                                        </p:cTn>
+                                        <p:tgtEl>
+                                          <p:spTgt spid="6"/>
+                                        </p:tgtEl>
+                                        <p:attrNameLst>
+                                          <p:attrName>style.visibility</p:attrName>
+                                        </p:attrNameLst>
+                                      </p:cBhvr>
+                                      <p:to>
+                                        <p:strVal val="visible"/>
+                                      </p:to>
+                                    </p:set>
+                                    <p:anim calcmode="lin" valueType="num">
+                                      <p:cBhvr additive="base">
+                                        <p:cTn id="15" dur="500" fill="hold"/>
+                                        <p:tgtEl>
+                                          <p:spTgt spid="6"/>
+                                        </p:tgtEl>
+                                        <p:attrNameLst>
+                                          <p:attrName>ppt_x</p:attrName>
+                                        </p:attrNameLst>
+                                      </p:cBhvr>
+                                      <p:tavLst>
+                                        <p:tav tm="0">
+                                          <p:val>
+                                            <p:strVal val="#ppt_x"/>
+                                          </p:val>
+                                        </p:tav>
+                                        <p:tav tm="100000">
+                                          <p:val>
+                                            <p:strVal val="#ppt_x"/>
+                                          </p:val>
+                                        </p:tav>
+                                      </p:tavLst>
+                                    </p:anim>
+                                    <p:anim calcmode="lin" valueType="num">
+                                      <p:cBhvr additive="base">
+                                        <p:cTn id="16" dur="500" fill="hold"/>
+                                        <p:tgtEl>
+                                          <p:spTgt spid="6"/>
+                                        </p:tgtEl>
+                                        <p:attrNameLst>
+                                          <p:attrName>ppt_y</p:attrName>
+                                        </p:attrNameLst>
+                                      </p:cBhvr>
+                                      <p:tavLst>
+                                        <p:tav tm="0">
+                                          <p:val>
+                                            <p:strVal val="1+#ppt_h/2"/>
+                                          </p:val>
+                                        </p:tav>
+                                        <p:tav tm="100000">
+                                          <p:val>
+                                            <p:strVal val="#ppt_y"/>
+                                          </p:val>
+                                        </p:tav>
+                                      </p:tavLst>
+                                    </p:anim>
+                                  </p:childTnLst>
+                                </p:cTn>
+                              </p:par>
                             </p:childTnLst>
                           </p:cTn>
                         </p:par>
@@ -30026,6 +30581,7 @@
     <p:bldLst>
       <p:bldP spid="8" grpId="0" animBg="1"/>
       <p:bldP spid="10" grpId="0" animBg="1"/>
+      <p:bldP spid="6" grpId="0" animBg="1"/>
     </p:bldLst>
   </p:timing>
 </p:sld>
@@ -30053,7 +30609,7 @@
           <p:cNvPr id="2" name="Title 1">
             <a:extLst>
               <a:ext uri="{FF2B5EF4-FFF2-40B4-BE49-F238E27FC236}">
-                <a16:creationId xmlns:a16="http://schemas.microsoft.com/office/drawing/2014/main" xmlns="" id="{15EF3108-F5A2-403C-9731-6A385F03907F}"/>
+                <a16:creationId xmlns="" xmlns:a16="http://schemas.microsoft.com/office/drawing/2014/main" id="{15EF3108-F5A2-403C-9731-6A385F03907F}"/>
               </a:ext>
             </a:extLst>
           </p:cNvPr>
@@ -30081,7 +30637,7 @@
           <p:cNvPr id="3" name="Slide Number Placeholder 2">
             <a:extLst>
               <a:ext uri="{FF2B5EF4-FFF2-40B4-BE49-F238E27FC236}">
-                <a16:creationId xmlns:a16="http://schemas.microsoft.com/office/drawing/2014/main" xmlns="" id="{ABB44B24-674E-4F6C-A26A-95F279009B65}"/>
+                <a16:creationId xmlns="" xmlns:a16="http://schemas.microsoft.com/office/drawing/2014/main" id="{ABB44B24-674E-4F6C-A26A-95F279009B65}"/>
               </a:ext>
             </a:extLst>
           </p:cNvPr>
@@ -30111,7 +30667,7 @@
           <p:cNvPr id="6" name="Content Placeholder 5">
             <a:extLst>
               <a:ext uri="{FF2B5EF4-FFF2-40B4-BE49-F238E27FC236}">
-                <a16:creationId xmlns:a16="http://schemas.microsoft.com/office/drawing/2014/main" xmlns="" id="{6BAC4DEC-08DB-451F-91F6-1A00C0EC0C42}"/>
+                <a16:creationId xmlns="" xmlns:a16="http://schemas.microsoft.com/office/drawing/2014/main" id="{6BAC4DEC-08DB-451F-91F6-1A00C0EC0C42}"/>
               </a:ext>
             </a:extLst>
           </p:cNvPr>
@@ -30155,7 +30711,13 @@
               <a:rPr lang="en-US" sz="1600" dirty="0" smtClean="0">
                 <a:latin typeface="+mn-lt"/>
               </a:rPr>
-              <a:t>(only 2D equation)</a:t>
+              <a:t>(only 2D </a:t>
+            </a:r>
+            <a:r>
+              <a:rPr lang="en-US" sz="1600" smtClean="0">
+                <a:latin typeface="+mn-lt"/>
+              </a:rPr>
+              <a:t>dimention)</a:t>
             </a:r>
             <a:endParaRPr lang="en-US" sz="1600" dirty="0">
               <a:latin typeface="+mn-lt"/>
@@ -30171,7 +30733,15 @@
             </a:pPr>
             <a:r>
               <a:rPr lang="en-US" dirty="0"/>
-              <a:t>Try to find all real and rational solutions of the polynomial </a:t>
+              <a:t>Try to find </a:t>
+            </a:r>
+            <a:r>
+              <a:rPr lang="en-US" dirty="0" smtClean="0"/>
+              <a:t>real </a:t>
+            </a:r>
+            <a:r>
+              <a:rPr lang="en-US" dirty="0"/>
+              <a:t>and rational solutions of the polynomial </a:t>
             </a:r>
             <a:r>
               <a:rPr lang="en-US" dirty="0" smtClean="0"/>
@@ -30204,8 +30774,20 @@
               <a:buChar char="ü"/>
             </a:pPr>
             <a:r>
+              <a:rPr lang="en-US" dirty="0" smtClean="0"/>
+              <a:t>Implement </a:t>
+            </a:r>
+            <a:r>
               <a:rPr lang="en-US" dirty="0"/>
-              <a:t>Use the Big M method for linear </a:t>
+              <a:t>the Big </a:t>
+            </a:r>
+            <a:r>
+              <a:rPr lang="en-US" dirty="0" smtClean="0"/>
+              <a:t>M method algorithm </a:t>
+            </a:r>
+            <a:r>
+              <a:rPr lang="en-US" dirty="0"/>
+              <a:t>for linear </a:t>
             </a:r>
             <a:r>
               <a:rPr lang="en-US" dirty="0" smtClean="0"/>
@@ -30303,7 +30885,7 @@
                             </p:stCondLst>
                             <p:childTnLst>
                               <p:par>
-                                <p:cTn id="5" presetID="2" presetClass="entr" presetSubtype="4" fill="hold" grpId="0" nodeType="clickEffect">
+                                <p:cTn id="5" presetID="42" presetClass="entr" presetSubtype="0" fill="hold" grpId="0" nodeType="clickEffect">
                                   <p:stCondLst>
                                     <p:cond delay="0"/>
                                   </p:stCondLst>
@@ -30330,9 +30912,21 @@
                                         <p:strVal val="visible"/>
                                       </p:to>
                                     </p:set>
+                                    <p:animEffect transition="in" filter="fade">
+                                      <p:cBhvr>
+                                        <p:cTn id="7" dur="500"/>
+                                        <p:tgtEl>
+                                          <p:spTgt spid="6">
+                                            <p:txEl>
+                                              <p:pRg st="0" end="0"/>
+                                            </p:txEl>
+                                          </p:spTgt>
+                                        </p:tgtEl>
+                                      </p:cBhvr>
+                                    </p:animEffect>
                                     <p:anim calcmode="lin" valueType="num">
-                                      <p:cBhvr additive="base">
-                                        <p:cTn id="7" dur="500" fill="hold"/>
+                                      <p:cBhvr>
+                                        <p:cTn id="8" dur="500" fill="hold"/>
                                         <p:tgtEl>
                                           <p:spTgt spid="6">
                                             <p:txEl>
@@ -30358,8 +30952,8 @@
                                       </p:tavLst>
                                     </p:anim>
                                     <p:anim calcmode="lin" valueType="num">
-                                      <p:cBhvr additive="base">
-                                        <p:cTn id="8" dur="500" fill="hold"/>
+                                      <p:cBhvr>
+                                        <p:cTn id="9" dur="500" fill="hold"/>
                                         <p:tgtEl>
                                           <p:spTgt spid="6">
                                             <p:txEl>
@@ -30374,7 +30968,7 @@
                                       <p:tavLst>
                                         <p:tav tm="0">
                                           <p:val>
-                                            <p:strVal val="1+#ppt_h/2"/>
+                                            <p:strVal val="#ppt_y+.1"/>
                                           </p:val>
                                         </p:tav>
                                         <p:tav tm="100000">
@@ -30388,14 +30982,14 @@
                                 </p:cTn>
                               </p:par>
                               <p:par>
-                                <p:cTn id="9" presetID="2" presetClass="entr" presetSubtype="4" fill="hold" grpId="0" nodeType="withEffect">
+                                <p:cTn id="10" presetID="42" presetClass="entr" presetSubtype="0" fill="hold" grpId="0" nodeType="withEffect">
                                   <p:stCondLst>
                                     <p:cond delay="0"/>
                                   </p:stCondLst>
                                   <p:childTnLst>
                                     <p:set>
                                       <p:cBhvr>
-                                        <p:cTn id="10" dur="1" fill="hold">
+                                        <p:cTn id="11" dur="1" fill="hold">
                                           <p:stCondLst>
                                             <p:cond delay="0"/>
                                           </p:stCondLst>
@@ -30415,9 +31009,21 @@
                                         <p:strVal val="visible"/>
                                       </p:to>
                                     </p:set>
+                                    <p:animEffect transition="in" filter="fade">
+                                      <p:cBhvr>
+                                        <p:cTn id="12" dur="500"/>
+                                        <p:tgtEl>
+                                          <p:spTgt spid="6">
+                                            <p:txEl>
+                                              <p:pRg st="1" end="1"/>
+                                            </p:txEl>
+                                          </p:spTgt>
+                                        </p:tgtEl>
+                                      </p:cBhvr>
+                                    </p:animEffect>
                                     <p:anim calcmode="lin" valueType="num">
-                                      <p:cBhvr additive="base">
-                                        <p:cTn id="11" dur="500" fill="hold"/>
+                                      <p:cBhvr>
+                                        <p:cTn id="13" dur="500" fill="hold"/>
                                         <p:tgtEl>
                                           <p:spTgt spid="6">
                                             <p:txEl>
@@ -30443,8 +31049,8 @@
                                       </p:tavLst>
                                     </p:anim>
                                     <p:anim calcmode="lin" valueType="num">
-                                      <p:cBhvr additive="base">
-                                        <p:cTn id="12" dur="500" fill="hold"/>
+                                      <p:cBhvr>
+                                        <p:cTn id="14" dur="500" fill="hold"/>
                                         <p:tgtEl>
                                           <p:spTgt spid="6">
                                             <p:txEl>
@@ -30459,7 +31065,7 @@
                                       <p:tavLst>
                                         <p:tav tm="0">
                                           <p:val>
-                                            <p:strVal val="1+#ppt_h/2"/>
+                                            <p:strVal val="#ppt_y+.1"/>
                                           </p:val>
                                         </p:tav>
                                         <p:tav tm="100000">
@@ -30473,14 +31079,14 @@
                                 </p:cTn>
                               </p:par>
                               <p:par>
-                                <p:cTn id="13" presetID="2" presetClass="entr" presetSubtype="4" fill="hold" grpId="0" nodeType="withEffect">
+                                <p:cTn id="15" presetID="42" presetClass="entr" presetSubtype="0" fill="hold" grpId="0" nodeType="withEffect">
                                   <p:stCondLst>
                                     <p:cond delay="0"/>
                                   </p:stCondLst>
                                   <p:childTnLst>
                                     <p:set>
                                       <p:cBhvr>
-                                        <p:cTn id="14" dur="1" fill="hold">
+                                        <p:cTn id="16" dur="1" fill="hold">
                                           <p:stCondLst>
                                             <p:cond delay="0"/>
                                           </p:stCondLst>
@@ -30500,9 +31106,21 @@
                                         <p:strVal val="visible"/>
                                       </p:to>
                                     </p:set>
+                                    <p:animEffect transition="in" filter="fade">
+                                      <p:cBhvr>
+                                        <p:cTn id="17" dur="500"/>
+                                        <p:tgtEl>
+                                          <p:spTgt spid="6">
+                                            <p:txEl>
+                                              <p:pRg st="2" end="2"/>
+                                            </p:txEl>
+                                          </p:spTgt>
+                                        </p:tgtEl>
+                                      </p:cBhvr>
+                                    </p:animEffect>
                                     <p:anim calcmode="lin" valueType="num">
-                                      <p:cBhvr additive="base">
-                                        <p:cTn id="15" dur="500" fill="hold"/>
+                                      <p:cBhvr>
+                                        <p:cTn id="18" dur="500" fill="hold"/>
                                         <p:tgtEl>
                                           <p:spTgt spid="6">
                                             <p:txEl>
@@ -30528,8 +31146,8 @@
                                       </p:tavLst>
                                     </p:anim>
                                     <p:anim calcmode="lin" valueType="num">
-                                      <p:cBhvr additive="base">
-                                        <p:cTn id="16" dur="500" fill="hold"/>
+                                      <p:cBhvr>
+                                        <p:cTn id="19" dur="500" fill="hold"/>
                                         <p:tgtEl>
                                           <p:spTgt spid="6">
                                             <p:txEl>
@@ -30544,7 +31162,7 @@
                                       <p:tavLst>
                                         <p:tav tm="0">
                                           <p:val>
-                                            <p:strVal val="1+#ppt_h/2"/>
+                                            <p:strVal val="#ppt_y+.1"/>
                                           </p:val>
                                         </p:tav>
                                         <p:tav tm="100000">
@@ -30558,14 +31176,14 @@
                                 </p:cTn>
                               </p:par>
                               <p:par>
-                                <p:cTn id="17" presetID="2" presetClass="entr" presetSubtype="4" fill="hold" grpId="0" nodeType="withEffect">
+                                <p:cTn id="20" presetID="42" presetClass="entr" presetSubtype="0" fill="hold" grpId="0" nodeType="withEffect">
                                   <p:stCondLst>
                                     <p:cond delay="0"/>
                                   </p:stCondLst>
                                   <p:childTnLst>
                                     <p:set>
                                       <p:cBhvr>
-                                        <p:cTn id="18" dur="1" fill="hold">
+                                        <p:cTn id="21" dur="1" fill="hold">
                                           <p:stCondLst>
                                             <p:cond delay="0"/>
                                           </p:stCondLst>
@@ -30585,9 +31203,21 @@
                                         <p:strVal val="visible"/>
                                       </p:to>
                                     </p:set>
+                                    <p:animEffect transition="in" filter="fade">
+                                      <p:cBhvr>
+                                        <p:cTn id="22" dur="500"/>
+                                        <p:tgtEl>
+                                          <p:spTgt spid="6">
+                                            <p:txEl>
+                                              <p:pRg st="3" end="3"/>
+                                            </p:txEl>
+                                          </p:spTgt>
+                                        </p:tgtEl>
+                                      </p:cBhvr>
+                                    </p:animEffect>
                                     <p:anim calcmode="lin" valueType="num">
-                                      <p:cBhvr additive="base">
-                                        <p:cTn id="19" dur="500" fill="hold"/>
+                                      <p:cBhvr>
+                                        <p:cTn id="23" dur="500" fill="hold"/>
                                         <p:tgtEl>
                                           <p:spTgt spid="6">
                                             <p:txEl>
@@ -30613,8 +31243,8 @@
                                       </p:tavLst>
                                     </p:anim>
                                     <p:anim calcmode="lin" valueType="num">
-                                      <p:cBhvr additive="base">
-                                        <p:cTn id="20" dur="500" fill="hold"/>
+                                      <p:cBhvr>
+                                        <p:cTn id="24" dur="500" fill="hold"/>
                                         <p:tgtEl>
                                           <p:spTgt spid="6">
                                             <p:txEl>
@@ -30629,7 +31259,7 @@
                                       <p:tavLst>
                                         <p:tav tm="0">
                                           <p:val>
-                                            <p:strVal val="1+#ppt_h/2"/>
+                                            <p:strVal val="#ppt_y+.1"/>
                                           </p:val>
                                         </p:tav>
                                         <p:tav tm="100000">
@@ -30643,14 +31273,14 @@
                                 </p:cTn>
                               </p:par>
                               <p:par>
-                                <p:cTn id="21" presetID="2" presetClass="entr" presetSubtype="4" fill="hold" grpId="0" nodeType="withEffect">
+                                <p:cTn id="25" presetID="42" presetClass="entr" presetSubtype="0" fill="hold" grpId="0" nodeType="withEffect">
                                   <p:stCondLst>
                                     <p:cond delay="0"/>
                                   </p:stCondLst>
                                   <p:childTnLst>
                                     <p:set>
                                       <p:cBhvr>
-                                        <p:cTn id="22" dur="1" fill="hold">
+                                        <p:cTn id="26" dur="1" fill="hold">
                                           <p:stCondLst>
                                             <p:cond delay="0"/>
                                           </p:stCondLst>
@@ -30670,9 +31300,21 @@
                                         <p:strVal val="visible"/>
                                       </p:to>
                                     </p:set>
+                                    <p:animEffect transition="in" filter="fade">
+                                      <p:cBhvr>
+                                        <p:cTn id="27" dur="500"/>
+                                        <p:tgtEl>
+                                          <p:spTgt spid="6">
+                                            <p:txEl>
+                                              <p:pRg st="4" end="4"/>
+                                            </p:txEl>
+                                          </p:spTgt>
+                                        </p:tgtEl>
+                                      </p:cBhvr>
+                                    </p:animEffect>
                                     <p:anim calcmode="lin" valueType="num">
-                                      <p:cBhvr additive="base">
-                                        <p:cTn id="23" dur="500" fill="hold"/>
+                                      <p:cBhvr>
+                                        <p:cTn id="28" dur="500" fill="hold"/>
                                         <p:tgtEl>
                                           <p:spTgt spid="6">
                                             <p:txEl>
@@ -30698,8 +31340,8 @@
                                       </p:tavLst>
                                     </p:anim>
                                     <p:anim calcmode="lin" valueType="num">
-                                      <p:cBhvr additive="base">
-                                        <p:cTn id="24" dur="500" fill="hold"/>
+                                      <p:cBhvr>
+                                        <p:cTn id="29" dur="500" fill="hold"/>
                                         <p:tgtEl>
                                           <p:spTgt spid="6">
                                             <p:txEl>
@@ -30714,7 +31356,7 @@
                                       <p:tavLst>
                                         <p:tav tm="0">
                                           <p:val>
-                                            <p:strVal val="1+#ppt_h/2"/>
+                                            <p:strVal val="#ppt_y+.1"/>
                                           </p:val>
                                         </p:tav>
                                         <p:tav tm="100000">
@@ -31553,6 +32195,23 @@
 </file>
 
 <file path=customXml/item1.xml><?xml version="1.0" encoding="utf-8"?>
+<p:properties xmlns:p="http://schemas.microsoft.com/office/2006/metadata/properties" xmlns:xsi="http://www.w3.org/2001/XMLSchema-instance" xmlns:pc="http://schemas.microsoft.com/office/infopath/2007/PartnerControls">
+  <documentManagement>
+    <MediaServiceKeyPoints xmlns="71af3243-3dd4-4a8d-8c0d-dd76da1f02a5" xsi:nil="true"/>
+  </documentManagement>
+</p:properties>
+</file>
+
+<file path=customXml/item2.xml><?xml version="1.0" encoding="utf-8"?>
+<?mso-contentType ?>
+<FormTemplates xmlns="http://schemas.microsoft.com/sharepoint/v3/contenttype/forms">
+  <Display>DocumentLibraryForm</Display>
+  <Edit>DocumentLibraryForm</Edit>
+  <New>DocumentLibraryForm</New>
+</FormTemplates>
+</file>
+
+<file path=customXml/item3.xml><?xml version="1.0" encoding="utf-8"?>
 <ct:contentTypeSchema xmlns:ct="http://schemas.microsoft.com/office/2006/metadata/contentType" xmlns:ma="http://schemas.microsoft.com/office/2006/metadata/properties/metaAttributes" ct:_="" ma:_="" ma:contentTypeName="Document" ma:contentTypeID="0x01010079F111ED35F8CC479449609E8A0923A6" ma:contentTypeVersion="11" ma:contentTypeDescription="Create a new document." ma:contentTypeScope="" ma:versionID="96291512c1ee715ab617f4c07df79fc1">
   <xsd:schema xmlns:xsd="http://www.w3.org/2001/XMLSchema" xmlns:xs="http://www.w3.org/2001/XMLSchema" xmlns:p="http://schemas.microsoft.com/office/2006/metadata/properties" xmlns:ns2="71af3243-3dd4-4a8d-8c0d-dd76da1f02a5" xmlns:ns3="16c05727-aa75-4e4a-9b5f-8a80a1165891" targetNamespace="http://schemas.microsoft.com/office/2006/metadata/properties" ma:root="true" ma:fieldsID="8256c27c40ca5c40ce1cf6c44f0205df" ns2:_="" ns3:_="">
     <xsd:import namespace="71af3243-3dd4-4a8d-8c0d-dd76da1f02a5"/>
@@ -31763,24 +32422,25 @@
 </ct:contentTypeSchema>
 </file>
 
-<file path=customXml/item2.xml><?xml version="1.0" encoding="utf-8"?>
-<?mso-contentType ?>
-<FormTemplates xmlns="http://schemas.microsoft.com/sharepoint/v3/contenttype/forms">
-  <Display>DocumentLibraryForm</Display>
-  <Edit>DocumentLibraryForm</Edit>
-  <New>DocumentLibraryForm</New>
-</FormTemplates>
+<file path=customXml/itemProps1.xml><?xml version="1.0" encoding="utf-8"?>
+<ds:datastoreItem xmlns:ds="http://schemas.openxmlformats.org/officeDocument/2006/customXml" ds:itemID="{F5757914-1161-4661-9696-421FD6935CDD}">
+  <ds:schemaRefs>
+    <ds:schemaRef ds:uri="http://schemas.microsoft.com/office/2006/metadata/properties"/>
+    <ds:schemaRef ds:uri="http://schemas.microsoft.com/office/infopath/2007/PartnerControls"/>
+    <ds:schemaRef ds:uri="71af3243-3dd4-4a8d-8c0d-dd76da1f02a5"/>
+  </ds:schemaRefs>
+</ds:datastoreItem>
 </file>
 
-<file path=customXml/item3.xml><?xml version="1.0" encoding="utf-8"?>
-<p:properties xmlns:p="http://schemas.microsoft.com/office/2006/metadata/properties" xmlns:xsi="http://www.w3.org/2001/XMLSchema-instance" xmlns:pc="http://schemas.microsoft.com/office/infopath/2007/PartnerControls">
-  <documentManagement>
-    <MediaServiceKeyPoints xmlns="71af3243-3dd4-4a8d-8c0d-dd76da1f02a5" xsi:nil="true"/>
-  </documentManagement>
-</p:properties>
+<file path=customXml/itemProps2.xml><?xml version="1.0" encoding="utf-8"?>
+<ds:datastoreItem xmlns:ds="http://schemas.openxmlformats.org/officeDocument/2006/customXml" ds:itemID="{5B26E0C9-B2AA-42E6-97B6-E1B7D9EAF129}">
+  <ds:schemaRefs>
+    <ds:schemaRef ds:uri="http://schemas.microsoft.com/sharepoint/v3/contenttype/forms"/>
+  </ds:schemaRefs>
+</ds:datastoreItem>
 </file>
 
-<file path=customXml/itemProps1.xml><?xml version="1.0" encoding="utf-8"?>
+<file path=customXml/itemProps3.xml><?xml version="1.0" encoding="utf-8"?>
 <ds:datastoreItem xmlns:ds="http://schemas.openxmlformats.org/officeDocument/2006/customXml" ds:itemID="{4C103400-4A22-4E35-B588-4C4D42638959}">
   <ds:schemaRefs>
     <ds:schemaRef ds:uri="http://schemas.microsoft.com/office/2006/metadata/contentType"/>
@@ -31797,22 +32457,4 @@
     <ds:schemaRef ds:uri="http://schemas.microsoft.com/internal/obd"/>
   </ds:schemaRefs>
 </ds:datastoreItem>
-</file>
-
-<file path=customXml/itemProps2.xml><?xml version="1.0" encoding="utf-8"?>
-<ds:datastoreItem xmlns:ds="http://schemas.openxmlformats.org/officeDocument/2006/customXml" ds:itemID="{5B26E0C9-B2AA-42E6-97B6-E1B7D9EAF129}">
-  <ds:schemaRefs>
-    <ds:schemaRef ds:uri="http://schemas.microsoft.com/sharepoint/v3/contenttype/forms"/>
-  </ds:schemaRefs>
-</ds:datastoreItem>
-</file>
-
-<file path=customXml/itemProps3.xml><?xml version="1.0" encoding="utf-8"?>
-<ds:datastoreItem xmlns:ds="http://schemas.openxmlformats.org/officeDocument/2006/customXml" ds:itemID="{F5757914-1161-4661-9696-421FD6935CDD}">
-  <ds:schemaRefs>
-    <ds:schemaRef ds:uri="http://schemas.microsoft.com/office/2006/metadata/properties"/>
-    <ds:schemaRef ds:uri="http://schemas.microsoft.com/office/infopath/2007/PartnerControls"/>
-    <ds:schemaRef ds:uri="71af3243-3dd4-4a8d-8c0d-dd76da1f02a5"/>
-  </ds:schemaRefs>
-</ds:datastoreItem>
 </file>
--- a/SOFTWARE PROJECT LAB-1.pptx
+++ b/SOFTWARE PROJECT LAB-1.pptx
@@ -27848,6 +27848,36 @@
           </a:p>
         </p:txBody>
       </p:sp>
+      <p:pic>
+        <p:nvPicPr>
+          <p:cNvPr id="3" name="Picture 2"/>
+          <p:cNvPicPr>
+            <a:picLocks noChangeAspect="1"/>
+          </p:cNvPicPr>
+          <p:nvPr/>
+        </p:nvPicPr>
+        <p:blipFill>
+          <a:blip r:embed="rId2">
+            <a:extLst>
+              <a:ext uri="{28A0092B-C50C-407E-A947-70E740481C1C}">
+                <a14:useLocalDpi xmlns:a14="http://schemas.microsoft.com/office/drawing/2010/main" val="0"/>
+              </a:ext>
+            </a:extLst>
+          </a:blip>
+          <a:stretch>
+            <a:fillRect/>
+          </a:stretch>
+        </p:blipFill>
+        <p:spPr>
+          <a:xfrm>
+            <a:off x="8850765" y="1438657"/>
+            <a:ext cx="2163928" cy="2313508"/>
+          </a:xfrm>
+          <a:prstGeom prst="rect">
+            <a:avLst/>
+          </a:prstGeom>
+        </p:spPr>
+      </p:pic>
     </p:spTree>
     <p:extLst>
       <p:ext uri="{BB962C8B-B14F-4D97-AF65-F5344CB8AC3E}">
@@ -27891,7 +27921,7 @@
                             </p:stCondLst>
                             <p:childTnLst>
                               <p:par>
-                                <p:cTn id="5" presetID="42" presetClass="entr" presetSubtype="0" fill="hold" nodeType="clickEffect">
+                                <p:cTn id="5" presetID="42" presetClass="entr" presetSubtype="0" fill="hold" grpId="0" nodeType="clickEffect">
                                   <p:stCondLst>
                                     <p:cond delay="0"/>
                                   </p:stCondLst>
@@ -27988,7 +28018,7 @@
                                 </p:cTn>
                               </p:par>
                               <p:par>
-                                <p:cTn id="10" presetID="42" presetClass="entr" presetSubtype="0" fill="hold" nodeType="withEffect">
+                                <p:cTn id="10" presetID="42" presetClass="entr" presetSubtype="0" fill="hold" grpId="0" nodeType="withEffect">
                                   <p:stCondLst>
                                     <p:cond delay="0"/>
                                   </p:stCondLst>
@@ -28085,7 +28115,7 @@
                                 </p:cTn>
                               </p:par>
                               <p:par>
-                                <p:cTn id="15" presetID="42" presetClass="entr" presetSubtype="0" fill="hold" nodeType="withEffect">
+                                <p:cTn id="15" presetID="42" presetClass="entr" presetSubtype="0" fill="hold" grpId="0" nodeType="withEffect">
                                   <p:stCondLst>
                                     <p:cond delay="0"/>
                                   </p:stCondLst>
@@ -28182,7 +28212,7 @@
                                 </p:cTn>
                               </p:par>
                               <p:par>
-                                <p:cTn id="20" presetID="42" presetClass="entr" presetSubtype="0" fill="hold" nodeType="withEffect">
+                                <p:cTn id="20" presetID="42" presetClass="entr" presetSubtype="0" fill="hold" grpId="0" nodeType="withEffect">
                                   <p:stCondLst>
                                     <p:cond delay="0"/>
                                   </p:stCondLst>
@@ -28279,7 +28309,7 @@
                                 </p:cTn>
                               </p:par>
                               <p:par>
-                                <p:cTn id="25" presetID="42" presetClass="entr" presetSubtype="0" fill="hold" nodeType="withEffect">
+                                <p:cTn id="25" presetID="42" presetClass="entr" presetSubtype="0" fill="hold" grpId="0" nodeType="withEffect">
                                   <p:stCondLst>
                                     <p:cond delay="0"/>
                                   </p:stCondLst>
@@ -28375,6 +28405,41 @@
                                   </p:childTnLst>
                                 </p:cTn>
                               </p:par>
+                              <p:par>
+                                <p:cTn id="30" presetID="16" presetClass="entr" presetSubtype="21" fill="hold" nodeType="withEffect">
+                                  <p:stCondLst>
+                                    <p:cond delay="0"/>
+                                  </p:stCondLst>
+                                  <p:childTnLst>
+                                    <p:set>
+                                      <p:cBhvr>
+                                        <p:cTn id="31" dur="1" fill="hold">
+                                          <p:stCondLst>
+                                            <p:cond delay="0"/>
+                                          </p:stCondLst>
+                                        </p:cTn>
+                                        <p:tgtEl>
+                                          <p:spTgt spid="3"/>
+                                        </p:tgtEl>
+                                        <p:attrNameLst>
+                                          <p:attrName>style.visibility</p:attrName>
+                                        </p:attrNameLst>
+                                      </p:cBhvr>
+                                      <p:to>
+                                        <p:strVal val="visible"/>
+                                      </p:to>
+                                    </p:set>
+                                    <p:animEffect transition="in" filter="barn(inVertical)">
+                                      <p:cBhvr>
+                                        <p:cTn id="32" dur="500"/>
+                                        <p:tgtEl>
+                                          <p:spTgt spid="3"/>
+                                        </p:tgtEl>
+                                      </p:cBhvr>
+                                    </p:animEffect>
+                                  </p:childTnLst>
+                                </p:cTn>
+                              </p:par>
                             </p:childTnLst>
                           </p:cTn>
                         </p:par>
@@ -28402,6 +28467,9 @@
         </p:cTn>
       </p:par>
     </p:tnLst>
+    <p:bldLst>
+      <p:bldP spid="10" grpId="0" build="p"/>
+    </p:bldLst>
   </p:timing>
 </p:sld>
 </file>
@@ -30714,10 +30782,16 @@
               <a:t>(only 2D </a:t>
             </a:r>
             <a:r>
-              <a:rPr lang="en-US" sz="1600" smtClean="0">
+              <a:rPr lang="en-US" sz="1600" dirty="0" err="1" smtClean="0">
                 <a:latin typeface="+mn-lt"/>
               </a:rPr>
-              <a:t>dimention)</a:t>
+              <a:t>dimention</a:t>
+            </a:r>
+            <a:r>
+              <a:rPr lang="en-US" sz="1600" dirty="0" smtClean="0">
+                <a:latin typeface="+mn-lt"/>
+              </a:rPr>
+              <a:t>)</a:t>
             </a:r>
             <a:endParaRPr lang="en-US" sz="1600" dirty="0">
               <a:latin typeface="+mn-lt"/>

--- a/SOFTWARE PROJECT LAB-1.pptx
+++ b/SOFTWARE PROJECT LAB-1.pptx
@@ -27921,7 +27921,7 @@
                             </p:stCondLst>
                             <p:childTnLst>
                               <p:par>
-                                <p:cTn id="5" presetID="42" presetClass="entr" presetSubtype="0" fill="hold" grpId="0" nodeType="clickEffect">
+                                <p:cTn id="5" presetID="16" presetClass="entr" presetSubtype="21" fill="hold" grpId="0" nodeType="clickEffect">
                                   <p:stCondLst>
                                     <p:cond delay="0"/>
                                   </p:stCondLst>
@@ -27948,9 +27948,9 @@
                                         <p:strVal val="visible"/>
                                       </p:to>
                                     </p:set>
-                                    <p:animEffect transition="in" filter="fade">
+                                    <p:animEffect transition="in" filter="barn(inVertical)">
                                       <p:cBhvr>
-                                        <p:cTn id="7" dur="1000"/>
+                                        <p:cTn id="7" dur="500"/>
                                         <p:tgtEl>
                                           <p:spTgt spid="10">
                                             <p:txEl>
@@ -27960,65 +27960,29 @@
                                         </p:tgtEl>
                                       </p:cBhvr>
                                     </p:animEffect>
-                                    <p:anim calcmode="lin" valueType="num">
-                                      <p:cBhvr>
-                                        <p:cTn id="8" dur="1000" fill="hold"/>
-                                        <p:tgtEl>
-                                          <p:spTgt spid="10">
-                                            <p:txEl>
-                                              <p:pRg st="0" end="0"/>
-                                            </p:txEl>
-                                          </p:spTgt>
-                                        </p:tgtEl>
-                                        <p:attrNameLst>
-                                          <p:attrName>ppt_x</p:attrName>
-                                        </p:attrNameLst>
-                                      </p:cBhvr>
-                                      <p:tavLst>
-                                        <p:tav tm="0">
-                                          <p:val>
-                                            <p:strVal val="#ppt_x"/>
-                                          </p:val>
-                                        </p:tav>
-                                        <p:tav tm="100000">
-                                          <p:val>
-                                            <p:strVal val="#ppt_x"/>
-                                          </p:val>
-                                        </p:tav>
-                                      </p:tavLst>
-                                    </p:anim>
-                                    <p:anim calcmode="lin" valueType="num">
-                                      <p:cBhvr>
-                                        <p:cTn id="9" dur="1000" fill="hold"/>
-                                        <p:tgtEl>
-                                          <p:spTgt spid="10">
-                                            <p:txEl>
-                                              <p:pRg st="0" end="0"/>
-                                            </p:txEl>
-                                          </p:spTgt>
-                                        </p:tgtEl>
-                                        <p:attrNameLst>
-                                          <p:attrName>ppt_y</p:attrName>
-                                        </p:attrNameLst>
-                                      </p:cBhvr>
-                                      <p:tavLst>
-                                        <p:tav tm="0">
-                                          <p:val>
-                                            <p:strVal val="#ppt_y+.1"/>
-                                          </p:val>
-                                        </p:tav>
-                                        <p:tav tm="100000">
-                                          <p:val>
-                                            <p:strVal val="#ppt_y"/>
-                                          </p:val>
-                                        </p:tav>
-                                      </p:tavLst>
-                                    </p:anim>
                                   </p:childTnLst>
                                 </p:cTn>
                               </p:par>
+                            </p:childTnLst>
+                          </p:cTn>
+                        </p:par>
+                      </p:childTnLst>
+                    </p:cTn>
+                  </p:par>
+                  <p:par>
+                    <p:cTn id="8" fill="hold">
+                      <p:stCondLst>
+                        <p:cond delay="indefinite"/>
+                      </p:stCondLst>
+                      <p:childTnLst>
+                        <p:par>
+                          <p:cTn id="9" fill="hold">
+                            <p:stCondLst>
+                              <p:cond delay="0"/>
+                            </p:stCondLst>
+                            <p:childTnLst>
                               <p:par>
-                                <p:cTn id="10" presetID="42" presetClass="entr" presetSubtype="0" fill="hold" grpId="0" nodeType="withEffect">
+                                <p:cTn id="10" presetID="16" presetClass="entr" presetSubtype="21" fill="hold" grpId="0" nodeType="clickEffect">
                                   <p:stCondLst>
                                     <p:cond delay="0"/>
                                   </p:stCondLst>
@@ -28045,9 +28009,9 @@
                                         <p:strVal val="visible"/>
                                       </p:to>
                                     </p:set>
-                                    <p:animEffect transition="in" filter="fade">
+                                    <p:animEffect transition="in" filter="barn(inVertical)">
                                       <p:cBhvr>
-                                        <p:cTn id="12" dur="1000"/>
+                                        <p:cTn id="12" dur="500"/>
                                         <p:tgtEl>
                                           <p:spTgt spid="10">
                                             <p:txEl>
@@ -28057,65 +28021,29 @@
                                         </p:tgtEl>
                                       </p:cBhvr>
                                     </p:animEffect>
-                                    <p:anim calcmode="lin" valueType="num">
-                                      <p:cBhvr>
-                                        <p:cTn id="13" dur="1000" fill="hold"/>
-                                        <p:tgtEl>
-                                          <p:spTgt spid="10">
-                                            <p:txEl>
-                                              <p:pRg st="1" end="1"/>
-                                            </p:txEl>
-                                          </p:spTgt>
-                                        </p:tgtEl>
-                                        <p:attrNameLst>
-                                          <p:attrName>ppt_x</p:attrName>
-                                        </p:attrNameLst>
-                                      </p:cBhvr>
-                                      <p:tavLst>
-                                        <p:tav tm="0">
-                                          <p:val>
-                                            <p:strVal val="#ppt_x"/>
-                                          </p:val>
-                                        </p:tav>
-                                        <p:tav tm="100000">
-                                          <p:val>
-                                            <p:strVal val="#ppt_x"/>
-                                          </p:val>
-                                        </p:tav>
-                                      </p:tavLst>
-                                    </p:anim>
-                                    <p:anim calcmode="lin" valueType="num">
-                                      <p:cBhvr>
-                                        <p:cTn id="14" dur="1000" fill="hold"/>
-                                        <p:tgtEl>
-                                          <p:spTgt spid="10">
-                                            <p:txEl>
-                                              <p:pRg st="1" end="1"/>
-                                            </p:txEl>
-                                          </p:spTgt>
-                                        </p:tgtEl>
-                                        <p:attrNameLst>
-                                          <p:attrName>ppt_y</p:attrName>
-                                        </p:attrNameLst>
-                                      </p:cBhvr>
-                                      <p:tavLst>
-                                        <p:tav tm="0">
-                                          <p:val>
-                                            <p:strVal val="#ppt_y+.1"/>
-                                          </p:val>
-                                        </p:tav>
-                                        <p:tav tm="100000">
-                                          <p:val>
-                                            <p:strVal val="#ppt_y"/>
-                                          </p:val>
-                                        </p:tav>
-                                      </p:tavLst>
-                                    </p:anim>
                                   </p:childTnLst>
                                 </p:cTn>
                               </p:par>
+                            </p:childTnLst>
+                          </p:cTn>
+                        </p:par>
+                      </p:childTnLst>
+                    </p:cTn>
+                  </p:par>
+                  <p:par>
+                    <p:cTn id="13" fill="hold">
+                      <p:stCondLst>
+                        <p:cond delay="indefinite"/>
+                      </p:stCondLst>
+                      <p:childTnLst>
+                        <p:par>
+                          <p:cTn id="14" fill="hold">
+                            <p:stCondLst>
+                              <p:cond delay="0"/>
+                            </p:stCondLst>
+                            <p:childTnLst>
                               <p:par>
-                                <p:cTn id="15" presetID="42" presetClass="entr" presetSubtype="0" fill="hold" grpId="0" nodeType="withEffect">
+                                <p:cTn id="15" presetID="16" presetClass="entr" presetSubtype="21" fill="hold" grpId="0" nodeType="clickEffect">
                                   <p:stCondLst>
                                     <p:cond delay="0"/>
                                   </p:stCondLst>
@@ -28142,9 +28070,9 @@
                                         <p:strVal val="visible"/>
                                       </p:to>
                                     </p:set>
-                                    <p:animEffect transition="in" filter="fade">
+                                    <p:animEffect transition="in" filter="barn(inVertical)">
                                       <p:cBhvr>
-                                        <p:cTn id="17" dur="1000"/>
+                                        <p:cTn id="17" dur="500"/>
                                         <p:tgtEl>
                                           <p:spTgt spid="10">
                                             <p:txEl>
@@ -28154,65 +28082,29 @@
                                         </p:tgtEl>
                                       </p:cBhvr>
                                     </p:animEffect>
-                                    <p:anim calcmode="lin" valueType="num">
-                                      <p:cBhvr>
-                                        <p:cTn id="18" dur="1000" fill="hold"/>
-                                        <p:tgtEl>
-                                          <p:spTgt spid="10">
-                                            <p:txEl>
-                                              <p:pRg st="2" end="2"/>
-                                            </p:txEl>
-                                          </p:spTgt>
-                                        </p:tgtEl>
-                                        <p:attrNameLst>
-                                          <p:attrName>ppt_x</p:attrName>
-                                        </p:attrNameLst>
-                                      </p:cBhvr>
-                                      <p:tavLst>
-                                        <p:tav tm="0">
-                                          <p:val>
-                                            <p:strVal val="#ppt_x"/>
-                                          </p:val>
-                                        </p:tav>
-                                        <p:tav tm="100000">
-                                          <p:val>
-                                            <p:strVal val="#ppt_x"/>
-                                          </p:val>
-                                        </p:tav>
-                                      </p:tavLst>
-                                    </p:anim>
-                                    <p:anim calcmode="lin" valueType="num">
-                                      <p:cBhvr>
-                                        <p:cTn id="19" dur="1000" fill="hold"/>
-                                        <p:tgtEl>
-                                          <p:spTgt spid="10">
-                                            <p:txEl>
-                                              <p:pRg st="2" end="2"/>
-                                            </p:txEl>
-                                          </p:spTgt>
-                                        </p:tgtEl>
-                                        <p:attrNameLst>
-                                          <p:attrName>ppt_y</p:attrName>
-                                        </p:attrNameLst>
-                                      </p:cBhvr>
-                                      <p:tavLst>
-                                        <p:tav tm="0">
-                                          <p:val>
-                                            <p:strVal val="#ppt_y+.1"/>
-                                          </p:val>
-                                        </p:tav>
-                                        <p:tav tm="100000">
-                                          <p:val>
-                                            <p:strVal val="#ppt_y"/>
-                                          </p:val>
-                                        </p:tav>
-                                      </p:tavLst>
-                                    </p:anim>
                                   </p:childTnLst>
                                 </p:cTn>
                               </p:par>
+                            </p:childTnLst>
+                          </p:cTn>
+                        </p:par>
+                      </p:childTnLst>
+                    </p:cTn>
+                  </p:par>
+                  <p:par>
+                    <p:cTn id="18" fill="hold">
+                      <p:stCondLst>
+                        <p:cond delay="indefinite"/>
+                      </p:stCondLst>
+                      <p:childTnLst>
+                        <p:par>
+                          <p:cTn id="19" fill="hold">
+                            <p:stCondLst>
+                              <p:cond delay="0"/>
+                            </p:stCondLst>
+                            <p:childTnLst>
                               <p:par>
-                                <p:cTn id="20" presetID="42" presetClass="entr" presetSubtype="0" fill="hold" grpId="0" nodeType="withEffect">
+                                <p:cTn id="20" presetID="16" presetClass="entr" presetSubtype="21" fill="hold" grpId="0" nodeType="clickEffect">
                                   <p:stCondLst>
                                     <p:cond delay="0"/>
                                   </p:stCondLst>
@@ -28239,9 +28131,9 @@
                                         <p:strVal val="visible"/>
                                       </p:to>
                                     </p:set>
-                                    <p:animEffect transition="in" filter="fade">
+                                    <p:animEffect transition="in" filter="barn(inVertical)">
                                       <p:cBhvr>
-                                        <p:cTn id="22" dur="1000"/>
+                                        <p:cTn id="22" dur="500"/>
                                         <p:tgtEl>
                                           <p:spTgt spid="10">
                                             <p:txEl>
@@ -28251,65 +28143,29 @@
                                         </p:tgtEl>
                                       </p:cBhvr>
                                     </p:animEffect>
-                                    <p:anim calcmode="lin" valueType="num">
-                                      <p:cBhvr>
-                                        <p:cTn id="23" dur="1000" fill="hold"/>
-                                        <p:tgtEl>
-                                          <p:spTgt spid="10">
-                                            <p:txEl>
-                                              <p:pRg st="3" end="3"/>
-                                            </p:txEl>
-                                          </p:spTgt>
-                                        </p:tgtEl>
-                                        <p:attrNameLst>
-                                          <p:attrName>ppt_x</p:attrName>
-                                        </p:attrNameLst>
-                                      </p:cBhvr>
-                                      <p:tavLst>
-                                        <p:tav tm="0">
-                                          <p:val>
-                                            <p:strVal val="#ppt_x"/>
-                                          </p:val>
-                                        </p:tav>
-                                        <p:tav tm="100000">
-                                          <p:val>
-                                            <p:strVal val="#ppt_x"/>
-                                          </p:val>
-                                        </p:tav>
-                                      </p:tavLst>
-                                    </p:anim>
-                                    <p:anim calcmode="lin" valueType="num">
-                                      <p:cBhvr>
-                                        <p:cTn id="24" dur="1000" fill="hold"/>
-                                        <p:tgtEl>
-                                          <p:spTgt spid="10">
-                                            <p:txEl>
-                                              <p:pRg st="3" end="3"/>
-                                            </p:txEl>
-                                          </p:spTgt>
-                                        </p:tgtEl>
-                                        <p:attrNameLst>
-                                          <p:attrName>ppt_y</p:attrName>
-                                        </p:attrNameLst>
-                                      </p:cBhvr>
-                                      <p:tavLst>
-                                        <p:tav tm="0">
-                                          <p:val>
-                                            <p:strVal val="#ppt_y+.1"/>
-                                          </p:val>
-                                        </p:tav>
-                                        <p:tav tm="100000">
-                                          <p:val>
-                                            <p:strVal val="#ppt_y"/>
-                                          </p:val>
-                                        </p:tav>
-                                      </p:tavLst>
-                                    </p:anim>
                                   </p:childTnLst>
                                 </p:cTn>
                               </p:par>
+                            </p:childTnLst>
+                          </p:cTn>
+                        </p:par>
+                      </p:childTnLst>
+                    </p:cTn>
+                  </p:par>
+                  <p:par>
+                    <p:cTn id="23" fill="hold">
+                      <p:stCondLst>
+                        <p:cond delay="indefinite"/>
+                      </p:stCondLst>
+                      <p:childTnLst>
+                        <p:par>
+                          <p:cTn id="24" fill="hold">
+                            <p:stCondLst>
+                              <p:cond delay="0"/>
+                            </p:stCondLst>
+                            <p:childTnLst>
                               <p:par>
-                                <p:cTn id="25" presetID="42" presetClass="entr" presetSubtype="0" fill="hold" grpId="0" nodeType="withEffect">
+                                <p:cTn id="25" presetID="16" presetClass="entr" presetSubtype="21" fill="hold" grpId="0" nodeType="clickEffect">
                                   <p:stCondLst>
                                     <p:cond delay="0"/>
                                   </p:stCondLst>
@@ -28336,9 +28192,9 @@
                                         <p:strVal val="visible"/>
                                       </p:to>
                                     </p:set>
-                                    <p:animEffect transition="in" filter="fade">
+                                    <p:animEffect transition="in" filter="barn(inVertical)">
                                       <p:cBhvr>
-                                        <p:cTn id="27" dur="1000"/>
+                                        <p:cTn id="27" dur="500"/>
                                         <p:tgtEl>
                                           <p:spTgt spid="10">
                                             <p:txEl>
@@ -28348,72 +28204,18 @@
                                         </p:tgtEl>
                                       </p:cBhvr>
                                     </p:animEffect>
-                                    <p:anim calcmode="lin" valueType="num">
-                                      <p:cBhvr>
-                                        <p:cTn id="28" dur="1000" fill="hold"/>
-                                        <p:tgtEl>
-                                          <p:spTgt spid="10">
-                                            <p:txEl>
-                                              <p:pRg st="4" end="4"/>
-                                            </p:txEl>
-                                          </p:spTgt>
-                                        </p:tgtEl>
-                                        <p:attrNameLst>
-                                          <p:attrName>ppt_x</p:attrName>
-                                        </p:attrNameLst>
-                                      </p:cBhvr>
-                                      <p:tavLst>
-                                        <p:tav tm="0">
-                                          <p:val>
-                                            <p:strVal val="#ppt_x"/>
-                                          </p:val>
-                                        </p:tav>
-                                        <p:tav tm="100000">
-                                          <p:val>
-                                            <p:strVal val="#ppt_x"/>
-                                          </p:val>
-                                        </p:tav>
-                                      </p:tavLst>
-                                    </p:anim>
-                                    <p:anim calcmode="lin" valueType="num">
-                                      <p:cBhvr>
-                                        <p:cTn id="29" dur="1000" fill="hold"/>
-                                        <p:tgtEl>
-                                          <p:spTgt spid="10">
-                                            <p:txEl>
-                                              <p:pRg st="4" end="4"/>
-                                            </p:txEl>
-                                          </p:spTgt>
-                                        </p:tgtEl>
-                                        <p:attrNameLst>
-                                          <p:attrName>ppt_y</p:attrName>
-                                        </p:attrNameLst>
-                                      </p:cBhvr>
-                                      <p:tavLst>
-                                        <p:tav tm="0">
-                                          <p:val>
-                                            <p:strVal val="#ppt_y+.1"/>
-                                          </p:val>
-                                        </p:tav>
-                                        <p:tav tm="100000">
-                                          <p:val>
-                                            <p:strVal val="#ppt_y"/>
-                                          </p:val>
-                                        </p:tav>
-                                      </p:tavLst>
-                                    </p:anim>
                                   </p:childTnLst>
                                 </p:cTn>
                               </p:par>
                               <p:par>
-                                <p:cTn id="30" presetID="16" presetClass="entr" presetSubtype="21" fill="hold" nodeType="withEffect">
+                                <p:cTn id="28" presetID="16" presetClass="entr" presetSubtype="21" fill="hold" nodeType="withEffect">
                                   <p:stCondLst>
                                     <p:cond delay="0"/>
                                   </p:stCondLst>
                                   <p:childTnLst>
                                     <p:set>
                                       <p:cBhvr>
-                                        <p:cTn id="31" dur="1" fill="hold">
+                                        <p:cTn id="29" dur="1" fill="hold">
                                           <p:stCondLst>
                                             <p:cond delay="0"/>
                                           </p:stCondLst>
@@ -28431,7 +28233,7 @@
                                     </p:set>
                                     <p:animEffect transition="in" filter="barn(inVertical)">
                                       <p:cBhvr>
-                                        <p:cTn id="32" dur="500"/>
+                                        <p:cTn id="30" dur="500"/>
                                         <p:tgtEl>
                                           <p:spTgt spid="3"/>
                                         </p:tgtEl>
@@ -29798,7 +29600,7 @@
             <p:ph sz="half" idx="2"/>
           </p:nvPr>
         </p:nvPicPr>
-        <p:blipFill>
+        <p:blipFill rotWithShape="1">
           <a:blip r:embed="rId2">
             <a:extLst>
               <a:ext uri="{28A0092B-C50C-407E-A947-70E740481C1C}">
@@ -29806,14 +29608,13 @@
               </a:ext>
             </a:extLst>
           </a:blip>
-          <a:stretch>
-            <a:fillRect/>
-          </a:stretch>
+          <a:srcRect r="15621"/>
+          <a:stretch/>
         </p:blipFill>
         <p:spPr>
           <a:xfrm>
-            <a:off x="804217" y="2861953"/>
-            <a:ext cx="3613403" cy="2418649"/>
+            <a:off x="91698" y="2847093"/>
+            <a:ext cx="3079014" cy="2418649"/>
           </a:xfrm>
         </p:spPr>
       </p:pic>
@@ -29839,7 +29640,7 @@
         </p:blipFill>
         <p:spPr>
           <a:xfrm>
-            <a:off x="6212650" y="2847093"/>
+            <a:off x="7376432" y="2832233"/>
             <a:ext cx="3726996" cy="2433509"/>
           </a:xfrm>
           <a:prstGeom prst="rect">
@@ -29855,7 +29656,7 @@
         </p:nvSpPr>
         <p:spPr>
           <a:xfrm>
-            <a:off x="1175657" y="2078182"/>
+            <a:off x="1799112" y="2074318"/>
             <a:ext cx="2743200" cy="593766"/>
           </a:xfrm>
           <a:prstGeom prst="ellipse">
@@ -29899,7 +29700,7 @@
         </p:nvSpPr>
         <p:spPr>
           <a:xfrm>
-            <a:off x="6329548" y="2078183"/>
+            <a:off x="7376432" y="2004998"/>
             <a:ext cx="3253839" cy="593766"/>
           </a:xfrm>
           <a:prstGeom prst="ellipse">
@@ -29939,6 +29740,66 @@
           </a:p>
         </p:txBody>
       </p:sp>
+      <p:pic>
+        <p:nvPicPr>
+          <p:cNvPr id="4" name="Picture 3"/>
+          <p:cNvPicPr>
+            <a:picLocks noChangeAspect="1"/>
+          </p:cNvPicPr>
+          <p:nvPr/>
+        </p:nvPicPr>
+        <p:blipFill>
+          <a:blip r:embed="rId4">
+            <a:extLst>
+              <a:ext uri="{28A0092B-C50C-407E-A947-70E740481C1C}">
+                <a14:useLocalDpi xmlns:a14="http://schemas.microsoft.com/office/drawing/2010/main" val="0"/>
+              </a:ext>
+            </a:extLst>
+          </a:blip>
+          <a:stretch>
+            <a:fillRect/>
+          </a:stretch>
+        </p:blipFill>
+        <p:spPr>
+          <a:xfrm>
+            <a:off x="3546475" y="2832233"/>
+            <a:ext cx="3103707" cy="1298128"/>
+          </a:xfrm>
+          <a:prstGeom prst="rect">
+            <a:avLst/>
+          </a:prstGeom>
+        </p:spPr>
+      </p:pic>
+      <p:pic>
+        <p:nvPicPr>
+          <p:cNvPr id="5" name="Picture 4"/>
+          <p:cNvPicPr>
+            <a:picLocks noChangeAspect="1"/>
+          </p:cNvPicPr>
+          <p:nvPr/>
+        </p:nvPicPr>
+        <p:blipFill>
+          <a:blip r:embed="rId5">
+            <a:extLst>
+              <a:ext uri="{28A0092B-C50C-407E-A947-70E740481C1C}">
+                <a14:useLocalDpi xmlns:a14="http://schemas.microsoft.com/office/drawing/2010/main" val="0"/>
+              </a:ext>
+            </a:extLst>
+          </a:blip>
+          <a:stretch>
+            <a:fillRect/>
+          </a:stretch>
+        </p:blipFill>
+        <p:spPr>
+          <a:xfrm>
+            <a:off x="3535259" y="4324607"/>
+            <a:ext cx="3476625" cy="1000125"/>
+          </a:xfrm>
+          <a:prstGeom prst="rect">
+            <a:avLst/>
+          </a:prstGeom>
+        </p:spPr>
+      </p:pic>
     </p:spTree>
     <p:extLst>
       <p:ext uri="{BB962C8B-B14F-4D97-AF65-F5344CB8AC3E}">
@@ -29970,7 +29831,7 @@
                             </p:stCondLst>
                             <p:childTnLst>
                               <p:par>
-                                <p:cTn id="5" presetID="16" presetClass="entr" presetSubtype="21" fill="hold" nodeType="clickEffect">
+                                <p:cTn id="5" presetID="42" presetClass="entr" presetSubtype="0" fill="hold" nodeType="clickEffect">
                                   <p:stCondLst>
                                     <p:cond delay="0"/>
                                   </p:stCondLst>
@@ -29993,26 +29854,72 @@
                                         <p:strVal val="visible"/>
                                       </p:to>
                                     </p:set>
-                                    <p:animEffect transition="in" filter="barn(inVertical)">
+                                    <p:animEffect transition="in" filter="fade">
                                       <p:cBhvr>
-                                        <p:cTn id="7" dur="500"/>
+                                        <p:cTn id="7" dur="1000"/>
                                         <p:tgtEl>
                                           <p:spTgt spid="9"/>
                                         </p:tgtEl>
                                       </p:cBhvr>
                                     </p:animEffect>
+                                    <p:anim calcmode="lin" valueType="num">
+                                      <p:cBhvr>
+                                        <p:cTn id="8" dur="1000" fill="hold"/>
+                                        <p:tgtEl>
+                                          <p:spTgt spid="9"/>
+                                        </p:tgtEl>
+                                        <p:attrNameLst>
+                                          <p:attrName>ppt_x</p:attrName>
+                                        </p:attrNameLst>
+                                      </p:cBhvr>
+                                      <p:tavLst>
+                                        <p:tav tm="0">
+                                          <p:val>
+                                            <p:strVal val="#ppt_x"/>
+                                          </p:val>
+                                        </p:tav>
+                                        <p:tav tm="100000">
+                                          <p:val>
+                                            <p:strVal val="#ppt_x"/>
+                                          </p:val>
+                                        </p:tav>
+                                      </p:tavLst>
+                                    </p:anim>
+                                    <p:anim calcmode="lin" valueType="num">
+                                      <p:cBhvr>
+                                        <p:cTn id="9" dur="1000" fill="hold"/>
+                                        <p:tgtEl>
+                                          <p:spTgt spid="9"/>
+                                        </p:tgtEl>
+                                        <p:attrNameLst>
+                                          <p:attrName>ppt_y</p:attrName>
+                                        </p:attrNameLst>
+                                      </p:cBhvr>
+                                      <p:tavLst>
+                                        <p:tav tm="0">
+                                          <p:val>
+                                            <p:strVal val="#ppt_y+.1"/>
+                                          </p:val>
+                                        </p:tav>
+                                        <p:tav tm="100000">
+                                          <p:val>
+                                            <p:strVal val="#ppt_y"/>
+                                          </p:val>
+                                        </p:tav>
+                                      </p:tavLst>
+                                    </p:anim>
                                   </p:childTnLst>
                                 </p:cTn>
                               </p:par>
                               <p:par>
-                                <p:cTn id="8" presetID="16" presetClass="entr" presetSubtype="21" fill="hold" grpId="0" nodeType="withEffect">
+                                <p:cTn id="10" presetID="42" presetClass="entr" presetSubtype="0" fill="hold" grpId="0" nodeType="withEffect">
                                   <p:stCondLst>
                                     <p:cond delay="0"/>
                                   </p:stCondLst>
                                   <p:childTnLst>
                                     <p:set>
                                       <p:cBhvr>
-                                        <p:cTn id="9" dur="1" fill="hold">
+                                        <p:cTn id="11" dur="1" fill="hold">
                                           <p:stCondLst>
                                             <p:cond delay="0"/>
                                           </p:stCondLst>
@@ -30028,26 +29935,72 @@
                                         <p:strVal val="visible"/>
                                       </p:to>
                                     </p:set>
-                                    <p:animEffect transition="in" filter="barn(inVertical)">
+                                    <p:animEffect transition="in" filter="fade">
                                       <p:cBhvr>
-                                        <p:cTn id="10" dur="500"/>
+                                        <p:cTn id="12" dur="1000"/>
                                         <p:tgtEl>
                                           <p:spTgt spid="10"/>
                                         </p:tgtEl>
                                       </p:cBhvr>
                                     </p:animEffect>
+                                    <p:anim calcmode="lin" valueType="num">
+                                      <p:cBhvr>
+                                        <p:cTn id="13" dur="1000" fill="hold"/>
+                                        <p:tgtEl>
+                                          <p:spTgt spid="10"/>
+                                        </p:tgtEl>
+                                        <p:attrNameLst>
+                                          <p:attrName>ppt_x</p:attrName>
+                                        </p:attrNameLst>
+                                      </p:cBhvr>
+                                      <p:tavLst>
+                                        <p:tav tm="0">
+                                          <p:val>
+                                            <p:strVal val="#ppt_x"/>
+                                          </p:val>
+                                        </p:tav>
+                                        <p:tav tm="100000">
+                                          <p:val>
+                                            <p:strVal val="#ppt_x"/>
+                                          </p:val>
+                                        </p:tav>
+                                      </p:tavLst>
+                                    </p:anim>
+                                    <p:anim calcmode="lin" valueType="num">
+                                      <p:cBhvr>
+                                        <p:cTn id="14" dur="1000" fill="hold"/>
+                                        <p:tgtEl>
+                                          <p:spTgt spid="10"/>
+                                        </p:tgtEl>
+                                        <p:attrNameLst>
+                                          <p:attrName>ppt_y</p:attrName>
+                                        </p:attrNameLst>
+                                      </p:cBhvr>
+                                      <p:tavLst>
+                                        <p:tav tm="0">
+                                          <p:val>
+                                            <p:strVal val="#ppt_y+.1"/>
+                                          </p:val>
+                                        </p:tav>
+                                        <p:tav tm="100000">
+                                          <p:val>
+                                            <p:strVal val="#ppt_y"/>
+                                          </p:val>
+                                        </p:tav>
+                                      </p:tavLst>
+                                    </p:anim>
                                   </p:childTnLst>
                                 </p:cTn>
                               </p:par>
                               <p:par>
-                                <p:cTn id="11" presetID="16" presetClass="entr" presetSubtype="21" fill="hold" grpId="0" nodeType="withEffect">
+                                <p:cTn id="15" presetID="42" presetClass="entr" presetSubtype="0" fill="hold" grpId="0" nodeType="withEffect">
                                   <p:stCondLst>
                                     <p:cond delay="0"/>
                                   </p:stCondLst>
                                   <p:childTnLst>
                                     <p:set>
                                       <p:cBhvr>
-                                        <p:cTn id="12" dur="1" fill="hold">
+                                        <p:cTn id="16" dur="1" fill="hold">
                                           <p:stCondLst>
                                             <p:cond delay="0"/>
                                           </p:stCondLst>
@@ -30063,26 +30016,72 @@
                                         <p:strVal val="visible"/>
                                       </p:to>
                                     </p:set>
-                                    <p:animEffect transition="in" filter="barn(inVertical)">
+                                    <p:animEffect transition="in" filter="fade">
                                       <p:cBhvr>
-                                        <p:cTn id="13" dur="500"/>
+                                        <p:cTn id="17" dur="1000"/>
                                         <p:tgtEl>
                                           <p:spTgt spid="11"/>
                                         </p:tgtEl>
                                       </p:cBhvr>
                                     </p:animEffect>
+                                    <p:anim calcmode="lin" valueType="num">
+                                      <p:cBhvr>
+                                        <p:cTn id="18" dur="1000" fill="hold"/>
+                                        <p:tgtEl>
+                                          <p:spTgt spid="11"/>
+                                        </p:tgtEl>
+                                        <p:attrNameLst>
+                                          <p:attrName>ppt_x</p:attrName>
+                                        </p:attrNameLst>
+                                      </p:cBhvr>
+                                      <p:tavLst>
+                                        <p:tav tm="0">
+                                          <p:val>
+                                            <p:strVal val="#ppt_x"/>
+                                          </p:val>
+                                        </p:tav>
+                                        <p:tav tm="100000">
+                                          <p:val>
+                                            <p:strVal val="#ppt_x"/>
+                                          </p:val>
+                                        </p:tav>
+                                      </p:tavLst>
+                                    </p:anim>
+                                    <p:anim calcmode="lin" valueType="num">
+                                      <p:cBhvr>
+                                        <p:cTn id="19" dur="1000" fill="hold"/>
+                                        <p:tgtEl>
+                                          <p:spTgt spid="11"/>
+                                        </p:tgtEl>
+                                        <p:attrNameLst>
+                                          <p:attrName>ppt_y</p:attrName>
+                                        </p:attrNameLst>
+                                      </p:cBhvr>
+                                      <p:tavLst>
+                                        <p:tav tm="0">
+                                          <p:val>
+                                            <p:strVal val="#ppt_y+.1"/>
+                                          </p:val>
+                                        </p:tav>
+                                        <p:tav tm="100000">
+                                          <p:val>
+                                            <p:strVal val="#ppt_y"/>
+                                          </p:val>
+                                        </p:tav>
+                                      </p:tavLst>
+                                    </p:anim>
                                   </p:childTnLst>
                                 </p:cTn>
                               </p:par>
                               <p:par>
-                                <p:cTn id="14" presetID="16" presetClass="entr" presetSubtype="21" fill="hold" nodeType="withEffect">
+                                <p:cTn id="20" presetID="42" presetClass="entr" presetSubtype="0" fill="hold" nodeType="withEffect">
                                   <p:stCondLst>
                                     <p:cond delay="0"/>
                                   </p:stCondLst>
                                   <p:childTnLst>
                                     <p:set>
                                       <p:cBhvr>
-                                        <p:cTn id="15" dur="1" fill="hold">
+                                        <p:cTn id="21" dur="1" fill="hold">
                                           <p:stCondLst>
                                             <p:cond delay="0"/>
                                           </p:stCondLst>
@@ -30098,14 +30097,222 @@
                                         <p:strVal val="visible"/>
                                       </p:to>
                                     </p:set>
-                                    <p:animEffect transition="in" filter="barn(inVertical)">
+                                    <p:animEffect transition="in" filter="fade">
                                       <p:cBhvr>
-                                        <p:cTn id="16" dur="500"/>
+                                        <p:cTn id="22" dur="1000"/>
                                         <p:tgtEl>
                                           <p:spTgt spid="8"/>
                                         </p:tgtEl>
                                       </p:cBhvr>
                                     </p:animEffect>
+                                    <p:anim calcmode="lin" valueType="num">
+                                      <p:cBhvr>
+                                        <p:cTn id="23" dur="1000" fill="hold"/>
+                                        <p:tgtEl>
+                                          <p:spTgt spid="8"/>
+                                        </p:tgtEl>
+                                        <p:attrNameLst>
+                                          <p:attrName>ppt_x</p:attrName>
+                                        </p:attrNameLst>
+                                      </p:cBhvr>
+                                      <p:tavLst>
+                                        <p:tav tm="0">
+                                          <p:val>
+                                            <p:strVal val="#ppt_x"/>
+                                          </p:val>
+                                        </p:tav>
+                                        <p:tav tm="100000">
+                                          <p:val>
+                                            <p:strVal val="#ppt_x"/>
+                                          </p:val>
+                                        </p:tav>
+                                      </p:tavLst>
+                                    </p:anim>
+                                    <p:anim calcmode="lin" valueType="num">
+                                      <p:cBhvr>
+                                        <p:cTn id="24" dur="1000" fill="hold"/>
+                                        <p:tgtEl>
+                                          <p:spTgt spid="8"/>
+                                        </p:tgtEl>
+                                        <p:attrNameLst>
+                                          <p:attrName>ppt_y</p:attrName>
+                                        </p:attrNameLst>
+                                      </p:cBhvr>
+                                      <p:tavLst>
+                                        <p:tav tm="0">
+                                          <p:val>
+                                            <p:strVal val="#ppt_y+.1"/>
+                                          </p:val>
+                                        </p:tav>
+                                        <p:tav tm="100000">
+                                          <p:val>
+                                            <p:strVal val="#ppt_y"/>
+                                          </p:val>
+                                        </p:tav>
+                                      </p:tavLst>
+                                    </p:anim>
+                                  </p:childTnLst>
+                                </p:cTn>
+                              </p:par>
+                              <p:par>
+                                <p:cTn id="25" presetID="42" presetClass="entr" presetSubtype="0" fill="hold" nodeType="withEffect">
+                                  <p:stCondLst>
+                                    <p:cond delay="0"/>
+                                  </p:stCondLst>
+                                  <p:childTnLst>
+                                    <p:set>
+                                      <p:cBhvr>
+                                        <p:cTn id="26" dur="1" fill="hold">
+                                          <p:stCondLst>
+                                            <p:cond delay="0"/>
+                                          </p:stCondLst>
+                                        </p:cTn>
+                                        <p:tgtEl>
+                                          <p:spTgt spid="4"/>
+                                        </p:tgtEl>
+                                        <p:attrNameLst>
+                                          <p:attrName>style.visibility</p:attrName>
+                                        </p:attrNameLst>
+                                      </p:cBhvr>
+                                      <p:to>
+                                        <p:strVal val="visible"/>
+                                      </p:to>
+                                    </p:set>
+                                    <p:animEffect transition="in" filter="fade">
+                                      <p:cBhvr>
+                                        <p:cTn id="27" dur="1000"/>
+                                        <p:tgtEl>
+                                          <p:spTgt spid="4"/>
+                                        </p:tgtEl>
+                                      </p:cBhvr>
+                                    </p:animEffect>
+                                    <p:anim calcmode="lin" valueType="num">
+                                      <p:cBhvr>
+                                        <p:cTn id="28" dur="1000" fill="hold"/>
+                                        <p:tgtEl>
+                                          <p:spTgt spid="4"/>
+                                        </p:tgtEl>
+                                        <p:attrNameLst>
+                                          <p:attrName>ppt_x</p:attrName>
+                                        </p:attrNameLst>
+                                      </p:cBhvr>
+                                      <p:tavLst>
+                                        <p:tav tm="0">
+                                          <p:val>
+                                            <p:strVal val="#ppt_x"/>
+                                          </p:val>
+                                        </p:tav>
+                                        <p:tav tm="100000">
+                                          <p:val>
+                                            <p:strVal val="#ppt_x"/>
+                                          </p:val>
+                                        </p:tav>
+                                      </p:tavLst>
+                                    </p:anim>
+                                    <p:anim calcmode="lin" valueType="num">
+                                      <p:cBhvr>
+                                        <p:cTn id="29" dur="1000" fill="hold"/>
+                                        <p:tgtEl>
+                                          <p:spTgt spid="4"/>
+                                        </p:tgtEl>
+                                        <p:attrNameLst>
+                                          <p:attrName>ppt_y</p:attrName>
+                                        </p:attrNameLst>
+                                      </p:cBhvr>
+                                      <p:tavLst>
+                                        <p:tav tm="0">
+                                          <p:val>
+                                            <p:strVal val="#ppt_y+.1"/>
+                                          </p:val>
+                                        </p:tav>
+                                        <p:tav tm="100000">
+                                          <p:val>
+                                            <p:strVal val="#ppt_y"/>
+                                          </p:val>
+                                        </p:tav>
+                                      </p:tavLst>
+                                    </p:anim>
+                                  </p:childTnLst>
+                                </p:cTn>
+                              </p:par>
+                              <p:par>
+                                <p:cTn id="30" presetID="42" presetClass="entr" presetSubtype="0" fill="hold" nodeType="withEffect">
+                                  <p:stCondLst>
+                                    <p:cond delay="0"/>
+                                  </p:stCondLst>
+                                  <p:childTnLst>
+                                    <p:set>
+                                      <p:cBhvr>
+                                        <p:cTn id="31" dur="1" fill="hold">
+                                          <p:stCondLst>
+                                            <p:cond delay="0"/>
+                                          </p:stCondLst>
+                                        </p:cTn>
+                                        <p:tgtEl>
+                                          <p:spTgt spid="5"/>
+                                        </p:tgtEl>
+                                        <p:attrNameLst>
+                                          <p:attrName>style.visibility</p:attrName>
+                                        </p:attrNameLst>
+                                      </p:cBhvr>
+                                      <p:to>
+                                        <p:strVal val="visible"/>
+                                      </p:to>
+                                    </p:set>
+                                    <p:animEffect transition="in" filter="fade">
+                                      <p:cBhvr>
+                                        <p:cTn id="32" dur="1000"/>
+                                        <p:tgtEl>
+                                          <p:spTgt spid="5"/>
+                                        </p:tgtEl>
+                                      </p:cBhvr>
+                                    </p:animEffect>
+                                    <p:anim calcmode="lin" valueType="num">
+                                      <p:cBhvr>
+                                        <p:cTn id="33" dur="1000" fill="hold"/>
+                                        <p:tgtEl>
+                                          <p:spTgt spid="5"/>
+                                        </p:tgtEl>
+                                        <p:attrNameLst>
+                                          <p:attrName>ppt_x</p:attrName>
+                                        </p:attrNameLst>
+                                      </p:cBhvr>
+                                      <p:tavLst>
+                                        <p:tav tm="0">
+                                          <p:val>
+                                            <p:strVal val="#ppt_x"/>
+                                          </p:val>
+                                        </p:tav>
+                                        <p:tav tm="100000">
+                                          <p:val>
+                                            <p:strVal val="#ppt_x"/>
+                                          </p:val>
+                                        </p:tav>
+                                      </p:tavLst>
+                                    </p:anim>
+                                    <p:anim calcmode="lin" valueType="num">
+                                      <p:cBhvr>
+                                        <p:cTn id="34" dur="1000" fill="hold"/>
+                                        <p:tgtEl>
+                                          <p:spTgt spid="5"/>
+                                        </p:tgtEl>
+                                        <p:attrNameLst>
+                                          <p:attrName>ppt_y</p:attrName>
+                                        </p:attrNameLst>
+                                      </p:cBhvr>
+                                      <p:tavLst>
+                                        <p:tav tm="0">
+                                          <p:val>
+                                            <p:strVal val="#ppt_y+.1"/>
+                                          </p:val>
+                                        </p:tav>
+                                        <p:tav tm="100000">
+                                          <p:val>
+                                            <p:strVal val="#ppt_y"/>
+                                          </p:val>
+                                        </p:tav>
+                                      </p:tavLst>
+                                    </p:anim>
                                   </p:childTnLst>
                                 </p:cTn>
                               </p:par>
